--- a/DS02_화면설계서_v1.0.pptx
+++ b/DS02_화면설계서_v1.0.pptx
@@ -16451,15 +16451,61 @@
               </a:rPr>
               <a:t>)</a:t>
             </a:r>
-            <a:endParaRPr sz="900" b="0" i="0" u="none" strike="noStrike" cap="none" dirty="0">
-              <a:solidFill>
+          </a:p>
+          <a:p>
+            <a:pPr marL="177800" marR="0" lvl="0" indent="-120650" algn="l" rtl="0">
+              <a:lnSpc>
+                <a:spcPct val="90000"/>
+              </a:lnSpc>
+              <a:spcBef>
+                <a:spcPts val="813"/>
+              </a:spcBef>
+              <a:spcAft>
+                <a:spcPts val="0"/>
+              </a:spcAft>
+              <a:buClr>
                 <a:schemeClr val="dk1"/>
-              </a:solidFill>
-              <a:latin typeface="Malgun Gothic"/>
-              <a:ea typeface="Malgun Gothic"/>
-              <a:cs typeface="Malgun Gothic"/>
-              <a:sym typeface="Malgun Gothic"/>
-            </a:endParaRPr>
+              </a:buClr>
+              <a:buSzPts val="900"/>
+              <a:buFont typeface="Malgun Gothic"/>
+              <a:buNone/>
+            </a:pPr>
+            <a:r>
+              <a:rPr lang="en-US" altLang="ko-KR" sz="900" dirty="0">
+                <a:solidFill>
+                  <a:schemeClr val="dk1"/>
+                </a:solidFill>
+                <a:latin typeface="Malgun Gothic"/>
+                <a:ea typeface="Malgun Gothic"/>
+                <a:cs typeface="Malgun Gothic"/>
+                <a:sym typeface="Malgun Gothic"/>
+              </a:rPr>
+              <a:t>4)</a:t>
+            </a:r>
+            <a:r>
+              <a:rPr lang="ko-KR" altLang="en-US" sz="900" dirty="0">
+                <a:solidFill>
+                  <a:schemeClr val="dk1"/>
+                </a:solidFill>
+                <a:latin typeface="Malgun Gothic"/>
+                <a:ea typeface="Malgun Gothic"/>
+                <a:cs typeface="Malgun Gothic"/>
+                <a:sym typeface="Malgun Gothic"/>
+              </a:rPr>
+              <a:t>해당 과목의 상세 출결을 확인할 수 있다</a:t>
+            </a:r>
+            <a:r>
+              <a:rPr lang="en-US" altLang="ko-KR" sz="900" dirty="0">
+                <a:solidFill>
+                  <a:schemeClr val="dk1"/>
+                </a:solidFill>
+                <a:latin typeface="Malgun Gothic"/>
+                <a:ea typeface="Malgun Gothic"/>
+                <a:cs typeface="Malgun Gothic"/>
+                <a:sym typeface="Malgun Gothic"/>
+              </a:rPr>
+              <a:t>.</a:t>
+            </a:r>
           </a:p>
         </p:txBody>
       </p:sp>
@@ -16623,7 +16669,7 @@
           <p:nvPr>
             <p:extLst>
               <p:ext uri="{D42A27DB-BD31-4B8C-83A1-F6EECF244321}">
-                <p14:modId xmlns:p14="http://schemas.microsoft.com/office/powerpoint/2010/main" val="3881621158"/>
+                <p14:modId xmlns:p14="http://schemas.microsoft.com/office/powerpoint/2010/main" val="3212925584"/>
               </p:ext>
             </p:extLst>
           </p:nvPr>
@@ -16639,21 +16685,28 @@
                 <a:tableStyleId>{284E427A-3D55-4303-BF80-6455036E1DE7}</a:tableStyleId>
               </a:tblPr>
               <a:tblGrid>
-                <a:gridCol w="4026754">
+                <a:gridCol w="2556893">
                   <a:extLst>
                     <a:ext uri="{9D8B030D-6E8A-4147-A177-3AD203B41FA5}">
                       <a16:colId xmlns:a16="http://schemas.microsoft.com/office/drawing/2014/main" val="1917094988"/>
                     </a:ext>
                   </a:extLst>
                 </a:gridCol>
-                <a:gridCol w="1488988">
+                <a:gridCol w="2556893">
+                  <a:extLst>
+                    <a:ext uri="{9D8B030D-6E8A-4147-A177-3AD203B41FA5}">
+                      <a16:colId xmlns:a16="http://schemas.microsoft.com/office/drawing/2014/main" val="2101375769"/>
+                    </a:ext>
+                  </a:extLst>
+                </a:gridCol>
+                <a:gridCol w="945472">
                   <a:extLst>
                     <a:ext uri="{9D8B030D-6E8A-4147-A177-3AD203B41FA5}">
                       <a16:colId xmlns:a16="http://schemas.microsoft.com/office/drawing/2014/main" val="1455795655"/>
                     </a:ext>
                   </a:extLst>
                 </a:gridCol>
-                <a:gridCol w="1488988">
+                <a:gridCol w="945472">
                   <a:extLst>
                     <a:ext uri="{9D8B030D-6E8A-4147-A177-3AD203B41FA5}">
                       <a16:colId xmlns:a16="http://schemas.microsoft.com/office/drawing/2014/main" val="1049078234"/>
@@ -16674,6 +16727,23 @@
                           <a:ea typeface="+mn-ea"/>
                         </a:rPr>
                         <a:t>과목명</a:t>
+                      </a:r>
+                    </a:p>
+                  </a:txBody>
+                  <a:tcPr anchor="ctr"/>
+                </a:tc>
+                <a:tc>
+                  <a:txBody>
+                    <a:bodyPr/>
+                    <a:lstStyle/>
+                    <a:p>
+                      <a:pPr algn="ctr" latinLnBrk="1"/>
+                      <a:r>
+                        <a:rPr lang="ko-KR" altLang="en-US" sz="900" b="0" dirty="0">
+                          <a:latin typeface="+mn-ea"/>
+                          <a:ea typeface="+mn-ea"/>
+                        </a:rPr>
+                        <a:t>강의 시간</a:t>
                       </a:r>
                     </a:p>
                   </a:txBody>
@@ -16733,6 +16803,27 @@
                         </a:rPr>
                         <a:t>객체지향프로그래밍</a:t>
                       </a:r>
+                    </a:p>
+                  </a:txBody>
+                  <a:tcPr anchor="ctr"/>
+                </a:tc>
+                <a:tc>
+                  <a:txBody>
+                    <a:bodyPr/>
+                    <a:lstStyle/>
+                    <a:p>
+                      <a:pPr algn="ctr" latinLnBrk="1"/>
+                      <a:r>
+                        <a:rPr lang="en-US" altLang="ko-KR" sz="900" b="0" dirty="0">
+                          <a:latin typeface="+mn-ea"/>
+                          <a:ea typeface="+mn-ea"/>
+                        </a:rPr>
+                        <a:t>13 : 00 ~ 15 : 00 </a:t>
+                      </a:r>
+                      <a:endParaRPr lang="ko-KR" altLang="en-US" sz="900" b="0" dirty="0">
+                        <a:latin typeface="+mn-ea"/>
+                        <a:ea typeface="+mn-ea"/>
+                      </a:endParaRPr>
                     </a:p>
                   </a:txBody>
                   <a:tcPr anchor="ctr"/>
@@ -16816,6 +16907,52 @@
                         </a:rPr>
                         <a:t>자료구조</a:t>
                       </a:r>
+                    </a:p>
+                  </a:txBody>
+                  <a:tcPr anchor="ctr"/>
+                </a:tc>
+                <a:tc>
+                  <a:txBody>
+                    <a:bodyPr/>
+                    <a:lstStyle/>
+                    <a:p>
+                      <a:pPr marL="0" marR="0" lvl="0" indent="0" algn="ctr" defTabSz="914400" rtl="0" eaLnBrk="1" fontAlgn="auto" latinLnBrk="1" hangingPunct="1">
+                        <a:lnSpc>
+                          <a:spcPct val="100000"/>
+                        </a:lnSpc>
+                        <a:spcBef>
+                          <a:spcPts val="0"/>
+                        </a:spcBef>
+                        <a:spcAft>
+                          <a:spcPts val="0"/>
+                        </a:spcAft>
+                        <a:buClr>
+                          <a:srgbClr val="000000"/>
+                        </a:buClr>
+                        <a:buSzTx/>
+                        <a:buFont typeface="Arial"/>
+                        <a:buNone/>
+                        <a:tabLst/>
+                        <a:defRPr/>
+                      </a:pPr>
+                      <a:r>
+                        <a:rPr lang="en-US" altLang="ko-KR" sz="900" b="0" dirty="0">
+                          <a:latin typeface="+mn-ea"/>
+                          <a:ea typeface="+mn-ea"/>
+                        </a:rPr>
+                        <a:t>13 : 00 ~ 15 : 00 </a:t>
+                      </a:r>
+                      <a:endParaRPr lang="ko-KR" altLang="en-US" sz="900" b="0" dirty="0">
+                        <a:latin typeface="+mn-ea"/>
+                        <a:ea typeface="+mn-ea"/>
+                      </a:endParaRPr>
+                    </a:p>
+                    <a:p>
+                      <a:pPr algn="ctr" latinLnBrk="1"/>
+                      <a:endParaRPr lang="ko-KR" altLang="en-US" sz="900" b="0" dirty="0">
+                        <a:latin typeface="+mn-ea"/>
+                        <a:ea typeface="+mn-ea"/>
+                      </a:endParaRPr>
                     </a:p>
                   </a:txBody>
                   <a:tcPr anchor="ctr"/>
@@ -17001,6 +17138,52 @@
                         </a:rPr>
                         <a:t>컴퓨터구조</a:t>
                       </a:r>
+                    </a:p>
+                  </a:txBody>
+                  <a:tcPr anchor="ctr"/>
+                </a:tc>
+                <a:tc>
+                  <a:txBody>
+                    <a:bodyPr/>
+                    <a:lstStyle/>
+                    <a:p>
+                      <a:pPr marL="0" marR="0" lvl="0" indent="0" algn="ctr" defTabSz="914400" rtl="0" eaLnBrk="1" fontAlgn="auto" latinLnBrk="1" hangingPunct="1">
+                        <a:lnSpc>
+                          <a:spcPct val="100000"/>
+                        </a:lnSpc>
+                        <a:spcBef>
+                          <a:spcPts val="0"/>
+                        </a:spcBef>
+                        <a:spcAft>
+                          <a:spcPts val="0"/>
+                        </a:spcAft>
+                        <a:buClr>
+                          <a:srgbClr val="000000"/>
+                        </a:buClr>
+                        <a:buSzTx/>
+                        <a:buFont typeface="Arial"/>
+                        <a:buNone/>
+                        <a:tabLst/>
+                        <a:defRPr/>
+                      </a:pPr>
+                      <a:r>
+                        <a:rPr lang="en-US" altLang="ko-KR" sz="900" b="0" dirty="0">
+                          <a:latin typeface="+mn-ea"/>
+                          <a:ea typeface="+mn-ea"/>
+                        </a:rPr>
+                        <a:t>13 : 00 ~ 15 : 00 </a:t>
+                      </a:r>
+                      <a:endParaRPr lang="ko-KR" altLang="en-US" sz="900" b="0" dirty="0">
+                        <a:latin typeface="+mn-ea"/>
+                        <a:ea typeface="+mn-ea"/>
+                      </a:endParaRPr>
+                    </a:p>
+                    <a:p>
+                      <a:pPr algn="ctr" latinLnBrk="1"/>
+                      <a:endParaRPr lang="ko-KR" altLang="en-US" sz="900" b="0" dirty="0">
+                        <a:latin typeface="+mn-ea"/>
+                        <a:ea typeface="+mn-ea"/>
+                      </a:endParaRPr>
                     </a:p>
                   </a:txBody>
                   <a:tcPr anchor="ctr"/>
@@ -17230,6 +17413,52 @@
                         <a:defRPr/>
                       </a:pPr>
                       <a:r>
+                        <a:rPr lang="en-US" altLang="ko-KR" sz="900" b="0" dirty="0">
+                          <a:latin typeface="+mn-ea"/>
+                          <a:ea typeface="+mn-ea"/>
+                        </a:rPr>
+                        <a:t>13 : 00 ~ 15 : 00 </a:t>
+                      </a:r>
+                      <a:endParaRPr lang="ko-KR" altLang="en-US" sz="900" b="0" dirty="0">
+                        <a:latin typeface="+mn-ea"/>
+                        <a:ea typeface="+mn-ea"/>
+                      </a:endParaRPr>
+                    </a:p>
+                    <a:p>
+                      <a:pPr algn="ctr" latinLnBrk="1"/>
+                      <a:endParaRPr lang="ko-KR" altLang="en-US" sz="900" b="0" dirty="0">
+                        <a:latin typeface="+mn-ea"/>
+                        <a:ea typeface="+mn-ea"/>
+                      </a:endParaRPr>
+                    </a:p>
+                  </a:txBody>
+                  <a:tcPr anchor="ctr"/>
+                </a:tc>
+                <a:tc>
+                  <a:txBody>
+                    <a:bodyPr/>
+                    <a:lstStyle/>
+                    <a:p>
+                      <a:pPr marL="0" marR="0" lvl="0" indent="0" algn="ctr" defTabSz="914400" rtl="0" eaLnBrk="1" fontAlgn="auto" latinLnBrk="1" hangingPunct="1">
+                        <a:lnSpc>
+                          <a:spcPct val="100000"/>
+                        </a:lnSpc>
+                        <a:spcBef>
+                          <a:spcPts val="0"/>
+                        </a:spcBef>
+                        <a:spcAft>
+                          <a:spcPts val="0"/>
+                        </a:spcAft>
+                        <a:buClr>
+                          <a:srgbClr val="000000"/>
+                        </a:buClr>
+                        <a:buSzTx/>
+                        <a:buFont typeface="Arial"/>
+                        <a:buNone/>
+                        <a:tabLst/>
+                        <a:defRPr/>
+                      </a:pPr>
+                      <a:r>
                         <a:rPr kumimoji="0" lang="ko-KR" altLang="en-US" sz="900" b="0" i="0" u="none" strike="noStrike" kern="0" cap="none" spc="0" normalizeH="0" baseline="0" noProof="0" dirty="0">
                           <a:ln>
                             <a:noFill/>
@@ -17405,7 +17634,7 @@
         </p:nvSpPr>
         <p:spPr>
           <a:xfrm>
-            <a:off x="3587161" y="2302268"/>
+            <a:off x="2594063" y="2064976"/>
             <a:ext cx="134937" cy="138113"/>
           </a:xfrm>
           <a:prstGeom prst="ellipse">
@@ -17488,8 +17717,8 @@
         </p:nvCxnSpPr>
         <p:spPr>
           <a:xfrm rot="5400000">
-            <a:off x="5368910" y="2309459"/>
-            <a:ext cx="535769" cy="959285"/>
+            <a:off x="4820309" y="1839896"/>
+            <a:ext cx="1091550" cy="1342630"/>
           </a:xfrm>
           <a:prstGeom prst="bentConnector3">
             <a:avLst>
@@ -17572,7 +17801,7 @@
         </p:nvGrpSpPr>
         <p:grpSpPr>
           <a:xfrm>
-            <a:off x="4244862" y="3056986"/>
+            <a:off x="3782480" y="3056986"/>
             <a:ext cx="1824577" cy="2385799"/>
             <a:chOff x="5088315" y="2740668"/>
             <a:chExt cx="1824577" cy="2385799"/>
@@ -18110,7 +18339,7 @@
         </p:nvSpPr>
         <p:spPr>
           <a:xfrm>
-            <a:off x="6048967" y="2383104"/>
+            <a:off x="5969930" y="1827323"/>
             <a:ext cx="134937" cy="138113"/>
           </a:xfrm>
           <a:prstGeom prst="ellipse">
@@ -18944,17 +19173,19 @@
           <p:cNvCxnSpPr>
             <a:cxnSpLocks/>
             <a:stCxn id="32" idx="4"/>
-            <a:endCxn id="63" idx="3"/>
+            <a:endCxn id="63" idx="0"/>
           </p:cNvCxnSpPr>
           <p:nvPr/>
         </p:nvCxnSpPr>
         <p:spPr>
           <a:xfrm rot="5400000">
-            <a:off x="2555207" y="3150462"/>
-            <a:ext cx="1809505" cy="389342"/>
+            <a:off x="2162277" y="2393812"/>
+            <a:ext cx="689979" cy="308532"/>
           </a:xfrm>
-          <a:prstGeom prst="bentConnector2">
-            <a:avLst/>
+          <a:prstGeom prst="bentConnector3">
+            <a:avLst>
+              <a:gd name="adj1" fmla="val 50000"/>
+            </a:avLst>
           </a:prstGeom>
           <a:noFill/>
           <a:ln w="9525" cap="flat" cmpd="sng">
@@ -18968,6 +19199,898 @@
           </a:ln>
         </p:spPr>
       </p:cxnSp>
+      <p:cxnSp>
+        <p:nvCxnSpPr>
+          <p:cNvPr id="28" name="Google Shape;131;p13">
+            <a:extLst>
+              <a:ext uri="{FF2B5EF4-FFF2-40B4-BE49-F238E27FC236}">
+                <a16:creationId xmlns:a16="http://schemas.microsoft.com/office/drawing/2014/main" id="{F5250D97-B73E-44B4-ADD3-7FCA91B4DB09}"/>
+              </a:ext>
+            </a:extLst>
+          </p:cNvPr>
+          <p:cNvCxnSpPr>
+            <a:cxnSpLocks/>
+            <a:stCxn id="37" idx="4"/>
+            <a:endCxn id="30" idx="0"/>
+          </p:cNvCxnSpPr>
+          <p:nvPr/>
+        </p:nvCxnSpPr>
+        <p:spPr>
+          <a:xfrm rot="5400000">
+            <a:off x="6589031" y="2238433"/>
+            <a:ext cx="1151654" cy="565278"/>
+          </a:xfrm>
+          <a:prstGeom prst="bentConnector3">
+            <a:avLst>
+              <a:gd name="adj1" fmla="val 50000"/>
+            </a:avLst>
+          </a:prstGeom>
+          <a:noFill/>
+          <a:ln w="9525" cap="flat" cmpd="sng">
+            <a:solidFill>
+              <a:srgbClr val="FF0000"/>
+            </a:solidFill>
+            <a:prstDash val="solid"/>
+            <a:miter lim="800000"/>
+            <a:headEnd type="none" w="sm" len="sm"/>
+            <a:tailEnd type="triangle" w="med" len="med"/>
+          </a:ln>
+        </p:spPr>
+      </p:cxnSp>
+      <p:grpSp>
+        <p:nvGrpSpPr>
+          <p:cNvPr id="29" name="그룹 28">
+            <a:extLst>
+              <a:ext uri="{FF2B5EF4-FFF2-40B4-BE49-F238E27FC236}">
+                <a16:creationId xmlns:a16="http://schemas.microsoft.com/office/drawing/2014/main" id="{B7640C90-6428-4CAE-9A47-DFA1C9BC2105}"/>
+              </a:ext>
+            </a:extLst>
+          </p:cNvPr>
+          <p:cNvGrpSpPr/>
+          <p:nvPr/>
+        </p:nvGrpSpPr>
+        <p:grpSpPr>
+          <a:xfrm>
+            <a:off x="5969930" y="3096899"/>
+            <a:ext cx="1824577" cy="2385799"/>
+            <a:chOff x="5073037" y="2723028"/>
+            <a:chExt cx="1824577" cy="2385799"/>
+          </a:xfrm>
+        </p:grpSpPr>
+        <p:sp>
+          <p:nvSpPr>
+            <p:cNvPr id="30" name="Google Shape;127;p13">
+              <a:extLst>
+                <a:ext uri="{FF2B5EF4-FFF2-40B4-BE49-F238E27FC236}">
+                  <a16:creationId xmlns:a16="http://schemas.microsoft.com/office/drawing/2014/main" id="{A4A5C158-441C-4070-92C9-A9373B240597}"/>
+                </a:ext>
+              </a:extLst>
+            </p:cNvPr>
+            <p:cNvSpPr/>
+            <p:nvPr/>
+          </p:nvSpPr>
+          <p:spPr>
+            <a:xfrm>
+              <a:off x="5073037" y="2723028"/>
+              <a:ext cx="1824577" cy="2385799"/>
+            </a:xfrm>
+            <a:prstGeom prst="rect">
+              <a:avLst/>
+            </a:prstGeom>
+            <a:solidFill>
+              <a:schemeClr val="lt1"/>
+            </a:solidFill>
+            <a:ln w="12700" cap="flat" cmpd="sng">
+              <a:solidFill>
+                <a:srgbClr val="42719B"/>
+              </a:solidFill>
+              <a:prstDash val="solid"/>
+              <a:miter lim="800000"/>
+              <a:headEnd type="none" w="sm" len="sm"/>
+              <a:tailEnd type="none" w="sm" len="sm"/>
+            </a:ln>
+          </p:spPr>
+          <p:txBody>
+            <a:bodyPr spcFirstLastPara="1" wrap="square" lIns="91425" tIns="45700" rIns="91425" bIns="45700" anchor="ctr" anchorCtr="0">
+              <a:noAutofit/>
+            </a:bodyPr>
+            <a:lstStyle/>
+            <a:p>
+              <a:pPr marL="0" marR="0" lvl="0" indent="0" algn="ctr" rtl="0">
+                <a:spcBef>
+                  <a:spcPts val="0"/>
+                </a:spcBef>
+                <a:spcAft>
+                  <a:spcPts val="0"/>
+                </a:spcAft>
+                <a:buNone/>
+              </a:pPr>
+              <a:endParaRPr sz="1800" b="0" i="0" u="none" strike="noStrike" cap="none">
+                <a:solidFill>
+                  <a:schemeClr val="lt1"/>
+                </a:solidFill>
+                <a:latin typeface="Malgun Gothic"/>
+                <a:ea typeface="Malgun Gothic"/>
+                <a:cs typeface="Malgun Gothic"/>
+                <a:sym typeface="Malgun Gothic"/>
+              </a:endParaRPr>
+            </a:p>
+          </p:txBody>
+        </p:sp>
+        <p:sp>
+          <p:nvSpPr>
+            <p:cNvPr id="31" name="Google Shape;113;p13">
+              <a:extLst>
+                <a:ext uri="{FF2B5EF4-FFF2-40B4-BE49-F238E27FC236}">
+                  <a16:creationId xmlns:a16="http://schemas.microsoft.com/office/drawing/2014/main" id="{9E400C82-7EFF-4954-B1E6-F73FF23DB3D3}"/>
+                </a:ext>
+              </a:extLst>
+            </p:cNvPr>
+            <p:cNvSpPr/>
+            <p:nvPr/>
+          </p:nvSpPr>
+          <p:spPr>
+            <a:xfrm>
+              <a:off x="5771550" y="4635266"/>
+              <a:ext cx="427553" cy="241995"/>
+            </a:xfrm>
+            <a:prstGeom prst="roundRect">
+              <a:avLst>
+                <a:gd name="adj" fmla="val 8776"/>
+              </a:avLst>
+            </a:prstGeom>
+            <a:solidFill>
+              <a:srgbClr val="F2F2F2"/>
+            </a:solidFill>
+            <a:ln w="9525" cap="flat" cmpd="sng">
+              <a:solidFill>
+                <a:srgbClr val="808080"/>
+              </a:solidFill>
+              <a:prstDash val="solid"/>
+              <a:round/>
+              <a:headEnd type="none" w="sm" len="sm"/>
+              <a:tailEnd type="none" w="sm" len="sm"/>
+            </a:ln>
+          </p:spPr>
+          <p:txBody>
+            <a:bodyPr spcFirstLastPara="1" wrap="square" lIns="91425" tIns="45700" rIns="91425" bIns="45700" anchor="ctr" anchorCtr="0">
+              <a:noAutofit/>
+            </a:bodyPr>
+            <a:lstStyle/>
+            <a:p>
+              <a:pPr marL="0" marR="0" lvl="0" indent="0" algn="l" rtl="0">
+                <a:spcBef>
+                  <a:spcPts val="0"/>
+                </a:spcBef>
+                <a:spcAft>
+                  <a:spcPts val="0"/>
+                </a:spcAft>
+                <a:buNone/>
+              </a:pPr>
+              <a:r>
+                <a:rPr lang="ko-KR" altLang="en-US" sz="900" b="0" i="0" u="none" strike="noStrike" cap="none" dirty="0">
+                  <a:solidFill>
+                    <a:srgbClr val="5F5F5F"/>
+                  </a:solidFill>
+                  <a:latin typeface="Quattrocento Sans"/>
+                  <a:ea typeface="Quattrocento Sans"/>
+                  <a:cs typeface="Quattrocento Sans"/>
+                  <a:sym typeface="Quattrocento Sans"/>
+                </a:rPr>
+                <a:t>종료</a:t>
+              </a:r>
+              <a:endParaRPr sz="900" b="0" i="0" u="none" strike="noStrike" cap="none" dirty="0">
+                <a:solidFill>
+                  <a:srgbClr val="5F5F5F"/>
+                </a:solidFill>
+                <a:latin typeface="Quattrocento Sans"/>
+                <a:ea typeface="Quattrocento Sans"/>
+                <a:cs typeface="Quattrocento Sans"/>
+                <a:sym typeface="Quattrocento Sans"/>
+              </a:endParaRPr>
+            </a:p>
+          </p:txBody>
+        </p:sp>
+        <p:sp>
+          <p:nvSpPr>
+            <p:cNvPr id="33" name="Google Shape;535;p24">
+              <a:extLst>
+                <a:ext uri="{FF2B5EF4-FFF2-40B4-BE49-F238E27FC236}">
+                  <a16:creationId xmlns:a16="http://schemas.microsoft.com/office/drawing/2014/main" id="{D43EC0F8-104C-499A-BCF2-615AA650E69E}"/>
+                </a:ext>
+              </a:extLst>
+            </p:cNvPr>
+            <p:cNvSpPr txBox="1"/>
+            <p:nvPr/>
+          </p:nvSpPr>
+          <p:spPr>
+            <a:xfrm>
+              <a:off x="5174941" y="2851926"/>
+              <a:ext cx="1628299" cy="338514"/>
+            </a:xfrm>
+            <a:prstGeom prst="rect">
+              <a:avLst/>
+            </a:prstGeom>
+            <a:noFill/>
+            <a:ln>
+              <a:noFill/>
+            </a:ln>
+          </p:spPr>
+          <p:txBody>
+            <a:bodyPr spcFirstLastPara="1" wrap="square" lIns="91425" tIns="45700" rIns="91425" bIns="45700" anchor="t" anchorCtr="0">
+              <a:spAutoFit/>
+            </a:bodyPr>
+            <a:lstStyle>
+              <a:defPPr marR="0" lvl="0" algn="l" rtl="0">
+                <a:lnSpc>
+                  <a:spcPct val="100000"/>
+                </a:lnSpc>
+                <a:spcBef>
+                  <a:spcPts val="0"/>
+                </a:spcBef>
+                <a:spcAft>
+                  <a:spcPts val="0"/>
+                </a:spcAft>
+              </a:defPPr>
+              <a:lvl1pPr marR="0" lvl="0" algn="l" rtl="0">
+                <a:lnSpc>
+                  <a:spcPct val="100000"/>
+                </a:lnSpc>
+                <a:spcBef>
+                  <a:spcPts val="0"/>
+                </a:spcBef>
+                <a:spcAft>
+                  <a:spcPts val="0"/>
+                </a:spcAft>
+                <a:buClr>
+                  <a:srgbClr val="000000"/>
+                </a:buClr>
+                <a:buFont typeface="Arial"/>
+                <a:defRPr sz="1400" b="0" i="0" u="none" strike="noStrike" cap="none">
+                  <a:solidFill>
+                    <a:srgbClr val="000000"/>
+                  </a:solidFill>
+                  <a:latin typeface="Arial"/>
+                  <a:ea typeface="Arial"/>
+                  <a:cs typeface="Arial"/>
+                  <a:sym typeface="Arial"/>
+                </a:defRPr>
+              </a:lvl1pPr>
+              <a:lvl2pPr marR="0" lvl="1" algn="l" rtl="0">
+                <a:lnSpc>
+                  <a:spcPct val="100000"/>
+                </a:lnSpc>
+                <a:spcBef>
+                  <a:spcPts val="0"/>
+                </a:spcBef>
+                <a:spcAft>
+                  <a:spcPts val="0"/>
+                </a:spcAft>
+                <a:buClr>
+                  <a:srgbClr val="000000"/>
+                </a:buClr>
+                <a:buFont typeface="Arial"/>
+                <a:defRPr sz="1400" b="0" i="0" u="none" strike="noStrike" cap="none">
+                  <a:solidFill>
+                    <a:srgbClr val="000000"/>
+                  </a:solidFill>
+                  <a:latin typeface="Arial"/>
+                  <a:ea typeface="Arial"/>
+                  <a:cs typeface="Arial"/>
+                  <a:sym typeface="Arial"/>
+                </a:defRPr>
+              </a:lvl2pPr>
+              <a:lvl3pPr marR="0" lvl="2" algn="l" rtl="0">
+                <a:lnSpc>
+                  <a:spcPct val="100000"/>
+                </a:lnSpc>
+                <a:spcBef>
+                  <a:spcPts val="0"/>
+                </a:spcBef>
+                <a:spcAft>
+                  <a:spcPts val="0"/>
+                </a:spcAft>
+                <a:buClr>
+                  <a:srgbClr val="000000"/>
+                </a:buClr>
+                <a:buFont typeface="Arial"/>
+                <a:defRPr sz="1400" b="0" i="0" u="none" strike="noStrike" cap="none">
+                  <a:solidFill>
+                    <a:srgbClr val="000000"/>
+                  </a:solidFill>
+                  <a:latin typeface="Arial"/>
+                  <a:ea typeface="Arial"/>
+                  <a:cs typeface="Arial"/>
+                  <a:sym typeface="Arial"/>
+                </a:defRPr>
+              </a:lvl3pPr>
+              <a:lvl4pPr marR="0" lvl="3" algn="l" rtl="0">
+                <a:lnSpc>
+                  <a:spcPct val="100000"/>
+                </a:lnSpc>
+                <a:spcBef>
+                  <a:spcPts val="0"/>
+                </a:spcBef>
+                <a:spcAft>
+                  <a:spcPts val="0"/>
+                </a:spcAft>
+                <a:buClr>
+                  <a:srgbClr val="000000"/>
+                </a:buClr>
+                <a:buFont typeface="Arial"/>
+                <a:defRPr sz="1400" b="0" i="0" u="none" strike="noStrike" cap="none">
+                  <a:solidFill>
+                    <a:srgbClr val="000000"/>
+                  </a:solidFill>
+                  <a:latin typeface="Arial"/>
+                  <a:ea typeface="Arial"/>
+                  <a:cs typeface="Arial"/>
+                  <a:sym typeface="Arial"/>
+                </a:defRPr>
+              </a:lvl4pPr>
+              <a:lvl5pPr marR="0" lvl="4" algn="l" rtl="0">
+                <a:lnSpc>
+                  <a:spcPct val="100000"/>
+                </a:lnSpc>
+                <a:spcBef>
+                  <a:spcPts val="0"/>
+                </a:spcBef>
+                <a:spcAft>
+                  <a:spcPts val="0"/>
+                </a:spcAft>
+                <a:buClr>
+                  <a:srgbClr val="000000"/>
+                </a:buClr>
+                <a:buFont typeface="Arial"/>
+                <a:defRPr sz="1400" b="0" i="0" u="none" strike="noStrike" cap="none">
+                  <a:solidFill>
+                    <a:srgbClr val="000000"/>
+                  </a:solidFill>
+                  <a:latin typeface="Arial"/>
+                  <a:ea typeface="Arial"/>
+                  <a:cs typeface="Arial"/>
+                  <a:sym typeface="Arial"/>
+                </a:defRPr>
+              </a:lvl5pPr>
+              <a:lvl6pPr marR="0" lvl="5" algn="l" rtl="0">
+                <a:lnSpc>
+                  <a:spcPct val="100000"/>
+                </a:lnSpc>
+                <a:spcBef>
+                  <a:spcPts val="0"/>
+                </a:spcBef>
+                <a:spcAft>
+                  <a:spcPts val="0"/>
+                </a:spcAft>
+                <a:buClr>
+                  <a:srgbClr val="000000"/>
+                </a:buClr>
+                <a:buFont typeface="Arial"/>
+                <a:defRPr sz="1400" b="0" i="0" u="none" strike="noStrike" cap="none">
+                  <a:solidFill>
+                    <a:srgbClr val="000000"/>
+                  </a:solidFill>
+                  <a:latin typeface="Arial"/>
+                  <a:ea typeface="Arial"/>
+                  <a:cs typeface="Arial"/>
+                  <a:sym typeface="Arial"/>
+                </a:defRPr>
+              </a:lvl6pPr>
+              <a:lvl7pPr marR="0" lvl="6" algn="l" rtl="0">
+                <a:lnSpc>
+                  <a:spcPct val="100000"/>
+                </a:lnSpc>
+                <a:spcBef>
+                  <a:spcPts val="0"/>
+                </a:spcBef>
+                <a:spcAft>
+                  <a:spcPts val="0"/>
+                </a:spcAft>
+                <a:buClr>
+                  <a:srgbClr val="000000"/>
+                </a:buClr>
+                <a:buFont typeface="Arial"/>
+                <a:defRPr sz="1400" b="0" i="0" u="none" strike="noStrike" cap="none">
+                  <a:solidFill>
+                    <a:srgbClr val="000000"/>
+                  </a:solidFill>
+                  <a:latin typeface="Arial"/>
+                  <a:ea typeface="Arial"/>
+                  <a:cs typeface="Arial"/>
+                  <a:sym typeface="Arial"/>
+                </a:defRPr>
+              </a:lvl7pPr>
+              <a:lvl8pPr marR="0" lvl="7" algn="l" rtl="0">
+                <a:lnSpc>
+                  <a:spcPct val="100000"/>
+                </a:lnSpc>
+                <a:spcBef>
+                  <a:spcPts val="0"/>
+                </a:spcBef>
+                <a:spcAft>
+                  <a:spcPts val="0"/>
+                </a:spcAft>
+                <a:buClr>
+                  <a:srgbClr val="000000"/>
+                </a:buClr>
+                <a:buFont typeface="Arial"/>
+                <a:defRPr sz="1400" b="0" i="0" u="none" strike="noStrike" cap="none">
+                  <a:solidFill>
+                    <a:srgbClr val="000000"/>
+                  </a:solidFill>
+                  <a:latin typeface="Arial"/>
+                  <a:ea typeface="Arial"/>
+                  <a:cs typeface="Arial"/>
+                  <a:sym typeface="Arial"/>
+                </a:defRPr>
+              </a:lvl8pPr>
+              <a:lvl9pPr marR="0" lvl="8" algn="l" rtl="0">
+                <a:lnSpc>
+                  <a:spcPct val="100000"/>
+                </a:lnSpc>
+                <a:spcBef>
+                  <a:spcPts val="0"/>
+                </a:spcBef>
+                <a:spcAft>
+                  <a:spcPts val="0"/>
+                </a:spcAft>
+                <a:buClr>
+                  <a:srgbClr val="000000"/>
+                </a:buClr>
+                <a:buFont typeface="Arial"/>
+                <a:defRPr sz="1400" b="0" i="0" u="none" strike="noStrike" cap="none">
+                  <a:solidFill>
+                    <a:srgbClr val="000000"/>
+                  </a:solidFill>
+                  <a:latin typeface="Arial"/>
+                  <a:ea typeface="Arial"/>
+                  <a:cs typeface="Arial"/>
+                  <a:sym typeface="Arial"/>
+                </a:defRPr>
+              </a:lvl9pPr>
+            </a:lstStyle>
+            <a:p>
+              <a:pPr marL="0" marR="0" lvl="0" indent="0" algn="ctr">
+                <a:spcBef>
+                  <a:spcPts val="0"/>
+                </a:spcBef>
+                <a:spcAft>
+                  <a:spcPts val="0"/>
+                </a:spcAft>
+                <a:buNone/>
+              </a:pPr>
+              <a:r>
+                <a:rPr lang="ko-KR" altLang="en-US" sz="1600" b="1" dirty="0">
+                  <a:solidFill>
+                    <a:schemeClr val="dk1"/>
+                  </a:solidFill>
+                  <a:latin typeface="Malgun Gothic"/>
+                  <a:ea typeface="Malgun Gothic"/>
+                </a:rPr>
+                <a:t>상세 출결 확인</a:t>
+              </a:r>
+              <a:endParaRPr lang="en-US" altLang="ko-KR" sz="1600" b="1" dirty="0">
+                <a:solidFill>
+                  <a:schemeClr val="dk1"/>
+                </a:solidFill>
+                <a:latin typeface="Malgun Gothic"/>
+                <a:ea typeface="Malgun Gothic"/>
+              </a:endParaRPr>
+            </a:p>
+          </p:txBody>
+        </p:sp>
+      </p:grpSp>
+      <p:sp>
+        <p:nvSpPr>
+          <p:cNvPr id="37" name="Google Shape;114;p13">
+            <a:extLst>
+              <a:ext uri="{FF2B5EF4-FFF2-40B4-BE49-F238E27FC236}">
+                <a16:creationId xmlns:a16="http://schemas.microsoft.com/office/drawing/2014/main" id="{A80AEBAD-0B69-4B09-B3DB-9000F07FE848}"/>
+              </a:ext>
+            </a:extLst>
+          </p:cNvPr>
+          <p:cNvSpPr/>
+          <p:nvPr/>
+        </p:nvSpPr>
+        <p:spPr>
+          <a:xfrm>
+            <a:off x="7380028" y="1807132"/>
+            <a:ext cx="134937" cy="138113"/>
+          </a:xfrm>
+          <a:prstGeom prst="ellipse">
+            <a:avLst/>
+          </a:prstGeom>
+          <a:solidFill>
+            <a:srgbClr val="D60C0C"/>
+          </a:solidFill>
+          <a:ln w="19050" cap="flat" cmpd="sng">
+            <a:solidFill>
+              <a:schemeClr val="lt1"/>
+            </a:solidFill>
+            <a:prstDash val="solid"/>
+            <a:miter lim="800000"/>
+            <a:headEnd type="none" w="sm" len="sm"/>
+            <a:tailEnd type="none" w="sm" len="sm"/>
+          </a:ln>
+          <a:effectLst>
+            <a:outerShdw blurRad="50800" dist="38100" dir="2700000" algn="tl" rotWithShape="0">
+              <a:srgbClr val="000000">
+                <a:alpha val="40000"/>
+              </a:srgbClr>
+            </a:outerShdw>
+          </a:effectLst>
+        </p:spPr>
+        <p:txBody>
+          <a:bodyPr spcFirstLastPara="1" wrap="square" lIns="91425" tIns="45700" rIns="91425" bIns="45700" anchor="ctr" anchorCtr="0">
+            <a:noAutofit/>
+          </a:bodyPr>
+          <a:lstStyle/>
+          <a:p>
+            <a:pPr marL="0" marR="0" lvl="0" indent="0" algn="ctr" rtl="0">
+              <a:spcBef>
+                <a:spcPts val="0"/>
+              </a:spcBef>
+              <a:spcAft>
+                <a:spcPts val="0"/>
+              </a:spcAft>
+              <a:buNone/>
+            </a:pPr>
+            <a:r>
+              <a:rPr lang="en-US" altLang="ko-KR" sz="1000" b="1" i="0" u="none" strike="noStrike" cap="none" dirty="0">
+                <a:solidFill>
+                  <a:schemeClr val="lt1"/>
+                </a:solidFill>
+                <a:latin typeface="Malgun Gothic"/>
+                <a:ea typeface="Malgun Gothic"/>
+                <a:cs typeface="Malgun Gothic"/>
+                <a:sym typeface="Malgun Gothic"/>
+              </a:rPr>
+              <a:t>4</a:t>
+            </a:r>
+            <a:endParaRPr sz="1000" b="1" i="0" u="none" strike="noStrike" cap="none" dirty="0">
+              <a:solidFill>
+                <a:schemeClr val="lt1"/>
+              </a:solidFill>
+              <a:latin typeface="Malgun Gothic"/>
+              <a:ea typeface="Malgun Gothic"/>
+              <a:cs typeface="Malgun Gothic"/>
+              <a:sym typeface="Malgun Gothic"/>
+            </a:endParaRPr>
+          </a:p>
+        </p:txBody>
+      </p:sp>
+      <p:graphicFrame>
+        <p:nvGraphicFramePr>
+          <p:cNvPr id="6" name="표 5">
+            <a:extLst>
+              <a:ext uri="{FF2B5EF4-FFF2-40B4-BE49-F238E27FC236}">
+                <a16:creationId xmlns:a16="http://schemas.microsoft.com/office/drawing/2014/main" id="{884B8996-B26D-4D1D-9086-8337FB09C530}"/>
+              </a:ext>
+            </a:extLst>
+          </p:cNvPr>
+          <p:cNvGraphicFramePr>
+            <a:graphicFrameLocks noGrp="1"/>
+          </p:cNvGraphicFramePr>
+          <p:nvPr>
+            <p:extLst>
+              <p:ext uri="{D42A27DB-BD31-4B8C-83A1-F6EECF244321}">
+                <p14:modId xmlns:p14="http://schemas.microsoft.com/office/powerpoint/2010/main" val="1693521523"/>
+              </p:ext>
+            </p:extLst>
+          </p:nvPr>
+        </p:nvGraphicFramePr>
+        <p:xfrm>
+          <a:off x="6124249" y="3602096"/>
+          <a:ext cx="1512397" cy="1280160"/>
+        </p:xfrm>
+        <a:graphic>
+          <a:graphicData uri="http://schemas.openxmlformats.org/drawingml/2006/table">
+            <a:tbl>
+              <a:tblPr firstRow="1" bandRow="1">
+                <a:tableStyleId>{89E2957A-475E-4996-904C-085F209479E5}</a:tableStyleId>
+              </a:tblPr>
+              <a:tblGrid>
+                <a:gridCol w="754485">
+                  <a:extLst>
+                    <a:ext uri="{9D8B030D-6E8A-4147-A177-3AD203B41FA5}">
+                      <a16:colId xmlns:a16="http://schemas.microsoft.com/office/drawing/2014/main" val="3250814090"/>
+                    </a:ext>
+                  </a:extLst>
+                </a:gridCol>
+                <a:gridCol w="757912">
+                  <a:extLst>
+                    <a:ext uri="{9D8B030D-6E8A-4147-A177-3AD203B41FA5}">
+                      <a16:colId xmlns:a16="http://schemas.microsoft.com/office/drawing/2014/main" val="1709833867"/>
+                    </a:ext>
+                  </a:extLst>
+                </a:gridCol>
+              </a:tblGrid>
+              <a:tr h="167237">
+                <a:tc>
+                  <a:txBody>
+                    <a:bodyPr/>
+                    <a:lstStyle/>
+                    <a:p>
+                      <a:pPr algn="ctr" latinLnBrk="1"/>
+                      <a:r>
+                        <a:rPr lang="en-US" altLang="ko-KR" sz="800" dirty="0"/>
+                        <a:t>2020/05/01</a:t>
+                      </a:r>
+                      <a:endParaRPr lang="ko-KR" altLang="en-US" sz="800" dirty="0"/>
+                    </a:p>
+                  </a:txBody>
+                  <a:tcPr/>
+                </a:tc>
+                <a:tc>
+                  <a:txBody>
+                    <a:bodyPr/>
+                    <a:lstStyle/>
+                    <a:p>
+                      <a:pPr algn="ctr" latinLnBrk="1"/>
+                      <a:r>
+                        <a:rPr lang="ko-KR" altLang="en-US" sz="800" dirty="0"/>
+                        <a:t>출석 </a:t>
+                      </a:r>
+                      <a:r>
+                        <a:rPr lang="en-US" altLang="ko-KR" sz="800" dirty="0"/>
+                        <a:t>/ </a:t>
+                      </a:r>
+                      <a:r>
+                        <a:rPr lang="ko-KR" altLang="en-US" sz="800" dirty="0"/>
+                        <a:t>지각</a:t>
+                      </a:r>
+                    </a:p>
+                  </a:txBody>
+                  <a:tcPr/>
+                </a:tc>
+                <a:extLst>
+                  <a:ext uri="{0D108BD9-81ED-4DB2-BD59-A6C34878D82A}">
+                    <a16:rowId xmlns:a16="http://schemas.microsoft.com/office/drawing/2014/main" val="2657341412"/>
+                  </a:ext>
+                </a:extLst>
+              </a:tr>
+              <a:tr h="167237">
+                <a:tc>
+                  <a:txBody>
+                    <a:bodyPr/>
+                    <a:lstStyle/>
+                    <a:p>
+                      <a:pPr algn="ctr" latinLnBrk="1"/>
+                      <a:r>
+                        <a:rPr lang="en-US" altLang="ko-KR" sz="800" dirty="0"/>
+                        <a:t>2020/05/02</a:t>
+                      </a:r>
+                      <a:endParaRPr lang="ko-KR" altLang="en-US" sz="800" dirty="0"/>
+                    </a:p>
+                  </a:txBody>
+                  <a:tcPr/>
+                </a:tc>
+                <a:tc>
+                  <a:txBody>
+                    <a:bodyPr/>
+                    <a:lstStyle/>
+                    <a:p>
+                      <a:pPr algn="ctr" latinLnBrk="1"/>
+                      <a:r>
+                        <a:rPr lang="ko-KR" altLang="en-US" sz="800" dirty="0"/>
+                        <a:t>출석 </a:t>
+                      </a:r>
+                      <a:r>
+                        <a:rPr lang="en-US" altLang="ko-KR" sz="800" dirty="0"/>
+                        <a:t>/ </a:t>
+                      </a:r>
+                      <a:r>
+                        <a:rPr lang="ko-KR" altLang="en-US" sz="800" dirty="0"/>
+                        <a:t>지각</a:t>
+                      </a:r>
+                    </a:p>
+                  </a:txBody>
+                  <a:tcPr/>
+                </a:tc>
+                <a:extLst>
+                  <a:ext uri="{0D108BD9-81ED-4DB2-BD59-A6C34878D82A}">
+                    <a16:rowId xmlns:a16="http://schemas.microsoft.com/office/drawing/2014/main" val="568246997"/>
+                  </a:ext>
+                </a:extLst>
+              </a:tr>
+              <a:tr h="167237">
+                <a:tc>
+                  <a:txBody>
+                    <a:bodyPr/>
+                    <a:lstStyle/>
+                    <a:p>
+                      <a:pPr algn="ctr" latinLnBrk="1"/>
+                      <a:r>
+                        <a:rPr lang="en-US" altLang="ko-KR" sz="800" dirty="0"/>
+                        <a:t>2020/05/03</a:t>
+                      </a:r>
+                      <a:endParaRPr lang="ko-KR" altLang="en-US" sz="800" dirty="0"/>
+                    </a:p>
+                  </a:txBody>
+                  <a:tcPr/>
+                </a:tc>
+                <a:tc>
+                  <a:txBody>
+                    <a:bodyPr/>
+                    <a:lstStyle/>
+                    <a:p>
+                      <a:pPr marL="0" marR="0" lvl="0" indent="0" algn="ctr" defTabSz="914400" rtl="0" eaLnBrk="1" fontAlgn="auto" latinLnBrk="1" hangingPunct="1">
+                        <a:lnSpc>
+                          <a:spcPct val="100000"/>
+                        </a:lnSpc>
+                        <a:spcBef>
+                          <a:spcPts val="0"/>
+                        </a:spcBef>
+                        <a:spcAft>
+                          <a:spcPts val="0"/>
+                        </a:spcAft>
+                        <a:buClr>
+                          <a:srgbClr val="000000"/>
+                        </a:buClr>
+                        <a:buSzTx/>
+                        <a:buFont typeface="Arial"/>
+                        <a:buNone/>
+                        <a:tabLst/>
+                        <a:defRPr/>
+                      </a:pPr>
+                      <a:r>
+                        <a:rPr lang="ko-KR" altLang="en-US" sz="800" dirty="0"/>
+                        <a:t>출석 </a:t>
+                      </a:r>
+                      <a:r>
+                        <a:rPr lang="en-US" altLang="ko-KR" sz="800" dirty="0"/>
+                        <a:t>/ </a:t>
+                      </a:r>
+                      <a:r>
+                        <a:rPr lang="ko-KR" altLang="en-US" sz="800" dirty="0"/>
+                        <a:t>지각</a:t>
+                      </a:r>
+                    </a:p>
+                  </a:txBody>
+                  <a:tcPr/>
+                </a:tc>
+                <a:extLst>
+                  <a:ext uri="{0D108BD9-81ED-4DB2-BD59-A6C34878D82A}">
+                    <a16:rowId xmlns:a16="http://schemas.microsoft.com/office/drawing/2014/main" val="724534064"/>
+                  </a:ext>
+                </a:extLst>
+              </a:tr>
+              <a:tr h="167237">
+                <a:tc>
+                  <a:txBody>
+                    <a:bodyPr/>
+                    <a:lstStyle/>
+                    <a:p>
+                      <a:pPr algn="ctr" latinLnBrk="1"/>
+                      <a:r>
+                        <a:rPr lang="en-US" altLang="ko-KR" sz="800" dirty="0"/>
+                        <a:t>2020/05/04</a:t>
+                      </a:r>
+                      <a:endParaRPr lang="ko-KR" altLang="en-US" sz="800" dirty="0"/>
+                    </a:p>
+                  </a:txBody>
+                  <a:tcPr/>
+                </a:tc>
+                <a:tc>
+                  <a:txBody>
+                    <a:bodyPr/>
+                    <a:lstStyle/>
+                    <a:p>
+                      <a:pPr algn="ctr" latinLnBrk="1"/>
+                      <a:r>
+                        <a:rPr lang="ko-KR" altLang="en-US" sz="800" dirty="0"/>
+                        <a:t>출석 </a:t>
+                      </a:r>
+                      <a:r>
+                        <a:rPr lang="en-US" altLang="ko-KR" sz="800" dirty="0"/>
+                        <a:t>/ </a:t>
+                      </a:r>
+                      <a:r>
+                        <a:rPr lang="ko-KR" altLang="en-US" sz="800" dirty="0"/>
+                        <a:t>지각</a:t>
+                      </a:r>
+                    </a:p>
+                  </a:txBody>
+                  <a:tcPr/>
+                </a:tc>
+                <a:extLst>
+                  <a:ext uri="{0D108BD9-81ED-4DB2-BD59-A6C34878D82A}">
+                    <a16:rowId xmlns:a16="http://schemas.microsoft.com/office/drawing/2014/main" val="4124588686"/>
+                  </a:ext>
+                </a:extLst>
+              </a:tr>
+              <a:tr h="167237">
+                <a:tc>
+                  <a:txBody>
+                    <a:bodyPr/>
+                    <a:lstStyle/>
+                    <a:p>
+                      <a:pPr algn="ctr" latinLnBrk="1"/>
+                      <a:r>
+                        <a:rPr lang="en-US" altLang="ko-KR" sz="800" dirty="0"/>
+                        <a:t>2020/05/05</a:t>
+                      </a:r>
+                      <a:endParaRPr lang="ko-KR" altLang="en-US" sz="800" dirty="0"/>
+                    </a:p>
+                  </a:txBody>
+                  <a:tcPr/>
+                </a:tc>
+                <a:tc>
+                  <a:txBody>
+                    <a:bodyPr/>
+                    <a:lstStyle/>
+                    <a:p>
+                      <a:pPr algn="ctr" latinLnBrk="1"/>
+                      <a:r>
+                        <a:rPr lang="ko-KR" altLang="en-US" sz="800" dirty="0"/>
+                        <a:t>출석 </a:t>
+                      </a:r>
+                      <a:r>
+                        <a:rPr lang="en-US" altLang="ko-KR" sz="800" dirty="0"/>
+                        <a:t>/ </a:t>
+                      </a:r>
+                      <a:r>
+                        <a:rPr lang="ko-KR" altLang="en-US" sz="800" dirty="0"/>
+                        <a:t>지각</a:t>
+                      </a:r>
+                    </a:p>
+                  </a:txBody>
+                  <a:tcPr/>
+                </a:tc>
+                <a:extLst>
+                  <a:ext uri="{0D108BD9-81ED-4DB2-BD59-A6C34878D82A}">
+                    <a16:rowId xmlns:a16="http://schemas.microsoft.com/office/drawing/2014/main" val="3871000115"/>
+                  </a:ext>
+                </a:extLst>
+              </a:tr>
+              <a:tr h="167237">
+                <a:tc>
+                  <a:txBody>
+                    <a:bodyPr/>
+                    <a:lstStyle/>
+                    <a:p>
+                      <a:pPr algn="ctr" latinLnBrk="1"/>
+                      <a:r>
+                        <a:rPr lang="en-US" altLang="ko-KR" sz="800" dirty="0"/>
+                        <a:t>2020/05/06</a:t>
+                      </a:r>
+                      <a:endParaRPr lang="ko-KR" altLang="en-US" sz="800" dirty="0"/>
+                    </a:p>
+                  </a:txBody>
+                  <a:tcPr/>
+                </a:tc>
+                <a:tc>
+                  <a:txBody>
+                    <a:bodyPr/>
+                    <a:lstStyle/>
+                    <a:p>
+                      <a:pPr algn="ctr" latinLnBrk="1"/>
+                      <a:r>
+                        <a:rPr lang="ko-KR" altLang="en-US" sz="800" dirty="0"/>
+                        <a:t>출석 </a:t>
+                      </a:r>
+                      <a:r>
+                        <a:rPr lang="en-US" altLang="ko-KR" sz="800" dirty="0"/>
+                        <a:t>/ </a:t>
+                      </a:r>
+                      <a:r>
+                        <a:rPr lang="ko-KR" altLang="en-US" sz="800" dirty="0"/>
+                        <a:t>지각</a:t>
+                      </a:r>
+                    </a:p>
+                  </a:txBody>
+                  <a:tcPr/>
+                </a:tc>
+                <a:extLst>
+                  <a:ext uri="{0D108BD9-81ED-4DB2-BD59-A6C34878D82A}">
+                    <a16:rowId xmlns:a16="http://schemas.microsoft.com/office/drawing/2014/main" val="1798240494"/>
+                  </a:ext>
+                </a:extLst>
+              </a:tr>
+            </a:tbl>
+          </a:graphicData>
+        </a:graphic>
+      </p:graphicFrame>
     </p:spTree>
     <p:extLst>
       <p:ext uri="{BB962C8B-B14F-4D97-AF65-F5344CB8AC3E}">

--- a/DS02_화면설계서_v1.0.pptx
+++ b/DS02_화면설계서_v1.0.pptx
@@ -6,7 +6,7 @@
     <p:sldMasterId id="2147483655" r:id="rId2"/>
   </p:sldMasterIdLst>
   <p:notesMasterIdLst>
-    <p:notesMasterId r:id="rId10"/>
+    <p:notesMasterId r:id="rId11"/>
   </p:notesMasterIdLst>
   <p:sldIdLst>
     <p:sldId id="256" r:id="rId3"/>
@@ -14,39 +14,40 @@
     <p:sldId id="258" r:id="rId5"/>
     <p:sldId id="287" r:id="rId6"/>
     <p:sldId id="288" r:id="rId7"/>
-    <p:sldId id="289" r:id="rId8"/>
+    <p:sldId id="295" r:id="rId8"/>
     <p:sldId id="293" r:id="rId9"/>
+    <p:sldId id="294" r:id="rId10"/>
   </p:sldIdLst>
   <p:sldSz cx="9906000" cy="6858000" type="A4"/>
   <p:notesSz cx="6858000" cy="9144000"/>
   <p:embeddedFontLst>
     <p:embeddedFont>
       <p:font typeface="Malgun Gothic" panose="020B0503020000020004" pitchFamily="50" charset="-127"/>
-      <p:regular r:id="rId11"/>
-      <p:bold r:id="rId12"/>
+      <p:regular r:id="rId12"/>
+      <p:bold r:id="rId13"/>
     </p:embeddedFont>
     <p:embeddedFont>
       <p:font typeface="Malgun Gothic" panose="020B0503020000020004" pitchFamily="50" charset="-127"/>
-      <p:regular r:id="rId11"/>
-      <p:bold r:id="rId12"/>
+      <p:regular r:id="rId12"/>
+      <p:bold r:id="rId13"/>
     </p:embeddedFont>
     <p:embeddedFont>
       <p:font typeface="Calibri" panose="020F0502020204030204" pitchFamily="34" charset="0"/>
-      <p:regular r:id="rId13"/>
-      <p:bold r:id="rId14"/>
-      <p:italic r:id="rId15"/>
-      <p:boldItalic r:id="rId16"/>
+      <p:regular r:id="rId14"/>
+      <p:bold r:id="rId15"/>
+      <p:italic r:id="rId16"/>
+      <p:boldItalic r:id="rId17"/>
     </p:embeddedFont>
     <p:embeddedFont>
       <p:font typeface="Noto Sans Symbols" panose="020B0502040504020204" pitchFamily="50" charset="-127"/>
-      <p:regular r:id="rId17"/>
+      <p:regular r:id="rId18"/>
     </p:embeddedFont>
     <p:embeddedFont>
       <p:font typeface="Quattrocento Sans" panose="020B0600000101010101" charset="0"/>
-      <p:regular r:id="rId18"/>
-      <p:bold r:id="rId19"/>
-      <p:italic r:id="rId20"/>
-      <p:boldItalic r:id="rId21"/>
+      <p:regular r:id="rId19"/>
+      <p:bold r:id="rId20"/>
+      <p:italic r:id="rId21"/>
+      <p:boldItalic r:id="rId22"/>
     </p:embeddedFont>
   </p:embeddedFontLst>
   <p:defaultTextStyle>
@@ -4028,7 +4029,7 @@
     </p:spTree>
     <p:extLst>
       <p:ext uri="{BB962C8B-B14F-4D97-AF65-F5344CB8AC3E}">
-        <p14:creationId xmlns:p14="http://schemas.microsoft.com/office/powerpoint/2010/main" val="2102896867"/>
+        <p14:creationId xmlns:p14="http://schemas.microsoft.com/office/powerpoint/2010/main" val="3462226447"/>
       </p:ext>
     </p:extLst>
   </p:cSld>
@@ -4138,6 +4139,115 @@
     <p:extLst>
       <p:ext uri="{BB962C8B-B14F-4D97-AF65-F5344CB8AC3E}">
         <p14:creationId xmlns:p14="http://schemas.microsoft.com/office/powerpoint/2010/main" val="114159616"/>
+      </p:ext>
+    </p:extLst>
+  </p:cSld>
+  <p:clrMapOvr>
+    <a:masterClrMapping/>
+  </p:clrMapOvr>
+</p:notes>
+</file>
+
+<file path=ppt/notesSlides/notesSlide8.xml><?xml version="1.0" encoding="utf-8"?>
+<p:notes xmlns:a="http://schemas.openxmlformats.org/drawingml/2006/main" xmlns:r="http://schemas.openxmlformats.org/officeDocument/2006/relationships" xmlns:p="http://schemas.openxmlformats.org/presentationml/2006/main" showMasterSp="0" showMasterPhAnim="0">
+  <p:cSld>
+    <p:spTree>
+      <p:nvGrpSpPr>
+        <p:cNvPr id="1" name="Shape 70"/>
+        <p:cNvGrpSpPr/>
+        <p:nvPr/>
+      </p:nvGrpSpPr>
+      <p:grpSpPr>
+        <a:xfrm>
+          <a:off x="0" y="0"/>
+          <a:ext cx="0" cy="0"/>
+          <a:chOff x="0" y="0"/>
+          <a:chExt cx="0" cy="0"/>
+        </a:xfrm>
+      </p:grpSpPr>
+      <p:sp>
+        <p:nvSpPr>
+          <p:cNvPr id="71" name="Google Shape;71;p4:notes"/>
+          <p:cNvSpPr txBox="1">
+            <a:spLocks noGrp="1"/>
+          </p:cNvSpPr>
+          <p:nvPr>
+            <p:ph type="body" idx="1"/>
+          </p:nvPr>
+        </p:nvSpPr>
+        <p:spPr>
+          <a:xfrm>
+            <a:off x="685800" y="4400550"/>
+            <a:ext cx="5486400" cy="3600450"/>
+          </a:xfrm>
+          <a:prstGeom prst="rect">
+            <a:avLst/>
+          </a:prstGeom>
+        </p:spPr>
+        <p:txBody>
+          <a:bodyPr spcFirstLastPara="1" wrap="square" lIns="91425" tIns="45700" rIns="91425" bIns="45700" anchor="t" anchorCtr="0">
+            <a:noAutofit/>
+          </a:bodyPr>
+          <a:lstStyle/>
+          <a:p>
+            <a:pPr marL="0" lvl="0" indent="0" algn="l" rtl="0">
+              <a:spcBef>
+                <a:spcPts val="0"/>
+              </a:spcBef>
+              <a:spcAft>
+                <a:spcPts val="0"/>
+              </a:spcAft>
+              <a:buNone/>
+            </a:pPr>
+            <a:endParaRPr/>
+          </a:p>
+        </p:txBody>
+      </p:sp>
+      <p:sp>
+        <p:nvSpPr>
+          <p:cNvPr id="72" name="Google Shape;72;p4:notes"/>
+          <p:cNvSpPr>
+            <a:spLocks noGrp="1" noRot="1" noChangeAspect="1"/>
+          </p:cNvSpPr>
+          <p:nvPr>
+            <p:ph type="sldImg" idx="2"/>
+          </p:nvPr>
+        </p:nvSpPr>
+        <p:spPr>
+          <a:xfrm>
+            <a:off x="1200150" y="1143000"/>
+            <a:ext cx="4457700" cy="3086100"/>
+          </a:xfrm>
+          <a:custGeom>
+            <a:avLst/>
+            <a:gdLst/>
+            <a:ahLst/>
+            <a:cxnLst/>
+            <a:rect l="l" t="t" r="r" b="b"/>
+            <a:pathLst>
+              <a:path w="120000" h="120000" extrusionOk="0">
+                <a:moveTo>
+                  <a:pt x="0" y="0"/>
+                </a:moveTo>
+                <a:lnTo>
+                  <a:pt x="120000" y="0"/>
+                </a:lnTo>
+                <a:lnTo>
+                  <a:pt x="120000" y="120000"/>
+                </a:lnTo>
+                <a:lnTo>
+                  <a:pt x="0" y="120000"/>
+                </a:lnTo>
+                <a:close/>
+              </a:path>
+            </a:pathLst>
+          </a:custGeom>
+        </p:spPr>
+      </p:sp>
+    </p:spTree>
+    <p:extLst>
+      <p:ext uri="{BB962C8B-B14F-4D97-AF65-F5344CB8AC3E}">
+        <p14:creationId xmlns:p14="http://schemas.microsoft.com/office/powerpoint/2010/main" val="1950227712"/>
       </p:ext>
     </p:extLst>
   </p:cSld>
@@ -12350,62 +12460,6 @@
       </p:grpSpPr>
       <p:sp>
         <p:nvSpPr>
-          <p:cNvPr id="19" name="직사각형 18">
-            <a:extLst>
-              <a:ext uri="{FF2B5EF4-FFF2-40B4-BE49-F238E27FC236}">
-                <a16:creationId xmlns:a16="http://schemas.microsoft.com/office/drawing/2014/main" id="{A8B534C7-E947-4D4B-9DA6-5F363E1EEE3D}"/>
-              </a:ext>
-            </a:extLst>
-          </p:cNvPr>
-          <p:cNvSpPr/>
-          <p:nvPr/>
-        </p:nvSpPr>
-        <p:spPr>
-          <a:xfrm>
-            <a:off x="560991" y="1562032"/>
-            <a:ext cx="7245731" cy="4075002"/>
-          </a:xfrm>
-          <a:prstGeom prst="rect">
-            <a:avLst/>
-          </a:prstGeom>
-          <a:solidFill>
-            <a:schemeClr val="tx2"/>
-          </a:solidFill>
-          <a:ln w="12700">
-            <a:solidFill>
-              <a:schemeClr val="tx2">
-                <a:lumMod val="75000"/>
-              </a:schemeClr>
-            </a:solidFill>
-          </a:ln>
-        </p:spPr>
-        <p:style>
-          <a:lnRef idx="2">
-            <a:schemeClr val="accent1">
-              <a:shade val="50000"/>
-            </a:schemeClr>
-          </a:lnRef>
-          <a:fillRef idx="1">
-            <a:schemeClr val="accent1"/>
-          </a:fillRef>
-          <a:effectRef idx="0">
-            <a:schemeClr val="accent1"/>
-          </a:effectRef>
-          <a:fontRef idx="minor">
-            <a:schemeClr val="lt1"/>
-          </a:fontRef>
-        </p:style>
-        <p:txBody>
-          <a:bodyPr rtlCol="0" anchor="ctr"/>
-          <a:lstStyle/>
-          <a:p>
-            <a:pPr algn="ctr"/>
-            <a:endParaRPr lang="ko-KR" altLang="en-US"/>
-          </a:p>
-        </p:txBody>
-      </p:sp>
-      <p:sp>
-        <p:nvSpPr>
           <p:cNvPr id="74" name="Google Shape;74;p12"/>
           <p:cNvSpPr/>
           <p:nvPr/>
@@ -12488,25 +12542,17 @@
           </a:bodyPr>
           <a:lstStyle/>
           <a:p>
-            <a:pPr marL="0" marR="0" lvl="0" indent="0" algn="l" rtl="0">
+            <a:pPr lvl="0">
               <a:lnSpc>
                 <a:spcPct val="90000"/>
               </a:lnSpc>
-              <a:spcBef>
-                <a:spcPts val="0"/>
-              </a:spcBef>
-              <a:spcAft>
-                <a:spcPts val="0"/>
-              </a:spcAft>
               <a:buClr>
                 <a:schemeClr val="dk1"/>
               </a:buClr>
               <a:buSzPts val="900"/>
-              <a:buFont typeface="Arial"/>
-              <a:buNone/>
             </a:pPr>
             <a:r>
-              <a:rPr lang="ko-KR" sz="900" dirty="0" err="1">
+              <a:rPr lang="ko-KR" altLang="en-US" sz="900" dirty="0">
                 <a:solidFill>
                   <a:schemeClr val="dk1"/>
                 </a:solidFill>
@@ -12514,9 +12560,9 @@
                 <a:ea typeface="Malgun Gothic"/>
                 <a:sym typeface="Malgun Gothic"/>
               </a:rPr>
-              <a:t>메인화면</a:t>
+              <a:t>로그인 화면</a:t>
             </a:r>
-            <a:endParaRPr dirty="0" err="1">
+            <a:endParaRPr lang="ko-KR" altLang="en-US" sz="900" dirty="0">
               <a:solidFill>
                 <a:schemeClr val="dk1"/>
               </a:solidFill>
@@ -12810,7 +12856,7 @@
         </p:nvSpPr>
         <p:spPr>
           <a:xfrm>
-            <a:off x="6367540" y="994599"/>
+            <a:off x="4549215" y="2851964"/>
             <a:ext cx="652582" cy="241995"/>
           </a:xfrm>
           <a:prstGeom prst="roundRect">
@@ -12882,7 +12928,7 @@
         </p:nvSpPr>
         <p:spPr>
           <a:xfrm>
-            <a:off x="7201258" y="994599"/>
+            <a:off x="3569540" y="2856312"/>
             <a:ext cx="545006" cy="241995"/>
           </a:xfrm>
           <a:prstGeom prst="roundRect">
@@ -12953,6 +12999,234 @@
           </a:prstGeom>
         </p:spPr>
       </p:pic>
+      <p:sp>
+        <p:nvSpPr>
+          <p:cNvPr id="11" name="Google Shape;199;p16">
+            <a:extLst>
+              <a:ext uri="{FF2B5EF4-FFF2-40B4-BE49-F238E27FC236}">
+                <a16:creationId xmlns:a16="http://schemas.microsoft.com/office/drawing/2014/main" id="{D17BCE7D-BCB5-4303-A7EB-B82699ED36B5}"/>
+              </a:ext>
+            </a:extLst>
+          </p:cNvPr>
+          <p:cNvSpPr txBox="1"/>
+          <p:nvPr/>
+        </p:nvSpPr>
+        <p:spPr>
+          <a:xfrm>
+            <a:off x="1859336" y="1928141"/>
+            <a:ext cx="415498" cy="230832"/>
+          </a:xfrm>
+          <a:prstGeom prst="rect">
+            <a:avLst/>
+          </a:prstGeom>
+          <a:noFill/>
+          <a:ln>
+            <a:noFill/>
+          </a:ln>
+        </p:spPr>
+        <p:txBody>
+          <a:bodyPr spcFirstLastPara="1" wrap="square" lIns="91425" tIns="45700" rIns="91425" bIns="45700" anchor="t" anchorCtr="0">
+            <a:spAutoFit/>
+          </a:bodyPr>
+          <a:lstStyle/>
+          <a:p>
+            <a:pPr marL="0" marR="0" lvl="0" indent="0" algn="l" rtl="0">
+              <a:spcBef>
+                <a:spcPts val="0"/>
+              </a:spcBef>
+              <a:spcAft>
+                <a:spcPts val="0"/>
+              </a:spcAft>
+              <a:buNone/>
+            </a:pPr>
+            <a:r>
+              <a:rPr lang="ko-KR" altLang="en-US" sz="900" dirty="0">
+                <a:solidFill>
+                  <a:schemeClr val="dk1"/>
+                </a:solidFill>
+                <a:latin typeface="Malgun Gothic"/>
+                <a:ea typeface="Malgun Gothic"/>
+              </a:rPr>
+              <a:t>학번</a:t>
+            </a:r>
+          </a:p>
+        </p:txBody>
+      </p:sp>
+      <p:sp>
+        <p:nvSpPr>
+          <p:cNvPr id="12" name="Google Shape;200;p16">
+            <a:extLst>
+              <a:ext uri="{FF2B5EF4-FFF2-40B4-BE49-F238E27FC236}">
+                <a16:creationId xmlns:a16="http://schemas.microsoft.com/office/drawing/2014/main" id="{22CB6A53-4FDE-40F5-A9FB-B62B2D2ECE3E}"/>
+              </a:ext>
+            </a:extLst>
+          </p:cNvPr>
+          <p:cNvSpPr/>
+          <p:nvPr/>
+        </p:nvSpPr>
+        <p:spPr>
+          <a:xfrm>
+            <a:off x="2596181" y="1928141"/>
+            <a:ext cx="3862131" cy="230832"/>
+          </a:xfrm>
+          <a:prstGeom prst="rect">
+            <a:avLst/>
+          </a:prstGeom>
+          <a:solidFill>
+            <a:srgbClr val="FFFFFF"/>
+          </a:solidFill>
+          <a:ln w="9525" cap="flat" cmpd="sng">
+            <a:solidFill>
+              <a:srgbClr val="808080"/>
+            </a:solidFill>
+            <a:prstDash val="solid"/>
+            <a:miter lim="800000"/>
+            <a:headEnd type="none" w="sm" len="sm"/>
+            <a:tailEnd type="none" w="sm" len="sm"/>
+          </a:ln>
+        </p:spPr>
+        <p:txBody>
+          <a:bodyPr spcFirstLastPara="1" wrap="square" lIns="91425" tIns="50800" rIns="91425" bIns="50800" anchor="ctr" anchorCtr="0">
+            <a:noAutofit/>
+          </a:bodyPr>
+          <a:lstStyle/>
+          <a:p>
+            <a:pPr marL="0" marR="0" lvl="0" indent="0" algn="l" rtl="0">
+              <a:spcBef>
+                <a:spcPts val="0"/>
+              </a:spcBef>
+              <a:spcAft>
+                <a:spcPts val="0"/>
+              </a:spcAft>
+              <a:buNone/>
+            </a:pPr>
+            <a:endParaRPr sz="900" b="0" i="0" u="none" strike="noStrike" cap="none">
+              <a:solidFill>
+                <a:srgbClr val="5F5F5F"/>
+              </a:solidFill>
+              <a:latin typeface="Quattrocento Sans"/>
+              <a:ea typeface="Quattrocento Sans"/>
+              <a:cs typeface="Quattrocento Sans"/>
+              <a:sym typeface="Quattrocento Sans"/>
+            </a:endParaRPr>
+          </a:p>
+        </p:txBody>
+      </p:sp>
+      <p:sp>
+        <p:nvSpPr>
+          <p:cNvPr id="13" name="Google Shape;199;p16">
+            <a:extLst>
+              <a:ext uri="{FF2B5EF4-FFF2-40B4-BE49-F238E27FC236}">
+                <a16:creationId xmlns:a16="http://schemas.microsoft.com/office/drawing/2014/main" id="{2849AAD5-3226-49D6-9227-100CDF9C4330}"/>
+              </a:ext>
+            </a:extLst>
+          </p:cNvPr>
+          <p:cNvSpPr txBox="1"/>
+          <p:nvPr/>
+        </p:nvSpPr>
+        <p:spPr>
+          <a:xfrm>
+            <a:off x="1590394" y="2295694"/>
+            <a:ext cx="684440" cy="230792"/>
+          </a:xfrm>
+          <a:prstGeom prst="rect">
+            <a:avLst/>
+          </a:prstGeom>
+          <a:noFill/>
+          <a:ln>
+            <a:noFill/>
+          </a:ln>
+        </p:spPr>
+        <p:txBody>
+          <a:bodyPr spcFirstLastPara="1" wrap="square" lIns="91425" tIns="45700" rIns="91425" bIns="45700" anchor="t" anchorCtr="0">
+            <a:spAutoFit/>
+          </a:bodyPr>
+          <a:lstStyle/>
+          <a:p>
+            <a:pPr marL="0" marR="0" lvl="0" indent="0" algn="l" rtl="0">
+              <a:spcBef>
+                <a:spcPts val="0"/>
+              </a:spcBef>
+              <a:spcAft>
+                <a:spcPts val="0"/>
+              </a:spcAft>
+              <a:buNone/>
+            </a:pPr>
+            <a:r>
+              <a:rPr lang="ko-KR" altLang="en-US" sz="900">
+                <a:solidFill>
+                  <a:schemeClr val="dk1"/>
+                </a:solidFill>
+                <a:latin typeface="Malgun Gothic"/>
+                <a:ea typeface="Malgun Gothic"/>
+                <a:sym typeface="Malgun Gothic"/>
+              </a:rPr>
+              <a:t>비밀번호</a:t>
+            </a:r>
+            <a:endParaRPr dirty="0"/>
+          </a:p>
+        </p:txBody>
+      </p:sp>
+      <p:sp>
+        <p:nvSpPr>
+          <p:cNvPr id="14" name="Google Shape;200;p16">
+            <a:extLst>
+              <a:ext uri="{FF2B5EF4-FFF2-40B4-BE49-F238E27FC236}">
+                <a16:creationId xmlns:a16="http://schemas.microsoft.com/office/drawing/2014/main" id="{BDDE5A0A-ADA9-4EA9-8E68-E1CC10DBA880}"/>
+              </a:ext>
+            </a:extLst>
+          </p:cNvPr>
+          <p:cNvSpPr/>
+          <p:nvPr/>
+        </p:nvSpPr>
+        <p:spPr>
+          <a:xfrm>
+            <a:off x="2596181" y="2295694"/>
+            <a:ext cx="3862131" cy="230832"/>
+          </a:xfrm>
+          <a:prstGeom prst="rect">
+            <a:avLst/>
+          </a:prstGeom>
+          <a:solidFill>
+            <a:srgbClr val="FFFFFF"/>
+          </a:solidFill>
+          <a:ln w="9525" cap="flat" cmpd="sng">
+            <a:solidFill>
+              <a:srgbClr val="808080"/>
+            </a:solidFill>
+            <a:prstDash val="solid"/>
+            <a:miter lim="800000"/>
+            <a:headEnd type="none" w="sm" len="sm"/>
+            <a:tailEnd type="none" w="sm" len="sm"/>
+          </a:ln>
+        </p:spPr>
+        <p:txBody>
+          <a:bodyPr spcFirstLastPara="1" wrap="square" lIns="91425" tIns="50800" rIns="91425" bIns="50800" anchor="ctr" anchorCtr="0">
+            <a:noAutofit/>
+          </a:bodyPr>
+          <a:lstStyle/>
+          <a:p>
+            <a:pPr marL="0" marR="0" lvl="0" indent="0" algn="l" rtl="0">
+              <a:spcBef>
+                <a:spcPts val="0"/>
+              </a:spcBef>
+              <a:spcAft>
+                <a:spcPts val="0"/>
+              </a:spcAft>
+              <a:buNone/>
+            </a:pPr>
+            <a:endParaRPr sz="900" b="0" i="0" u="none" strike="noStrike" cap="none">
+              <a:solidFill>
+                <a:srgbClr val="5F5F5F"/>
+              </a:solidFill>
+              <a:latin typeface="Quattrocento Sans"/>
+              <a:ea typeface="Quattrocento Sans"/>
+              <a:cs typeface="Quattrocento Sans"/>
+              <a:sym typeface="Quattrocento Sans"/>
+            </a:endParaRPr>
+          </a:p>
+        </p:txBody>
+      </p:sp>
     </p:spTree>
     <p:extLst>
       <p:ext uri="{BB962C8B-B14F-4D97-AF65-F5344CB8AC3E}">
@@ -14491,62 +14765,6 @@
       </p:grpSpPr>
       <p:sp>
         <p:nvSpPr>
-          <p:cNvPr id="30" name="직사각형 29">
-            <a:extLst>
-              <a:ext uri="{FF2B5EF4-FFF2-40B4-BE49-F238E27FC236}">
-                <a16:creationId xmlns:a16="http://schemas.microsoft.com/office/drawing/2014/main" id="{A4DE5CAE-744E-467F-A182-D6062573260B}"/>
-              </a:ext>
-            </a:extLst>
-          </p:cNvPr>
-          <p:cNvSpPr/>
-          <p:nvPr/>
-        </p:nvSpPr>
-        <p:spPr>
-          <a:xfrm>
-            <a:off x="560991" y="1562032"/>
-            <a:ext cx="7245731" cy="4075002"/>
-          </a:xfrm>
-          <a:prstGeom prst="rect">
-            <a:avLst/>
-          </a:prstGeom>
-          <a:solidFill>
-            <a:schemeClr val="tx2"/>
-          </a:solidFill>
-          <a:ln w="12700">
-            <a:solidFill>
-              <a:schemeClr val="tx2">
-                <a:lumMod val="75000"/>
-              </a:schemeClr>
-            </a:solidFill>
-          </a:ln>
-        </p:spPr>
-        <p:style>
-          <a:lnRef idx="2">
-            <a:schemeClr val="accent1">
-              <a:shade val="50000"/>
-            </a:schemeClr>
-          </a:lnRef>
-          <a:fillRef idx="1">
-            <a:schemeClr val="accent1"/>
-          </a:fillRef>
-          <a:effectRef idx="0">
-            <a:schemeClr val="accent1"/>
-          </a:effectRef>
-          <a:fontRef idx="minor">
-            <a:schemeClr val="lt1"/>
-          </a:fontRef>
-        </p:style>
-        <p:txBody>
-          <a:bodyPr rtlCol="0" anchor="ctr"/>
-          <a:lstStyle/>
-          <a:p>
-            <a:pPr algn="ctr"/>
-            <a:endParaRPr lang="ko-KR" altLang="en-US"/>
-          </a:p>
-        </p:txBody>
-      </p:sp>
-      <p:sp>
-        <p:nvSpPr>
           <p:cNvPr id="74" name="Google Shape;74;p12"/>
           <p:cNvSpPr/>
           <p:nvPr/>
@@ -14583,7 +14801,7 @@
               <a:buNone/>
             </a:pPr>
             <a:r>
-              <a:rPr lang="ko-KR" altLang="en-US" sz="900" b="0" i="0" u="none" strike="noStrike" cap="none" dirty="0">
+              <a:rPr lang="ko-KR" sz="900" dirty="0">
                 <a:solidFill>
                   <a:schemeClr val="dk1"/>
                 </a:solidFill>
@@ -14592,7 +14810,7 @@
                 <a:cs typeface="Malgun Gothic"/>
                 <a:sym typeface="Malgun Gothic"/>
               </a:rPr>
-              <a:t>로그인</a:t>
+              <a:t>메인</a:t>
             </a:r>
             <a:endParaRPr lang="ko-KR" altLang="en-US" sz="900" dirty="0">
               <a:solidFill>
@@ -14629,22 +14847,14 @@
           </a:bodyPr>
           <a:lstStyle/>
           <a:p>
-            <a:pPr marL="0" marR="0" lvl="0" indent="0" algn="l" rtl="0">
+            <a:pPr lvl="0">
               <a:lnSpc>
                 <a:spcPct val="90000"/>
               </a:lnSpc>
-              <a:spcBef>
-                <a:spcPts val="0"/>
-              </a:spcBef>
-              <a:spcAft>
-                <a:spcPts val="0"/>
-              </a:spcAft>
               <a:buClr>
                 <a:schemeClr val="dk1"/>
               </a:buClr>
               <a:buSzPts val="900"/>
-              <a:buFont typeface="Arial"/>
-              <a:buNone/>
             </a:pPr>
             <a:r>
               <a:rPr lang="ko-KR" altLang="en-US" sz="900" dirty="0">
@@ -14655,20 +14865,9 @@
                 <a:ea typeface="Malgun Gothic"/>
                 <a:sym typeface="Malgun Gothic"/>
               </a:rPr>
-              <a:t>로그인 </a:t>
+              <a:t>로그인 화면</a:t>
             </a:r>
-            <a:r>
-              <a:rPr lang="ko-KR" sz="900" dirty="0">
-                <a:solidFill>
-                  <a:schemeClr val="dk1"/>
-                </a:solidFill>
-                <a:latin typeface="Malgun Gothic"/>
-                <a:ea typeface="Malgun Gothic"/>
-                <a:sym typeface="Malgun Gothic"/>
-              </a:rPr>
-              <a:t>화면</a:t>
-            </a:r>
-            <a:endParaRPr dirty="0" err="1">
+            <a:endParaRPr lang="ko-KR" altLang="en-US" sz="900" dirty="0">
               <a:solidFill>
                 <a:schemeClr val="dk1"/>
               </a:solidFill>
@@ -14731,132 +14930,6 @@
               <a:t>PCU-001-01</a:t>
             </a:r>
             <a:endParaRPr sz="900" b="0" i="0" u="none" strike="noStrike" cap="none">
-              <a:solidFill>
-                <a:schemeClr val="dk1"/>
-              </a:solidFill>
-              <a:latin typeface="Malgun Gothic"/>
-              <a:ea typeface="Malgun Gothic"/>
-              <a:cs typeface="Malgun Gothic"/>
-              <a:sym typeface="Malgun Gothic"/>
-            </a:endParaRPr>
-          </a:p>
-        </p:txBody>
-      </p:sp>
-      <p:sp>
-        <p:nvSpPr>
-          <p:cNvPr id="77" name="Google Shape;77;p12"/>
-          <p:cNvSpPr/>
-          <p:nvPr/>
-        </p:nvSpPr>
-        <p:spPr>
-          <a:xfrm>
-            <a:off x="8056563" y="652463"/>
-            <a:ext cx="1657350" cy="5507037"/>
-          </a:xfrm>
-          <a:prstGeom prst="rect">
-            <a:avLst/>
-          </a:prstGeom>
-          <a:noFill/>
-          <a:ln>
-            <a:noFill/>
-          </a:ln>
-        </p:spPr>
-        <p:txBody>
-          <a:bodyPr spcFirstLastPara="1" wrap="square" lIns="36000" tIns="45700" rIns="36000" bIns="45700" anchor="t" anchorCtr="0">
-            <a:noAutofit/>
-          </a:bodyPr>
-          <a:lstStyle/>
-          <a:p>
-            <a:pPr marL="0" marR="0" lvl="0" indent="0" algn="l" rtl="0">
-              <a:lnSpc>
-                <a:spcPct val="90000"/>
-              </a:lnSpc>
-              <a:spcBef>
-                <a:spcPts val="0"/>
-              </a:spcBef>
-              <a:spcAft>
-                <a:spcPts val="0"/>
-              </a:spcAft>
-              <a:buClr>
-                <a:schemeClr val="dk1"/>
-              </a:buClr>
-              <a:buSzPts val="900"/>
-              <a:buFont typeface="Malgun Gothic"/>
-              <a:buNone/>
-            </a:pPr>
-            <a:r>
-              <a:rPr lang="ko-KR" sz="900" b="0" i="0" u="none" strike="noStrike" cap="none" dirty="0">
-                <a:solidFill>
-                  <a:schemeClr val="dk1"/>
-                </a:solidFill>
-                <a:latin typeface="Malgun Gothic"/>
-                <a:ea typeface="Malgun Gothic"/>
-                <a:cs typeface="Malgun Gothic"/>
-                <a:sym typeface="Malgun Gothic"/>
-              </a:rPr>
-              <a:t>화면정의 : </a:t>
-            </a:r>
-            <a:endParaRPr dirty="0"/>
-          </a:p>
-          <a:p>
-            <a:pPr marL="0" marR="0" lvl="0" indent="0" algn="l" rtl="0">
-              <a:lnSpc>
-                <a:spcPct val="90000"/>
-              </a:lnSpc>
-              <a:spcBef>
-                <a:spcPts val="813"/>
-              </a:spcBef>
-              <a:spcAft>
-                <a:spcPts val="0"/>
-              </a:spcAft>
-              <a:buClr>
-                <a:schemeClr val="dk1"/>
-              </a:buClr>
-              <a:buSzPts val="900"/>
-              <a:buFont typeface="Malgun Gothic"/>
-              <a:buNone/>
-            </a:pPr>
-            <a:r>
-              <a:rPr lang="ko-KR" altLang="en-US" sz="900" b="0" i="0" u="none" strike="noStrike" cap="none" dirty="0">
-                <a:solidFill>
-                  <a:schemeClr val="dk1"/>
-                </a:solidFill>
-                <a:latin typeface="Malgun Gothic"/>
-                <a:ea typeface="Malgun Gothic"/>
-                <a:cs typeface="Malgun Gothic"/>
-                <a:sym typeface="Malgun Gothic"/>
-              </a:rPr>
-              <a:t>로그인 화면 </a:t>
-            </a:r>
-            <a:endParaRPr sz="900" b="0" i="0" u="none" strike="noStrike" cap="none" dirty="0">
-              <a:solidFill>
-                <a:schemeClr val="dk1"/>
-              </a:solidFill>
-              <a:latin typeface="Malgun Gothic"/>
-              <a:ea typeface="Malgun Gothic"/>
-              <a:cs typeface="Malgun Gothic"/>
-              <a:sym typeface="Malgun Gothic"/>
-            </a:endParaRPr>
-          </a:p>
-          <a:p>
-            <a:pPr marL="177800" marR="0" lvl="0" indent="-120650" algn="l" rtl="0">
-              <a:lnSpc>
-                <a:spcPct val="90000"/>
-              </a:lnSpc>
-              <a:spcBef>
-                <a:spcPts val="813"/>
-              </a:spcBef>
-              <a:spcAft>
-                <a:spcPts val="0"/>
-              </a:spcAft>
-              <a:buClr>
-                <a:schemeClr val="dk1"/>
-              </a:buClr>
-              <a:buSzPts val="900"/>
-              <a:buFont typeface="Malgun Gothic"/>
-              <a:buNone/>
-            </a:pPr>
-            <a:endParaRPr sz="900" b="0" i="0" u="none" strike="noStrike" cap="none" dirty="0">
               <a:solidFill>
                 <a:schemeClr val="dk1"/>
               </a:solidFill>
@@ -14934,7 +15007,7 @@
         </p:nvSpPr>
         <p:spPr>
           <a:xfrm>
-            <a:off x="6367540" y="994599"/>
+            <a:off x="4039535" y="2773036"/>
             <a:ext cx="652582" cy="241995"/>
           </a:xfrm>
           <a:prstGeom prst="roundRect">
@@ -14979,7 +15052,7 @@
                 <a:ea typeface="Quattrocento Sans"/>
                 <a:cs typeface="Quattrocento Sans"/>
               </a:rPr>
-              <a:t>회원가입</a:t>
+              <a:t>출석확인</a:t>
             </a:r>
             <a:endParaRPr lang="ko-KR" altLang="en-US" sz="900" b="0" i="0" u="none" strike="noStrike" cap="none" dirty="0">
               <a:solidFill>
@@ -15006,8 +15079,8 @@
         </p:nvSpPr>
         <p:spPr>
           <a:xfrm>
-            <a:off x="7201258" y="994599"/>
-            <a:ext cx="545006" cy="241995"/>
+            <a:off x="4048932" y="2402513"/>
+            <a:ext cx="652581" cy="241995"/>
           </a:xfrm>
           <a:prstGeom prst="roundRect">
             <a:avLst>
@@ -15034,7 +15107,7 @@
           <a:lstStyle/>
           <a:p>
             <a:r>
-              <a:rPr lang="ko-KR" sz="900" dirty="0">
+              <a:rPr lang="ko-KR" altLang="en-US" sz="900">
                 <a:solidFill>
                   <a:srgbClr val="5F5F5F"/>
                 </a:solidFill>
@@ -15042,8 +15115,16 @@
                 <a:ea typeface="Quattrocento Sans"/>
                 <a:cs typeface="Quattrocento Sans"/>
               </a:rPr>
-              <a:t>로그인</a:t>
+              <a:t>출석체크</a:t>
             </a:r>
+            <a:endParaRPr lang="ko-KR" sz="900" dirty="0">
+              <a:solidFill>
+                <a:srgbClr val="5F5F5F"/>
+              </a:solidFill>
+              <a:latin typeface="Quattrocento Sans"/>
+              <a:ea typeface="Quattrocento Sans"/>
+              <a:cs typeface="Quattrocento Sans"/>
+            </a:endParaRPr>
           </a:p>
         </p:txBody>
       </p:sp>
@@ -15079,10 +15160,10 @@
       </p:pic>
       <p:sp>
         <p:nvSpPr>
-          <p:cNvPr id="11" name="Google Shape;265;p17">
+          <p:cNvPr id="15" name="Google Shape;111;p13">
             <a:extLst>
               <a:ext uri="{FF2B5EF4-FFF2-40B4-BE49-F238E27FC236}">
-                <a16:creationId xmlns:a16="http://schemas.microsoft.com/office/drawing/2014/main" id="{15A6EB46-9FCC-485E-94D3-8C1FD911BB60}"/>
+                <a16:creationId xmlns:a16="http://schemas.microsoft.com/office/drawing/2014/main" id="{BE00AD8F-7606-418B-BFFA-8F29D7DF354D}"/>
               </a:ext>
             </a:extLst>
           </p:cNvPr>
@@ -15091,101 +15172,8 @@
         </p:nvSpPr>
         <p:spPr>
           <a:xfrm>
-            <a:off x="5144329" y="1944210"/>
-            <a:ext cx="2624707" cy="1793289"/>
-          </a:xfrm>
-          <a:prstGeom prst="rect">
-            <a:avLst/>
-          </a:prstGeom>
-          <a:solidFill>
-            <a:schemeClr val="lt1"/>
-          </a:solidFill>
-          <a:ln w="12700" cap="flat" cmpd="sng">
-            <a:solidFill>
-              <a:srgbClr val="42719B"/>
-            </a:solidFill>
-            <a:prstDash val="solid"/>
-            <a:miter lim="800000"/>
-            <a:headEnd type="none" w="sm" len="sm"/>
-            <a:tailEnd type="none" w="sm" len="sm"/>
-          </a:ln>
-        </p:spPr>
-        <p:txBody>
-          <a:bodyPr spcFirstLastPara="1" wrap="square" lIns="91425" tIns="45700" rIns="91425" bIns="45700" anchor="ctr" anchorCtr="0">
-            <a:noAutofit/>
-          </a:bodyPr>
-          <a:lstStyle/>
-          <a:p>
-            <a:pPr marL="0" marR="0" lvl="0" indent="0" algn="r" rtl="0">
-              <a:spcBef>
-                <a:spcPts val="0"/>
-              </a:spcBef>
-              <a:spcAft>
-                <a:spcPts val="0"/>
-              </a:spcAft>
-              <a:buNone/>
-            </a:pPr>
-            <a:endParaRPr sz="1800" b="0" i="0" u="none" strike="noStrike" cap="none" dirty="0">
-              <a:solidFill>
-                <a:schemeClr val="lt1"/>
-              </a:solidFill>
-              <a:latin typeface="Malgun Gothic"/>
-              <a:ea typeface="Malgun Gothic"/>
-              <a:cs typeface="Malgun Gothic"/>
-              <a:sym typeface="Malgun Gothic"/>
-            </a:endParaRPr>
-          </a:p>
-        </p:txBody>
-      </p:sp>
-      <p:pic>
-        <p:nvPicPr>
-          <p:cNvPr id="12" name="Google Shape;266;p17" descr="닫기">
-            <a:extLst>
-              <a:ext uri="{FF2B5EF4-FFF2-40B4-BE49-F238E27FC236}">
-                <a16:creationId xmlns:a16="http://schemas.microsoft.com/office/drawing/2014/main" id="{4DEED520-F7F4-42CE-A243-72F2F4A36D77}"/>
-              </a:ext>
-            </a:extLst>
-          </p:cNvPr>
-          <p:cNvPicPr preferRelativeResize="0"/>
-          <p:nvPr/>
-        </p:nvPicPr>
-        <p:blipFill rotWithShape="1">
-          <a:blip r:embed="rId4">
-            <a:alphaModFix/>
-          </a:blip>
-          <a:srcRect/>
-          <a:stretch/>
-        </p:blipFill>
-        <p:spPr>
-          <a:xfrm>
-            <a:off x="7413489" y="2019979"/>
-            <a:ext cx="203200" cy="203200"/>
-          </a:xfrm>
-          <a:prstGeom prst="rect">
-            <a:avLst/>
-          </a:prstGeom>
-          <a:noFill/>
-          <a:ln>
-            <a:noFill/>
-          </a:ln>
-        </p:spPr>
-      </p:pic>
-      <p:sp>
-        <p:nvSpPr>
-          <p:cNvPr id="21" name="Google Shape;272;p17">
-            <a:extLst>
-              <a:ext uri="{FF2B5EF4-FFF2-40B4-BE49-F238E27FC236}">
-                <a16:creationId xmlns:a16="http://schemas.microsoft.com/office/drawing/2014/main" id="{E17AFE47-3CD2-4EC1-936A-930139219CBE}"/>
-              </a:ext>
-            </a:extLst>
-          </p:cNvPr>
-          <p:cNvSpPr/>
-          <p:nvPr/>
-        </p:nvSpPr>
-        <p:spPr>
-          <a:xfrm>
-            <a:off x="7065145" y="3366994"/>
-            <a:ext cx="471997" cy="241995"/>
+            <a:off x="4093323" y="3128188"/>
+            <a:ext cx="545006" cy="205868"/>
           </a:xfrm>
           <a:prstGeom prst="roundRect">
             <a:avLst>
@@ -15211,7 +15199,7 @@
           </a:bodyPr>
           <a:lstStyle/>
           <a:p>
-            <a:pPr marL="0" marR="0" lvl="0" indent="0" algn="l" rtl="0">
+            <a:pPr marL="0" marR="0" lvl="0" indent="0" algn="ctr" rtl="0">
               <a:spcBef>
                 <a:spcPts val="0"/>
               </a:spcBef>
@@ -15221,94 +15209,280 @@
               <a:buNone/>
             </a:pPr>
             <a:r>
-              <a:rPr lang="en-US" sz="900" dirty="0">
+              <a:rPr lang="ko-KR" altLang="en-US" sz="900" dirty="0">
                 <a:solidFill>
                   <a:srgbClr val="5F5F5F"/>
                 </a:solidFill>
                 <a:latin typeface="Quattrocento Sans"/>
                 <a:ea typeface="Quattrocento Sans"/>
                 <a:cs typeface="Quattrocento Sans"/>
-                <a:sym typeface="Quattrocento Sans"/>
               </a:rPr>
-              <a:t>Login</a:t>
+              <a:t>취소</a:t>
             </a:r>
-            <a:endParaRPr sz="900" b="0" i="0" u="none" strike="noStrike" cap="none" dirty="0">
+            <a:endParaRPr lang="ko-KR" altLang="en-US" sz="900" b="0" i="0" u="none" strike="noStrike" cap="none" dirty="0">
               <a:solidFill>
                 <a:srgbClr val="5F5F5F"/>
               </a:solidFill>
               <a:latin typeface="Quattrocento Sans"/>
               <a:ea typeface="Quattrocento Sans"/>
               <a:cs typeface="Quattrocento Sans"/>
-              <a:sym typeface="Quattrocento Sans"/>
             </a:endParaRPr>
           </a:p>
         </p:txBody>
       </p:sp>
-      <p:cxnSp>
-        <p:nvCxnSpPr>
-          <p:cNvPr id="6" name="연결선: 꺾임 5">
+      <p:sp>
+        <p:nvSpPr>
+          <p:cNvPr id="16" name="Google Shape;114;p13">
             <a:extLst>
               <a:ext uri="{FF2B5EF4-FFF2-40B4-BE49-F238E27FC236}">
-                <a16:creationId xmlns:a16="http://schemas.microsoft.com/office/drawing/2014/main" id="{FB9B3061-91A0-41FC-9EA6-DB18348A2CDC}"/>
+                <a16:creationId xmlns:a16="http://schemas.microsoft.com/office/drawing/2014/main" id="{2F8FE5C4-8B74-44E9-BCE8-E48E43B66B32}"/>
               </a:ext>
             </a:extLst>
           </p:cNvPr>
-          <p:cNvCxnSpPr>
-            <a:cxnSpLocks/>
-            <a:stCxn id="3" idx="2"/>
-            <a:endCxn id="11" idx="3"/>
-          </p:cNvCxnSpPr>
-          <p:nvPr/>
-        </p:nvCxnSpPr>
-        <p:spPr>
-          <a:xfrm rot="16200000" flipH="1">
-            <a:off x="6819268" y="1891086"/>
-            <a:ext cx="1604261" cy="295275"/>
-          </a:xfrm>
-          <a:prstGeom prst="bentConnector4">
-            <a:avLst>
-              <a:gd name="adj1" fmla="val 22054"/>
-              <a:gd name="adj2" fmla="val 177419"/>
-            </a:avLst>
-          </a:prstGeom>
-          <a:ln>
-            <a:solidFill>
-              <a:srgbClr val="FF0000"/>
-            </a:solidFill>
-            <a:tailEnd type="triangle"/>
-          </a:ln>
-        </p:spPr>
-        <p:style>
-          <a:lnRef idx="1">
-            <a:schemeClr val="accent1"/>
-          </a:lnRef>
-          <a:fillRef idx="0">
-            <a:schemeClr val="accent1"/>
-          </a:fillRef>
-          <a:effectRef idx="0">
-            <a:schemeClr val="accent1"/>
-          </a:effectRef>
-          <a:fontRef idx="minor">
-            <a:schemeClr val="tx1"/>
-          </a:fontRef>
-        </p:style>
-      </p:cxnSp>
-      <p:sp>
-        <p:nvSpPr>
-          <p:cNvPr id="25" name="Google Shape;199;p16">
-            <a:extLst>
-              <a:ext uri="{FF2B5EF4-FFF2-40B4-BE49-F238E27FC236}">
-                <a16:creationId xmlns:a16="http://schemas.microsoft.com/office/drawing/2014/main" id="{A8668909-B923-41B8-9A60-540923F8F487}"/>
-              </a:ext>
-            </a:extLst>
-          </p:cNvPr>
-          <p:cNvSpPr txBox="1"/>
+          <p:cNvSpPr/>
           <p:nvPr/>
         </p:nvSpPr>
         <p:spPr>
           <a:xfrm>
-            <a:off x="5428902" y="2586261"/>
-            <a:ext cx="415498" cy="230832"/>
+            <a:off x="3981463" y="2333456"/>
+            <a:ext cx="134937" cy="138113"/>
+          </a:xfrm>
+          <a:prstGeom prst="ellipse">
+            <a:avLst/>
+          </a:prstGeom>
+          <a:solidFill>
+            <a:srgbClr val="D60C0C"/>
+          </a:solidFill>
+          <a:ln w="19050" cap="flat" cmpd="sng">
+            <a:solidFill>
+              <a:schemeClr val="lt1"/>
+            </a:solidFill>
+            <a:prstDash val="solid"/>
+            <a:miter lim="800000"/>
+            <a:headEnd type="none" w="sm" len="sm"/>
+            <a:tailEnd type="none" w="sm" len="sm"/>
+          </a:ln>
+          <a:effectLst>
+            <a:outerShdw blurRad="50800" dist="38100" dir="2700000" algn="tl" rotWithShape="0">
+              <a:srgbClr val="000000">
+                <a:alpha val="40000"/>
+              </a:srgbClr>
+            </a:outerShdw>
+          </a:effectLst>
+        </p:spPr>
+        <p:txBody>
+          <a:bodyPr spcFirstLastPara="1" wrap="square" lIns="91425" tIns="45700" rIns="91425" bIns="45700" anchor="ctr" anchorCtr="0">
+            <a:noAutofit/>
+          </a:bodyPr>
+          <a:lstStyle/>
+          <a:p>
+            <a:pPr marL="0" marR="0" lvl="0" indent="0" algn="ctr" rtl="0">
+              <a:spcBef>
+                <a:spcPts val="0"/>
+              </a:spcBef>
+              <a:spcAft>
+                <a:spcPts val="0"/>
+              </a:spcAft>
+              <a:buNone/>
+            </a:pPr>
+            <a:r>
+              <a:rPr lang="ko-KR" sz="1000" b="1" i="0" u="none" strike="noStrike" cap="none" dirty="0">
+                <a:solidFill>
+                  <a:schemeClr val="lt1"/>
+                </a:solidFill>
+                <a:latin typeface="Malgun Gothic"/>
+                <a:ea typeface="Malgun Gothic"/>
+                <a:cs typeface="Malgun Gothic"/>
+                <a:sym typeface="Malgun Gothic"/>
+              </a:rPr>
+              <a:t>1</a:t>
+            </a:r>
+            <a:endParaRPr sz="1000" b="1" i="0" u="none" strike="noStrike" cap="none" dirty="0">
+              <a:solidFill>
+                <a:schemeClr val="lt1"/>
+              </a:solidFill>
+              <a:latin typeface="Malgun Gothic"/>
+              <a:ea typeface="Malgun Gothic"/>
+              <a:cs typeface="Malgun Gothic"/>
+              <a:sym typeface="Malgun Gothic"/>
+            </a:endParaRPr>
+          </a:p>
+        </p:txBody>
+      </p:sp>
+      <p:sp>
+        <p:nvSpPr>
+          <p:cNvPr id="17" name="Google Shape;114;p13">
+            <a:extLst>
+              <a:ext uri="{FF2B5EF4-FFF2-40B4-BE49-F238E27FC236}">
+                <a16:creationId xmlns:a16="http://schemas.microsoft.com/office/drawing/2014/main" id="{F7D56FF0-423C-4C0B-A6E4-FBB0B3B6598B}"/>
+              </a:ext>
+            </a:extLst>
+          </p:cNvPr>
+          <p:cNvSpPr/>
+          <p:nvPr/>
+        </p:nvSpPr>
+        <p:spPr>
+          <a:xfrm>
+            <a:off x="3981463" y="2713565"/>
+            <a:ext cx="134937" cy="138113"/>
+          </a:xfrm>
+          <a:prstGeom prst="ellipse">
+            <a:avLst/>
+          </a:prstGeom>
+          <a:solidFill>
+            <a:srgbClr val="D60C0C"/>
+          </a:solidFill>
+          <a:ln w="19050" cap="flat" cmpd="sng">
+            <a:solidFill>
+              <a:schemeClr val="lt1"/>
+            </a:solidFill>
+            <a:prstDash val="solid"/>
+            <a:miter lim="800000"/>
+            <a:headEnd type="none" w="sm" len="sm"/>
+            <a:tailEnd type="none" w="sm" len="sm"/>
+          </a:ln>
+          <a:effectLst>
+            <a:outerShdw blurRad="50800" dist="38100" dir="2700000" algn="tl" rotWithShape="0">
+              <a:srgbClr val="000000">
+                <a:alpha val="40000"/>
+              </a:srgbClr>
+            </a:outerShdw>
+          </a:effectLst>
+        </p:spPr>
+        <p:txBody>
+          <a:bodyPr spcFirstLastPara="1" wrap="square" lIns="91425" tIns="45700" rIns="91425" bIns="45700" anchor="ctr" anchorCtr="0">
+            <a:noAutofit/>
+          </a:bodyPr>
+          <a:lstStyle/>
+          <a:p>
+            <a:pPr marL="0" marR="0" lvl="0" indent="0" algn="ctr" rtl="0">
+              <a:spcBef>
+                <a:spcPts val="0"/>
+              </a:spcBef>
+              <a:spcAft>
+                <a:spcPts val="0"/>
+              </a:spcAft>
+              <a:buNone/>
+            </a:pPr>
+            <a:r>
+              <a:rPr lang="en-US" altLang="ko-KR" sz="1000" b="1" i="0" u="none" strike="noStrike" cap="none" dirty="0">
+                <a:solidFill>
+                  <a:schemeClr val="lt1"/>
+                </a:solidFill>
+                <a:latin typeface="Malgun Gothic"/>
+                <a:ea typeface="Malgun Gothic"/>
+                <a:cs typeface="Malgun Gothic"/>
+                <a:sym typeface="Malgun Gothic"/>
+              </a:rPr>
+              <a:t>2</a:t>
+            </a:r>
+            <a:endParaRPr sz="1000" b="1" i="0" u="none" strike="noStrike" cap="none" dirty="0">
+              <a:solidFill>
+                <a:schemeClr val="lt1"/>
+              </a:solidFill>
+              <a:latin typeface="Malgun Gothic"/>
+              <a:ea typeface="Malgun Gothic"/>
+              <a:cs typeface="Malgun Gothic"/>
+              <a:sym typeface="Malgun Gothic"/>
+            </a:endParaRPr>
+          </a:p>
+        </p:txBody>
+      </p:sp>
+      <p:sp>
+        <p:nvSpPr>
+          <p:cNvPr id="18" name="Google Shape;114;p13">
+            <a:extLst>
+              <a:ext uri="{FF2B5EF4-FFF2-40B4-BE49-F238E27FC236}">
+                <a16:creationId xmlns:a16="http://schemas.microsoft.com/office/drawing/2014/main" id="{8CE0EA5F-0D6A-4042-974E-E7FF1EFD722E}"/>
+              </a:ext>
+            </a:extLst>
+          </p:cNvPr>
+          <p:cNvSpPr/>
+          <p:nvPr/>
+        </p:nvSpPr>
+        <p:spPr>
+          <a:xfrm>
+            <a:off x="3981463" y="3074502"/>
+            <a:ext cx="134937" cy="138113"/>
+          </a:xfrm>
+          <a:prstGeom prst="ellipse">
+            <a:avLst/>
+          </a:prstGeom>
+          <a:solidFill>
+            <a:srgbClr val="D60C0C"/>
+          </a:solidFill>
+          <a:ln w="19050" cap="flat" cmpd="sng">
+            <a:solidFill>
+              <a:schemeClr val="lt1"/>
+            </a:solidFill>
+            <a:prstDash val="solid"/>
+            <a:miter lim="800000"/>
+            <a:headEnd type="none" w="sm" len="sm"/>
+            <a:tailEnd type="none" w="sm" len="sm"/>
+          </a:ln>
+          <a:effectLst>
+            <a:outerShdw blurRad="50800" dist="38100" dir="2700000" algn="tl" rotWithShape="0">
+              <a:srgbClr val="000000">
+                <a:alpha val="40000"/>
+              </a:srgbClr>
+            </a:outerShdw>
+          </a:effectLst>
+        </p:spPr>
+        <p:txBody>
+          <a:bodyPr spcFirstLastPara="1" wrap="square" lIns="91425" tIns="45700" rIns="91425" bIns="45700" anchor="ctr" anchorCtr="0">
+            <a:noAutofit/>
+          </a:bodyPr>
+          <a:lstStyle/>
+          <a:p>
+            <a:pPr marL="0" marR="0" lvl="0" indent="0" algn="ctr" rtl="0">
+              <a:spcBef>
+                <a:spcPts val="0"/>
+              </a:spcBef>
+              <a:spcAft>
+                <a:spcPts val="0"/>
+              </a:spcAft>
+              <a:buNone/>
+            </a:pPr>
+            <a:r>
+              <a:rPr lang="en-US" altLang="ko-KR" sz="1000" b="1" dirty="0">
+                <a:solidFill>
+                  <a:schemeClr val="lt1"/>
+                </a:solidFill>
+                <a:latin typeface="Malgun Gothic"/>
+                <a:ea typeface="Malgun Gothic"/>
+                <a:cs typeface="Malgun Gothic"/>
+                <a:sym typeface="Malgun Gothic"/>
+              </a:rPr>
+              <a:t>3</a:t>
+            </a:r>
+            <a:endParaRPr sz="1000" b="1" i="0" u="none" strike="noStrike" cap="none" dirty="0">
+              <a:solidFill>
+                <a:schemeClr val="lt1"/>
+              </a:solidFill>
+              <a:latin typeface="Malgun Gothic"/>
+              <a:ea typeface="Malgun Gothic"/>
+              <a:cs typeface="Malgun Gothic"/>
+              <a:sym typeface="Malgun Gothic"/>
+            </a:endParaRPr>
+          </a:p>
+        </p:txBody>
+      </p:sp>
+      <p:sp>
+        <p:nvSpPr>
+          <p:cNvPr id="20" name="Google Shape;77;p12">
+            <a:extLst>
+              <a:ext uri="{FF2B5EF4-FFF2-40B4-BE49-F238E27FC236}">
+                <a16:creationId xmlns:a16="http://schemas.microsoft.com/office/drawing/2014/main" id="{D4D5CCA4-9004-4922-ADD5-EF2526198216}"/>
+              </a:ext>
+            </a:extLst>
+          </p:cNvPr>
+          <p:cNvSpPr/>
+          <p:nvPr/>
+        </p:nvSpPr>
+        <p:spPr>
+          <a:xfrm>
+            <a:off x="8056563" y="652463"/>
+            <a:ext cx="1657350" cy="5507037"/>
           </a:xfrm>
           <a:prstGeom prst="rect">
             <a:avLst/>
@@ -15319,19 +15493,145 @@
           </a:ln>
         </p:spPr>
         <p:txBody>
-          <a:bodyPr spcFirstLastPara="1" wrap="square" lIns="91425" tIns="45700" rIns="91425" bIns="45700" anchor="t" anchorCtr="0">
-            <a:spAutoFit/>
+          <a:bodyPr spcFirstLastPara="1" wrap="square" lIns="36000" tIns="45700" rIns="36000" bIns="45700" anchor="t" anchorCtr="0">
+            <a:noAutofit/>
           </a:bodyPr>
           <a:lstStyle/>
           <a:p>
             <a:pPr marL="0" marR="0" lvl="0" indent="0" algn="l" rtl="0">
+              <a:lnSpc>
+                <a:spcPct val="90000"/>
+              </a:lnSpc>
               <a:spcBef>
                 <a:spcPts val="0"/>
               </a:spcBef>
               <a:spcAft>
                 <a:spcPts val="0"/>
               </a:spcAft>
+              <a:buClr>
+                <a:schemeClr val="dk1"/>
+              </a:buClr>
+              <a:buSzPts val="900"/>
+              <a:buFont typeface="Malgun Gothic"/>
               <a:buNone/>
+            </a:pPr>
+            <a:r>
+              <a:rPr lang="ko-KR" sz="900" b="0" i="0" u="none" strike="noStrike" cap="none" dirty="0">
+                <a:solidFill>
+                  <a:schemeClr val="dk1"/>
+                </a:solidFill>
+                <a:latin typeface="Malgun Gothic"/>
+                <a:ea typeface="Malgun Gothic"/>
+                <a:cs typeface="Malgun Gothic"/>
+                <a:sym typeface="Malgun Gothic"/>
+              </a:rPr>
+              <a:t>화면정의 : </a:t>
+            </a:r>
+            <a:endParaRPr dirty="0"/>
+          </a:p>
+          <a:p>
+            <a:pPr marL="0" marR="0" lvl="0" indent="0" algn="l" rtl="0">
+              <a:lnSpc>
+                <a:spcPct val="90000"/>
+              </a:lnSpc>
+              <a:spcBef>
+                <a:spcPts val="813"/>
+              </a:spcBef>
+              <a:spcAft>
+                <a:spcPts val="0"/>
+              </a:spcAft>
+              <a:buClr>
+                <a:schemeClr val="dk1"/>
+              </a:buClr>
+              <a:buSzPts val="900"/>
+              <a:buFont typeface="Malgun Gothic"/>
+              <a:buNone/>
+            </a:pPr>
+            <a:r>
+              <a:rPr lang="ko-KR" altLang="en-US" sz="900" b="0" i="0" u="none" strike="noStrike" cap="none" dirty="0">
+                <a:solidFill>
+                  <a:schemeClr val="dk1"/>
+                </a:solidFill>
+                <a:latin typeface="Malgun Gothic"/>
+                <a:ea typeface="Malgun Gothic"/>
+                <a:cs typeface="Malgun Gothic"/>
+                <a:sym typeface="Malgun Gothic"/>
+              </a:rPr>
+              <a:t>사용자가 현재 과목별 출석체크 화면과 전체과목을 출결 상태 및 재적상태를 확인하기 위해 선택하는 화면이다</a:t>
+            </a:r>
+            <a:r>
+              <a:rPr lang="en-US" altLang="ko-KR" sz="900" b="0" i="0" u="none" strike="noStrike" cap="none" dirty="0">
+                <a:solidFill>
+                  <a:schemeClr val="dk1"/>
+                </a:solidFill>
+                <a:latin typeface="Malgun Gothic"/>
+                <a:ea typeface="Malgun Gothic"/>
+                <a:cs typeface="Malgun Gothic"/>
+                <a:sym typeface="Malgun Gothic"/>
+              </a:rPr>
+              <a:t>.</a:t>
+            </a:r>
+          </a:p>
+          <a:p>
+            <a:pPr marL="0" marR="0" lvl="0" indent="0" algn="l" rtl="0">
+              <a:lnSpc>
+                <a:spcPct val="90000"/>
+              </a:lnSpc>
+              <a:spcBef>
+                <a:spcPts val="813"/>
+              </a:spcBef>
+              <a:spcAft>
+                <a:spcPts val="0"/>
+              </a:spcAft>
+              <a:buClr>
+                <a:schemeClr val="dk1"/>
+              </a:buClr>
+              <a:buSzPts val="900"/>
+              <a:buFont typeface="Malgun Gothic"/>
+              <a:buNone/>
+            </a:pPr>
+            <a:r>
+              <a:rPr lang="en-US" altLang="ko-KR" sz="900" b="0" i="0" u="none" strike="noStrike" cap="none" dirty="0">
+                <a:solidFill>
+                  <a:schemeClr val="dk1"/>
+                </a:solidFill>
+                <a:latin typeface="Malgun Gothic"/>
+                <a:ea typeface="Malgun Gothic"/>
+                <a:cs typeface="Malgun Gothic"/>
+                <a:sym typeface="Malgun Gothic"/>
+              </a:rPr>
+              <a:t>※ </a:t>
+            </a:r>
+            <a:r>
+              <a:rPr lang="ko-KR" altLang="en-US" sz="900" b="0" i="0" u="none" strike="noStrike" cap="none" dirty="0">
+                <a:solidFill>
+                  <a:schemeClr val="dk1"/>
+                </a:solidFill>
+                <a:latin typeface="Malgun Gothic"/>
+                <a:ea typeface="Malgun Gothic"/>
+                <a:cs typeface="Malgun Gothic"/>
+                <a:sym typeface="Malgun Gothic"/>
+              </a:rPr>
+              <a:t>컨텐츠 요구사항</a:t>
+            </a:r>
+          </a:p>
+          <a:p>
+            <a:pPr marL="177800" marR="0" lvl="0" indent="-177800" algn="l" rtl="0">
+              <a:lnSpc>
+                <a:spcPct val="90000"/>
+              </a:lnSpc>
+              <a:spcBef>
+                <a:spcPts val="813"/>
+              </a:spcBef>
+              <a:spcAft>
+                <a:spcPts val="0"/>
+              </a:spcAft>
+              <a:buClr>
+                <a:schemeClr val="dk1"/>
+              </a:buClr>
+              <a:buSzPts val="900"/>
+              <a:buFont typeface="Malgun Gothic"/>
+              <a:buAutoNum type="arabicParenR"/>
             </a:pPr>
             <a:r>
               <a:rPr lang="ko-KR" altLang="en-US" sz="900" dirty="0">
@@ -15340,472 +15640,99 @@
                 </a:solidFill>
                 <a:latin typeface="Malgun Gothic"/>
                 <a:ea typeface="Malgun Gothic"/>
+                <a:cs typeface="Malgun Gothic"/>
+                <a:sym typeface="Malgun Gothic"/>
               </a:rPr>
-              <a:t>학번</a:t>
+              <a:t>출석 체크 화면 이동 </a:t>
             </a:r>
+            <a:endParaRPr lang="en-US" altLang="ko-KR" sz="900" dirty="0">
+              <a:solidFill>
+                <a:schemeClr val="dk1"/>
+              </a:solidFill>
+              <a:latin typeface="Malgun Gothic"/>
+              <a:ea typeface="Malgun Gothic"/>
+              <a:cs typeface="Malgun Gothic"/>
+              <a:sym typeface="Malgun Gothic"/>
+            </a:endParaRPr>
           </a:p>
-        </p:txBody>
-      </p:sp>
-      <p:sp>
-        <p:nvSpPr>
-          <p:cNvPr id="26" name="Google Shape;200;p16">
-            <a:extLst>
-              <a:ext uri="{FF2B5EF4-FFF2-40B4-BE49-F238E27FC236}">
-                <a16:creationId xmlns:a16="http://schemas.microsoft.com/office/drawing/2014/main" id="{453F71E7-720F-4DC4-87BB-0E88E3F4C994}"/>
-              </a:ext>
-            </a:extLst>
-          </p:cNvPr>
-          <p:cNvSpPr/>
-          <p:nvPr/>
-        </p:nvSpPr>
-        <p:spPr>
-          <a:xfrm>
-            <a:off x="5994931" y="2586261"/>
-            <a:ext cx="1224365" cy="230832"/>
-          </a:xfrm>
-          <a:prstGeom prst="rect">
-            <a:avLst/>
-          </a:prstGeom>
-          <a:solidFill>
-            <a:srgbClr val="FFFFFF"/>
-          </a:solidFill>
-          <a:ln w="9525" cap="flat" cmpd="sng">
-            <a:solidFill>
-              <a:srgbClr val="808080"/>
-            </a:solidFill>
-            <a:prstDash val="solid"/>
-            <a:miter lim="800000"/>
-            <a:headEnd type="none" w="sm" len="sm"/>
-            <a:tailEnd type="none" w="sm" len="sm"/>
-          </a:ln>
-        </p:spPr>
-        <p:txBody>
-          <a:bodyPr spcFirstLastPara="1" wrap="square" lIns="91425" tIns="50800" rIns="91425" bIns="50800" anchor="ctr" anchorCtr="0">
-            <a:noAutofit/>
-          </a:bodyPr>
-          <a:lstStyle/>
           <a:p>
-            <a:pPr marL="0" marR="0" lvl="0" indent="0" algn="l" rtl="0">
+            <a:pPr marL="177800" marR="0" lvl="0" indent="-177800" algn="l" rtl="0">
+              <a:lnSpc>
+                <a:spcPct val="90000"/>
+              </a:lnSpc>
               <a:spcBef>
-                <a:spcPts val="0"/>
+                <a:spcPts val="813"/>
               </a:spcBef>
               <a:spcAft>
                 <a:spcPts val="0"/>
               </a:spcAft>
-              <a:buNone/>
-            </a:pPr>
-            <a:endParaRPr sz="900" b="0" i="0" u="none" strike="noStrike" cap="none">
-              <a:solidFill>
-                <a:srgbClr val="5F5F5F"/>
-              </a:solidFill>
-              <a:latin typeface="Quattrocento Sans"/>
-              <a:ea typeface="Quattrocento Sans"/>
-              <a:cs typeface="Quattrocento Sans"/>
-              <a:sym typeface="Quattrocento Sans"/>
-            </a:endParaRPr>
-          </a:p>
-        </p:txBody>
-      </p:sp>
-      <p:sp>
-        <p:nvSpPr>
-          <p:cNvPr id="28" name="Google Shape;199;p16">
-            <a:extLst>
-              <a:ext uri="{FF2B5EF4-FFF2-40B4-BE49-F238E27FC236}">
-                <a16:creationId xmlns:a16="http://schemas.microsoft.com/office/drawing/2014/main" id="{57EF9625-6BFB-421C-B5DE-6C5B7148AB7D}"/>
-              </a:ext>
-            </a:extLst>
-          </p:cNvPr>
-          <p:cNvSpPr txBox="1"/>
-          <p:nvPr/>
-        </p:nvSpPr>
-        <p:spPr>
-          <a:xfrm>
-            <a:off x="5428902" y="2953814"/>
-            <a:ext cx="415498" cy="230792"/>
-          </a:xfrm>
-          <a:prstGeom prst="rect">
-            <a:avLst/>
-          </a:prstGeom>
-          <a:noFill/>
-          <a:ln>
-            <a:noFill/>
-          </a:ln>
-        </p:spPr>
-        <p:txBody>
-          <a:bodyPr spcFirstLastPara="1" wrap="square" lIns="91425" tIns="45700" rIns="91425" bIns="45700" anchor="t" anchorCtr="0">
-            <a:spAutoFit/>
-          </a:bodyPr>
-          <a:lstStyle/>
-          <a:p>
-            <a:pPr marL="0" marR="0" lvl="0" indent="0" algn="l" rtl="0">
-              <a:spcBef>
-                <a:spcPts val="0"/>
-              </a:spcBef>
-              <a:spcAft>
-                <a:spcPts val="0"/>
-              </a:spcAft>
-              <a:buNone/>
+              <a:buClr>
+                <a:schemeClr val="dk1"/>
+              </a:buClr>
+              <a:buSzPts val="900"/>
+              <a:buFont typeface="Malgun Gothic"/>
+              <a:buAutoNum type="arabicParenR"/>
             </a:pPr>
             <a:r>
-              <a:rPr lang="en-US" sz="900" dirty="0">
+              <a:rPr lang="ko-KR" altLang="en-US" sz="900" dirty="0">
                 <a:solidFill>
                   <a:schemeClr val="dk1"/>
                 </a:solidFill>
                 <a:latin typeface="Malgun Gothic"/>
                 <a:ea typeface="Malgun Gothic"/>
+                <a:cs typeface="Malgun Gothic"/>
                 <a:sym typeface="Malgun Gothic"/>
               </a:rPr>
-              <a:t>PW</a:t>
+              <a:t>출결 확인 및 상태 화면 이동</a:t>
             </a:r>
-            <a:endParaRPr dirty="0"/>
+            <a:endParaRPr lang="en-US" altLang="ko-KR" sz="900" dirty="0">
+              <a:solidFill>
+                <a:schemeClr val="dk1"/>
+              </a:solidFill>
+              <a:latin typeface="Malgun Gothic"/>
+              <a:ea typeface="Malgun Gothic"/>
+              <a:cs typeface="Malgun Gothic"/>
+              <a:sym typeface="Malgun Gothic"/>
+            </a:endParaRPr>
           </a:p>
-        </p:txBody>
-      </p:sp>
-      <p:sp>
-        <p:nvSpPr>
-          <p:cNvPr id="29" name="Google Shape;200;p16">
-            <a:extLst>
-              <a:ext uri="{FF2B5EF4-FFF2-40B4-BE49-F238E27FC236}">
-                <a16:creationId xmlns:a16="http://schemas.microsoft.com/office/drawing/2014/main" id="{B3F0B270-A1DD-4AEB-A4A7-4420C78034A2}"/>
-              </a:ext>
-            </a:extLst>
-          </p:cNvPr>
-          <p:cNvSpPr/>
-          <p:nvPr/>
-        </p:nvSpPr>
-        <p:spPr>
-          <a:xfrm>
-            <a:off x="5994931" y="2953814"/>
-            <a:ext cx="1224365" cy="230832"/>
-          </a:xfrm>
-          <a:prstGeom prst="rect">
-            <a:avLst/>
-          </a:prstGeom>
-          <a:solidFill>
-            <a:srgbClr val="FFFFFF"/>
-          </a:solidFill>
-          <a:ln w="9525" cap="flat" cmpd="sng">
-            <a:solidFill>
-              <a:srgbClr val="808080"/>
-            </a:solidFill>
-            <a:prstDash val="solid"/>
-            <a:miter lim="800000"/>
-            <a:headEnd type="none" w="sm" len="sm"/>
-            <a:tailEnd type="none" w="sm" len="sm"/>
-          </a:ln>
-        </p:spPr>
-        <p:txBody>
-          <a:bodyPr spcFirstLastPara="1" wrap="square" lIns="91425" tIns="50800" rIns="91425" bIns="50800" anchor="ctr" anchorCtr="0">
-            <a:noAutofit/>
-          </a:bodyPr>
-          <a:lstStyle/>
           <a:p>
-            <a:pPr marL="0" marR="0" lvl="0" indent="0" algn="l" rtl="0">
+            <a:pPr marL="177800" marR="0" lvl="0" indent="-177800" algn="l" rtl="0">
+              <a:lnSpc>
+                <a:spcPct val="90000"/>
+              </a:lnSpc>
               <a:spcBef>
-                <a:spcPts val="0"/>
+                <a:spcPts val="813"/>
               </a:spcBef>
               <a:spcAft>
                 <a:spcPts val="0"/>
               </a:spcAft>
-              <a:buNone/>
-            </a:pPr>
-            <a:endParaRPr sz="900" b="0" i="0" u="none" strike="noStrike" cap="none">
-              <a:solidFill>
-                <a:srgbClr val="5F5F5F"/>
-              </a:solidFill>
-              <a:latin typeface="Quattrocento Sans"/>
-              <a:ea typeface="Quattrocento Sans"/>
-              <a:cs typeface="Quattrocento Sans"/>
-              <a:sym typeface="Quattrocento Sans"/>
-            </a:endParaRPr>
-          </a:p>
-        </p:txBody>
-      </p:sp>
-      <p:sp>
-        <p:nvSpPr>
-          <p:cNvPr id="33" name="Google Shape;535;p24">
-            <a:extLst>
-              <a:ext uri="{FF2B5EF4-FFF2-40B4-BE49-F238E27FC236}">
-                <a16:creationId xmlns:a16="http://schemas.microsoft.com/office/drawing/2014/main" id="{25EC581C-7C9A-4AC5-BEA7-61EF28CA5650}"/>
-              </a:ext>
-            </a:extLst>
-          </p:cNvPr>
-          <p:cNvSpPr txBox="1"/>
-          <p:nvPr/>
-        </p:nvSpPr>
-        <p:spPr>
-          <a:xfrm>
-            <a:off x="5566772" y="2071797"/>
-            <a:ext cx="1628299" cy="369291"/>
-          </a:xfrm>
-          <a:prstGeom prst="rect">
-            <a:avLst/>
-          </a:prstGeom>
-          <a:noFill/>
-          <a:ln>
-            <a:noFill/>
-          </a:ln>
-        </p:spPr>
-        <p:txBody>
-          <a:bodyPr spcFirstLastPara="1" wrap="square" lIns="91425" tIns="45700" rIns="91425" bIns="45700" anchor="t" anchorCtr="0">
-            <a:spAutoFit/>
-          </a:bodyPr>
-          <a:lstStyle>
-            <a:defPPr marR="0" lvl="0" algn="l" rtl="0">
-              <a:lnSpc>
-                <a:spcPct val="100000"/>
-              </a:lnSpc>
-              <a:spcBef>
-                <a:spcPts val="0"/>
-              </a:spcBef>
-              <a:spcAft>
-                <a:spcPts val="0"/>
-              </a:spcAft>
-            </a:defPPr>
-            <a:lvl1pPr marR="0" lvl="0" algn="l" rtl="0">
-              <a:lnSpc>
-                <a:spcPct val="100000"/>
-              </a:lnSpc>
-              <a:spcBef>
-                <a:spcPts val="0"/>
-              </a:spcBef>
-              <a:spcAft>
-                <a:spcPts val="0"/>
-              </a:spcAft>
               <a:buClr>
-                <a:srgbClr val="000000"/>
+                <a:schemeClr val="dk1"/>
               </a:buClr>
-              <a:buFont typeface="Arial"/>
-              <a:defRPr sz="1400" b="0" i="0" u="none" strike="noStrike" cap="none">
-                <a:solidFill>
-                  <a:srgbClr val="000000"/>
-                </a:solidFill>
-                <a:latin typeface="Arial"/>
-                <a:ea typeface="Arial"/>
-                <a:cs typeface="Arial"/>
-                <a:sym typeface="Arial"/>
-              </a:defRPr>
-            </a:lvl1pPr>
-            <a:lvl2pPr marR="0" lvl="1" algn="l" rtl="0">
-              <a:lnSpc>
-                <a:spcPct val="100000"/>
-              </a:lnSpc>
-              <a:spcBef>
-                <a:spcPts val="0"/>
-              </a:spcBef>
-              <a:spcAft>
-                <a:spcPts val="0"/>
-              </a:spcAft>
-              <a:buClr>
-                <a:srgbClr val="000000"/>
-              </a:buClr>
-              <a:buFont typeface="Arial"/>
-              <a:defRPr sz="1400" b="0" i="0" u="none" strike="noStrike" cap="none">
-                <a:solidFill>
-                  <a:srgbClr val="000000"/>
-                </a:solidFill>
-                <a:latin typeface="Arial"/>
-                <a:ea typeface="Arial"/>
-                <a:cs typeface="Arial"/>
-                <a:sym typeface="Arial"/>
-              </a:defRPr>
-            </a:lvl2pPr>
-            <a:lvl3pPr marR="0" lvl="2" algn="l" rtl="0">
-              <a:lnSpc>
-                <a:spcPct val="100000"/>
-              </a:lnSpc>
-              <a:spcBef>
-                <a:spcPts val="0"/>
-              </a:spcBef>
-              <a:spcAft>
-                <a:spcPts val="0"/>
-              </a:spcAft>
-              <a:buClr>
-                <a:srgbClr val="000000"/>
-              </a:buClr>
-              <a:buFont typeface="Arial"/>
-              <a:defRPr sz="1400" b="0" i="0" u="none" strike="noStrike" cap="none">
-                <a:solidFill>
-                  <a:srgbClr val="000000"/>
-                </a:solidFill>
-                <a:latin typeface="Arial"/>
-                <a:ea typeface="Arial"/>
-                <a:cs typeface="Arial"/>
-                <a:sym typeface="Arial"/>
-              </a:defRPr>
-            </a:lvl3pPr>
-            <a:lvl4pPr marR="0" lvl="3" algn="l" rtl="0">
-              <a:lnSpc>
-                <a:spcPct val="100000"/>
-              </a:lnSpc>
-              <a:spcBef>
-                <a:spcPts val="0"/>
-              </a:spcBef>
-              <a:spcAft>
-                <a:spcPts val="0"/>
-              </a:spcAft>
-              <a:buClr>
-                <a:srgbClr val="000000"/>
-              </a:buClr>
-              <a:buFont typeface="Arial"/>
-              <a:defRPr sz="1400" b="0" i="0" u="none" strike="noStrike" cap="none">
-                <a:solidFill>
-                  <a:srgbClr val="000000"/>
-                </a:solidFill>
-                <a:latin typeface="Arial"/>
-                <a:ea typeface="Arial"/>
-                <a:cs typeface="Arial"/>
-                <a:sym typeface="Arial"/>
-              </a:defRPr>
-            </a:lvl4pPr>
-            <a:lvl5pPr marR="0" lvl="4" algn="l" rtl="0">
-              <a:lnSpc>
-                <a:spcPct val="100000"/>
-              </a:lnSpc>
-              <a:spcBef>
-                <a:spcPts val="0"/>
-              </a:spcBef>
-              <a:spcAft>
-                <a:spcPts val="0"/>
-              </a:spcAft>
-              <a:buClr>
-                <a:srgbClr val="000000"/>
-              </a:buClr>
-              <a:buFont typeface="Arial"/>
-              <a:defRPr sz="1400" b="0" i="0" u="none" strike="noStrike" cap="none">
-                <a:solidFill>
-                  <a:srgbClr val="000000"/>
-                </a:solidFill>
-                <a:latin typeface="Arial"/>
-                <a:ea typeface="Arial"/>
-                <a:cs typeface="Arial"/>
-                <a:sym typeface="Arial"/>
-              </a:defRPr>
-            </a:lvl5pPr>
-            <a:lvl6pPr marR="0" lvl="5" algn="l" rtl="0">
-              <a:lnSpc>
-                <a:spcPct val="100000"/>
-              </a:lnSpc>
-              <a:spcBef>
-                <a:spcPts val="0"/>
-              </a:spcBef>
-              <a:spcAft>
-                <a:spcPts val="0"/>
-              </a:spcAft>
-              <a:buClr>
-                <a:srgbClr val="000000"/>
-              </a:buClr>
-              <a:buFont typeface="Arial"/>
-              <a:defRPr sz="1400" b="0" i="0" u="none" strike="noStrike" cap="none">
-                <a:solidFill>
-                  <a:srgbClr val="000000"/>
-                </a:solidFill>
-                <a:latin typeface="Arial"/>
-                <a:ea typeface="Arial"/>
-                <a:cs typeface="Arial"/>
-                <a:sym typeface="Arial"/>
-              </a:defRPr>
-            </a:lvl6pPr>
-            <a:lvl7pPr marR="0" lvl="6" algn="l" rtl="0">
-              <a:lnSpc>
-                <a:spcPct val="100000"/>
-              </a:lnSpc>
-              <a:spcBef>
-                <a:spcPts val="0"/>
-              </a:spcBef>
-              <a:spcAft>
-                <a:spcPts val="0"/>
-              </a:spcAft>
-              <a:buClr>
-                <a:srgbClr val="000000"/>
-              </a:buClr>
-              <a:buFont typeface="Arial"/>
-              <a:defRPr sz="1400" b="0" i="0" u="none" strike="noStrike" cap="none">
-                <a:solidFill>
-                  <a:srgbClr val="000000"/>
-                </a:solidFill>
-                <a:latin typeface="Arial"/>
-                <a:ea typeface="Arial"/>
-                <a:cs typeface="Arial"/>
-                <a:sym typeface="Arial"/>
-              </a:defRPr>
-            </a:lvl7pPr>
-            <a:lvl8pPr marR="0" lvl="7" algn="l" rtl="0">
-              <a:lnSpc>
-                <a:spcPct val="100000"/>
-              </a:lnSpc>
-              <a:spcBef>
-                <a:spcPts val="0"/>
-              </a:spcBef>
-              <a:spcAft>
-                <a:spcPts val="0"/>
-              </a:spcAft>
-              <a:buClr>
-                <a:srgbClr val="000000"/>
-              </a:buClr>
-              <a:buFont typeface="Arial"/>
-              <a:defRPr sz="1400" b="0" i="0" u="none" strike="noStrike" cap="none">
-                <a:solidFill>
-                  <a:srgbClr val="000000"/>
-                </a:solidFill>
-                <a:latin typeface="Arial"/>
-                <a:ea typeface="Arial"/>
-                <a:cs typeface="Arial"/>
-                <a:sym typeface="Arial"/>
-              </a:defRPr>
-            </a:lvl8pPr>
-            <a:lvl9pPr marR="0" lvl="8" algn="l" rtl="0">
-              <a:lnSpc>
-                <a:spcPct val="100000"/>
-              </a:lnSpc>
-              <a:spcBef>
-                <a:spcPts val="0"/>
-              </a:spcBef>
-              <a:spcAft>
-                <a:spcPts val="0"/>
-              </a:spcAft>
-              <a:buClr>
-                <a:srgbClr val="000000"/>
-              </a:buClr>
-              <a:buFont typeface="Arial"/>
-              <a:defRPr sz="1400" b="0" i="0" u="none" strike="noStrike" cap="none">
-                <a:solidFill>
-                  <a:srgbClr val="000000"/>
-                </a:solidFill>
-                <a:latin typeface="Arial"/>
-                <a:ea typeface="Arial"/>
-                <a:cs typeface="Arial"/>
-                <a:sym typeface="Arial"/>
-              </a:defRPr>
-            </a:lvl9pPr>
-          </a:lstStyle>
-          <a:p>
-            <a:pPr marL="0" marR="0" lvl="0" indent="0" algn="ctr">
-              <a:spcBef>
-                <a:spcPts val="0"/>
-              </a:spcBef>
-              <a:spcAft>
-                <a:spcPts val="0"/>
-              </a:spcAft>
-              <a:buNone/>
+              <a:buSzPts val="900"/>
+              <a:buFont typeface="Malgun Gothic"/>
+              <a:buAutoNum type="arabicParenR"/>
             </a:pPr>
             <a:r>
-              <a:rPr lang="en-US" altLang="ko-KR" sz="1800" b="1" dirty="0">
+              <a:rPr lang="ko-KR" altLang="en-US" sz="900" dirty="0">
                 <a:solidFill>
                   <a:schemeClr val="dk1"/>
                 </a:solidFill>
                 <a:latin typeface="Malgun Gothic"/>
                 <a:ea typeface="Malgun Gothic"/>
+                <a:cs typeface="Malgun Gothic"/>
                 <a:sym typeface="Malgun Gothic"/>
               </a:rPr>
-              <a:t>Login</a:t>
+              <a:t>로그아웃을 통한 세션 종료</a:t>
             </a:r>
-            <a:endParaRPr lang="en-US" altLang="ko-KR" sz="1800" b="1" dirty="0">
+            <a:endParaRPr lang="en-US" altLang="ko-KR" sz="900" dirty="0">
               <a:solidFill>
                 <a:schemeClr val="dk1"/>
               </a:solidFill>
               <a:latin typeface="Malgun Gothic"/>
               <a:ea typeface="Malgun Gothic"/>
+              <a:cs typeface="Malgun Gothic"/>
+              <a:sym typeface="Malgun Gothic"/>
             </a:endParaRPr>
           </a:p>
         </p:txBody>
@@ -15813,7 +15740,7 @@
     </p:spTree>
     <p:extLst>
       <p:ext uri="{BB962C8B-B14F-4D97-AF65-F5344CB8AC3E}">
-        <p14:creationId xmlns:p14="http://schemas.microsoft.com/office/powerpoint/2010/main" val="4227146979"/>
+        <p14:creationId xmlns:p14="http://schemas.microsoft.com/office/powerpoint/2010/main" val="3454687077"/>
       </p:ext>
     </p:extLst>
   </p:cSld>
@@ -15950,7 +15877,7 @@
                 <a:ea typeface="Malgun Gothic"/>
                 <a:sym typeface="Malgun Gothic"/>
               </a:rPr>
-              <a:t>출석 확인 </a:t>
+              <a:t>출석 체크 </a:t>
             </a:r>
             <a:r>
               <a:rPr lang="ko-KR" sz="900" dirty="0">
@@ -16263,7 +16190,7 @@
               </a:rPr>
               <a:t>코드 생성 </a:t>
             </a:r>
-            <a:endParaRPr sz="900" b="0" i="0" u="none" strike="noStrike" cap="none" dirty="0">
+            <a:endParaRPr lang="ko-KR" altLang="en-US" sz="900" b="0" i="0" u="none" strike="noStrike" cap="none" dirty="0">
               <a:solidFill>
                 <a:schemeClr val="dk1"/>
               </a:solidFill>
@@ -16313,9 +16240,100 @@
                 <a:cs typeface="Malgun Gothic"/>
                 <a:sym typeface="Malgun Gothic"/>
               </a:rPr>
-              <a:t>일정 시간 이후 종료되기 때문에 종료되기 이전에 재생성</a:t>
+              <a:t>출석확인 상태를 의미하며 메인 화면의 출석상태의 데이터가 변경된다</a:t>
             </a:r>
-            <a:endParaRPr lang="en-US" altLang="ko-KR" sz="900" b="0" i="0" u="none" strike="noStrike" cap="none" dirty="0">
+            <a:r>
+              <a:rPr lang="en-US" altLang="ko-KR" sz="900" b="0" i="0" u="none" strike="noStrike" cap="none" dirty="0">
+                <a:solidFill>
+                  <a:schemeClr val="dk1"/>
+                </a:solidFill>
+                <a:latin typeface="Malgun Gothic"/>
+                <a:ea typeface="Malgun Gothic"/>
+                <a:cs typeface="Malgun Gothic"/>
+                <a:sym typeface="Malgun Gothic"/>
+              </a:rPr>
+              <a:t>.</a:t>
+            </a:r>
+          </a:p>
+          <a:p>
+            <a:pPr marL="177800" marR="0" lvl="0" indent="-120650" algn="l" rtl="0">
+              <a:lnSpc>
+                <a:spcPct val="90000"/>
+              </a:lnSpc>
+              <a:spcBef>
+                <a:spcPts val="813"/>
+              </a:spcBef>
+              <a:spcAft>
+                <a:spcPts val="0"/>
+              </a:spcAft>
+              <a:buClr>
+                <a:schemeClr val="dk1"/>
+              </a:buClr>
+              <a:buSzPts val="900"/>
+              <a:buFont typeface="Malgun Gothic"/>
+              <a:buNone/>
+            </a:pPr>
+            <a:r>
+              <a:rPr lang="en-US" altLang="ko-KR" sz="900" b="0" i="0" u="none" strike="noStrike" cap="none" dirty="0">
+                <a:solidFill>
+                  <a:schemeClr val="dk1"/>
+                </a:solidFill>
+                <a:latin typeface="Malgun Gothic"/>
+                <a:ea typeface="Malgun Gothic"/>
+                <a:cs typeface="Malgun Gothic"/>
+                <a:sym typeface="Malgun Gothic"/>
+              </a:rPr>
+              <a:t>3</a:t>
+            </a:r>
+            <a:r>
+              <a:rPr lang="en-US" altLang="ko-KR" sz="900" dirty="0">
+                <a:solidFill>
+                  <a:schemeClr val="dk1"/>
+                </a:solidFill>
+                <a:latin typeface="Malgun Gothic"/>
+                <a:ea typeface="Malgun Gothic"/>
+                <a:cs typeface="Malgun Gothic"/>
+                <a:sym typeface="Malgun Gothic"/>
+              </a:rPr>
+              <a:t>)</a:t>
+            </a:r>
+            <a:r>
+              <a:rPr lang="ko-KR" altLang="en-US" sz="900" dirty="0">
+                <a:solidFill>
+                  <a:schemeClr val="dk1"/>
+                </a:solidFill>
+                <a:latin typeface="Malgun Gothic"/>
+                <a:ea typeface="Malgun Gothic"/>
+                <a:cs typeface="Malgun Gothic"/>
+                <a:sym typeface="Malgun Gothic"/>
+              </a:rPr>
+              <a:t> </a:t>
+            </a:r>
+            <a:r>
+              <a:rPr lang="en-US" altLang="ko-KR" sz="900" dirty="0">
+                <a:solidFill>
+                  <a:schemeClr val="dk1"/>
+                </a:solidFill>
+                <a:latin typeface="Malgun Gothic"/>
+                <a:ea typeface="Malgun Gothic"/>
+                <a:cs typeface="Malgun Gothic"/>
+                <a:sym typeface="Malgun Gothic"/>
+              </a:rPr>
+              <a:t>QR</a:t>
+            </a:r>
+            <a:r>
+              <a:rPr lang="ko-KR" altLang="en-US" sz="900" dirty="0">
+                <a:solidFill>
+                  <a:schemeClr val="dk1"/>
+                </a:solidFill>
+                <a:latin typeface="Malgun Gothic"/>
+                <a:ea typeface="Malgun Gothic"/>
+                <a:cs typeface="Malgun Gothic"/>
+                <a:sym typeface="Malgun Gothic"/>
+              </a:rPr>
+              <a:t>코드의 재생성</a:t>
+            </a:r>
+            <a:endParaRPr lang="en-US" altLang="ko-KR" sz="900" dirty="0">
               <a:solidFill>
                 <a:schemeClr val="dk1"/>
               </a:solidFill>
@@ -16344,7 +16362,7 @@
               <a:buNone/>
             </a:pPr>
             <a:r>
-              <a:rPr lang="en-US" altLang="ko-KR" sz="900" b="0" i="0" u="none" strike="noStrike" cap="none" dirty="0">
+              <a:rPr lang="en-US" altLang="ko-KR" sz="900" dirty="0">
                 <a:solidFill>
                   <a:schemeClr val="dk1"/>
                 </a:solidFill>
@@ -16353,10 +16371,10 @@
                 <a:cs typeface="Malgun Gothic"/>
                 <a:sym typeface="Malgun Gothic"/>
               </a:rPr>
-              <a:t>3)</a:t>
+              <a:t>4) Popup</a:t>
             </a:r>
             <a:r>
-              <a:rPr lang="ko-KR" altLang="en-US" sz="900" b="0" i="0" u="none" strike="noStrike" cap="none" dirty="0">
+              <a:rPr lang="ko-KR" altLang="en-US" sz="900" dirty="0">
                 <a:solidFill>
                   <a:schemeClr val="dk1"/>
                 </a:solidFill>
@@ -16365,110 +16383,30 @@
                 <a:cs typeface="Malgun Gothic"/>
                 <a:sym typeface="Malgun Gothic"/>
               </a:rPr>
-              <a:t>미출석일수가 </a:t>
+              <a:t>창 종료</a:t>
             </a:r>
-            <a:r>
-              <a:rPr lang="en-US" altLang="ko-KR" sz="900" b="0" i="0" u="none" strike="noStrike" cap="none" dirty="0">
-                <a:solidFill>
-                  <a:schemeClr val="dk1"/>
-                </a:solidFill>
-                <a:latin typeface="Malgun Gothic"/>
-                <a:ea typeface="Malgun Gothic"/>
-                <a:cs typeface="Malgun Gothic"/>
-                <a:sym typeface="Malgun Gothic"/>
-              </a:rPr>
-              <a:t>4</a:t>
-            </a:r>
-            <a:r>
-              <a:rPr lang="ko-KR" altLang="en-US" sz="900" b="0" i="0" u="none" strike="noStrike" cap="none" dirty="0">
-                <a:solidFill>
-                  <a:schemeClr val="dk1"/>
-                </a:solidFill>
-                <a:latin typeface="Malgun Gothic"/>
-                <a:ea typeface="Malgun Gothic"/>
-                <a:cs typeface="Malgun Gothic"/>
-                <a:sym typeface="Malgun Gothic"/>
-              </a:rPr>
-              <a:t>일이상일 경우 낙제처리 되므로 출석일수에 맞게 </a:t>
-            </a:r>
-            <a:r>
-              <a:rPr lang="ko-KR" altLang="en-US" sz="900" b="0" i="0" u="none" strike="noStrike" cap="none" dirty="0" err="1">
-                <a:solidFill>
-                  <a:schemeClr val="dk1"/>
-                </a:solidFill>
-                <a:latin typeface="Malgun Gothic"/>
-                <a:ea typeface="Malgun Gothic"/>
-                <a:cs typeface="Malgun Gothic"/>
-                <a:sym typeface="Malgun Gothic"/>
-              </a:rPr>
-              <a:t>경고창</a:t>
-            </a:r>
-            <a:r>
-              <a:rPr lang="ko-KR" altLang="en-US" sz="900" b="0" i="0" u="none" strike="noStrike" cap="none" dirty="0">
-                <a:solidFill>
-                  <a:schemeClr val="dk1"/>
-                </a:solidFill>
-                <a:latin typeface="Malgun Gothic"/>
-                <a:ea typeface="Malgun Gothic"/>
-                <a:cs typeface="Malgun Gothic"/>
-                <a:sym typeface="Malgun Gothic"/>
-              </a:rPr>
-              <a:t> 알림</a:t>
-            </a:r>
-            <a:r>
-              <a:rPr lang="en-US" altLang="ko-KR" sz="900" b="0" i="0" u="none" strike="noStrike" cap="none" dirty="0">
-                <a:solidFill>
-                  <a:schemeClr val="dk1"/>
-                </a:solidFill>
-                <a:latin typeface="Malgun Gothic"/>
-                <a:ea typeface="Malgun Gothic"/>
-                <a:cs typeface="Malgun Gothic"/>
-                <a:sym typeface="Malgun Gothic"/>
-              </a:rPr>
-              <a:t>(</a:t>
-            </a:r>
-            <a:r>
-              <a:rPr lang="ko-KR" altLang="en-US" sz="900" b="0" i="0" u="none" strike="noStrike" cap="none" dirty="0">
-                <a:solidFill>
-                  <a:schemeClr val="dk1"/>
-                </a:solidFill>
-                <a:latin typeface="Malgun Gothic"/>
-                <a:ea typeface="Malgun Gothic"/>
-                <a:cs typeface="Malgun Gothic"/>
-                <a:sym typeface="Malgun Gothic"/>
-              </a:rPr>
-              <a:t>로그인 시</a:t>
-            </a:r>
-            <a:r>
-              <a:rPr lang="en-US" altLang="ko-KR" sz="900" b="0" i="0" u="none" strike="noStrike" cap="none" dirty="0">
-                <a:solidFill>
-                  <a:schemeClr val="dk1"/>
-                </a:solidFill>
-                <a:latin typeface="Malgun Gothic"/>
-                <a:ea typeface="Malgun Gothic"/>
-                <a:cs typeface="Malgun Gothic"/>
-                <a:sym typeface="Malgun Gothic"/>
-              </a:rPr>
-              <a:t>)</a:t>
-            </a:r>
+            <a:endParaRPr lang="en-US" altLang="ko-KR" sz="900" dirty="0">
+              <a:solidFill>
+                <a:schemeClr val="dk1"/>
+              </a:solidFill>
+              <a:latin typeface="Malgun Gothic"/>
+              <a:ea typeface="Malgun Gothic"/>
+              <a:cs typeface="Malgun Gothic"/>
+              <a:sym typeface="Malgun Gothic"/>
+            </a:endParaRPr>
           </a:p>
           <a:p>
-            <a:pPr marL="177800" marR="0" lvl="0" indent="-120650" algn="l" rtl="0">
+            <a:pPr marL="177800" indent="-120650">
               <a:lnSpc>
                 <a:spcPct val="90000"/>
               </a:lnSpc>
               <a:spcBef>
                 <a:spcPts val="813"/>
               </a:spcBef>
-              <a:spcAft>
-                <a:spcPts val="0"/>
-              </a:spcAft>
               <a:buClr>
                 <a:schemeClr val="dk1"/>
               </a:buClr>
               <a:buSzPts val="900"/>
-              <a:buFont typeface="Malgun Gothic"/>
-              <a:buNone/>
             </a:pPr>
             <a:r>
               <a:rPr lang="en-US" altLang="ko-KR" sz="900" dirty="0">
@@ -16480,7 +16418,7 @@
                 <a:cs typeface="Malgun Gothic"/>
                 <a:sym typeface="Malgun Gothic"/>
               </a:rPr>
-              <a:t>4)</a:t>
+              <a:t>5) </a:t>
             </a:r>
             <a:r>
               <a:rPr lang="ko-KR" altLang="en-US" sz="900" dirty="0">
@@ -16492,8 +16430,31 @@
                 <a:cs typeface="Malgun Gothic"/>
                 <a:sym typeface="Malgun Gothic"/>
               </a:rPr>
-              <a:t>해당 과목의 상세 출결을 확인할 수 있다</a:t>
+              <a:t>출결 확인 및 상태 화면 이동</a:t>
             </a:r>
+            <a:endParaRPr lang="en-US" altLang="ko-KR" sz="900" dirty="0">
+              <a:solidFill>
+                <a:schemeClr val="dk1"/>
+              </a:solidFill>
+              <a:latin typeface="Malgun Gothic"/>
+              <a:ea typeface="Malgun Gothic"/>
+              <a:cs typeface="Malgun Gothic"/>
+              <a:sym typeface="Malgun Gothic"/>
+            </a:endParaRPr>
+          </a:p>
+          <a:p>
+            <a:pPr marL="177800" indent="-120650">
+              <a:lnSpc>
+                <a:spcPct val="90000"/>
+              </a:lnSpc>
+              <a:spcBef>
+                <a:spcPts val="813"/>
+              </a:spcBef>
+              <a:buClr>
+                <a:schemeClr val="dk1"/>
+              </a:buClr>
+              <a:buSzPts val="900"/>
+            </a:pPr>
             <a:r>
               <a:rPr lang="en-US" altLang="ko-KR" sz="900" dirty="0">
                 <a:solidFill>
@@ -16504,7 +16465,7 @@
                 <a:cs typeface="Malgun Gothic"/>
                 <a:sym typeface="Malgun Gothic"/>
               </a:rPr>
-              <a:t>.</a:t>
+              <a:t>6) Logout</a:t>
             </a:r>
           </a:p>
         </p:txBody>
@@ -16517,7 +16478,7 @@
         </p:nvSpPr>
         <p:spPr>
           <a:xfrm>
-            <a:off x="401638" y="722313"/>
+            <a:off x="361097" y="724879"/>
             <a:ext cx="7564438" cy="5340350"/>
           </a:xfrm>
           <a:prstGeom prst="rect">
@@ -16605,7 +16566,7 @@
         </p:nvSpPr>
         <p:spPr>
           <a:xfrm>
-            <a:off x="6951964" y="973688"/>
+            <a:off x="6469808" y="831295"/>
             <a:ext cx="1164643" cy="369291"/>
           </a:xfrm>
           <a:prstGeom prst="rect">
@@ -16669,7 +16630,7 @@
           <p:nvPr>
             <p:extLst>
               <p:ext uri="{D42A27DB-BD31-4B8C-83A1-F6EECF244321}">
-                <p14:modId xmlns:p14="http://schemas.microsoft.com/office/powerpoint/2010/main" val="3212925584"/>
+                <p14:modId xmlns:p14="http://schemas.microsoft.com/office/powerpoint/2010/main" val="31664164"/>
               </p:ext>
             </p:extLst>
           </p:nvPr>
@@ -16834,34 +16795,6 @@
                     <a:lstStyle/>
                     <a:p>
                       <a:pPr algn="ctr" latinLnBrk="1"/>
-                      <a:r>
-                        <a:rPr lang="ko-KR" altLang="en-US" sz="900" b="0" dirty="0">
-                          <a:latin typeface="+mn-ea"/>
-                          <a:ea typeface="+mn-ea"/>
-                        </a:rPr>
-                        <a:t>결석 </a:t>
-                      </a:r>
-                      <a:r>
-                        <a:rPr lang="en-US" altLang="ko-KR" sz="900" b="0" dirty="0">
-                          <a:latin typeface="+mn-ea"/>
-                          <a:ea typeface="+mn-ea"/>
-                        </a:rPr>
-                        <a:t> :  / </a:t>
-                      </a:r>
-                      <a:r>
-                        <a:rPr lang="ko-KR" altLang="en-US" sz="900" b="0" dirty="0">
-                          <a:latin typeface="+mn-ea"/>
-                          <a:ea typeface="+mn-ea"/>
-                        </a:rPr>
-                        <a:t>지각 </a:t>
-                      </a:r>
-                      <a:r>
-                        <a:rPr lang="en-US" altLang="ko-KR" sz="900" b="0" dirty="0">
-                          <a:latin typeface="+mn-ea"/>
-                          <a:ea typeface="+mn-ea"/>
-                        </a:rPr>
-                        <a:t>: </a:t>
-                      </a:r>
                       <a:endParaRPr lang="ko-KR" altLang="en-US" sz="900" b="0" dirty="0">
                         <a:latin typeface="+mn-ea"/>
                         <a:ea typeface="+mn-ea"/>
@@ -16981,78 +16914,6 @@
                         <a:tabLst/>
                         <a:defRPr/>
                       </a:pPr>
-                      <a:r>
-                        <a:rPr kumimoji="0" lang="ko-KR" altLang="en-US" sz="900" b="0" i="0" u="none" strike="noStrike" kern="0" cap="none" spc="0" normalizeH="0" baseline="0" noProof="0" dirty="0">
-                          <a:ln>
-                            <a:noFill/>
-                          </a:ln>
-                          <a:solidFill>
-                            <a:srgbClr val="000000"/>
-                          </a:solidFill>
-                          <a:effectLst/>
-                          <a:uLnTx/>
-                          <a:uFillTx/>
-                          <a:latin typeface="맑은 고딕" panose="020B0503020000020004" pitchFamily="50" charset="-127"/>
-                          <a:ea typeface="맑은 고딕" panose="020B0503020000020004" pitchFamily="50" charset="-127"/>
-                          <a:cs typeface="+mn-cs"/>
-                          <a:sym typeface="Arial"/>
-                        </a:rPr>
-                        <a:t>결석 </a:t>
-                      </a:r>
-                      <a:r>
-                        <a:rPr kumimoji="0" lang="en-US" altLang="ko-KR" sz="900" b="0" i="0" u="none" strike="noStrike" kern="0" cap="none" spc="0" normalizeH="0" baseline="0" noProof="0" dirty="0">
-                          <a:ln>
-                            <a:noFill/>
-                          </a:ln>
-                          <a:solidFill>
-                            <a:srgbClr val="000000"/>
-                          </a:solidFill>
-                          <a:effectLst/>
-                          <a:uLnTx/>
-                          <a:uFillTx/>
-                          <a:latin typeface="맑은 고딕" panose="020B0503020000020004" pitchFamily="50" charset="-127"/>
-                          <a:ea typeface="맑은 고딕" panose="020B0503020000020004" pitchFamily="50" charset="-127"/>
-                          <a:cs typeface="+mn-cs"/>
-                          <a:sym typeface="Arial"/>
-                        </a:rPr>
-                        <a:t> :  / </a:t>
-                      </a:r>
-                      <a:r>
-                        <a:rPr kumimoji="0" lang="ko-KR" altLang="en-US" sz="900" b="0" i="0" u="none" strike="noStrike" kern="0" cap="none" spc="0" normalizeH="0" baseline="0" noProof="0" dirty="0">
-                          <a:ln>
-                            <a:noFill/>
-                          </a:ln>
-                          <a:solidFill>
-                            <a:srgbClr val="000000"/>
-                          </a:solidFill>
-                          <a:effectLst/>
-                          <a:uLnTx/>
-                          <a:uFillTx/>
-                          <a:latin typeface="맑은 고딕" panose="020B0503020000020004" pitchFamily="50" charset="-127"/>
-                          <a:ea typeface="맑은 고딕" panose="020B0503020000020004" pitchFamily="50" charset="-127"/>
-                          <a:cs typeface="+mn-cs"/>
-                          <a:sym typeface="Arial"/>
-                        </a:rPr>
-                        <a:t>지각 </a:t>
-                      </a:r>
-                      <a:r>
-                        <a:rPr kumimoji="0" lang="en-US" altLang="ko-KR" sz="900" b="0" i="0" u="none" strike="noStrike" kern="0" cap="none" spc="0" normalizeH="0" baseline="0" noProof="0" dirty="0">
-                          <a:ln>
-                            <a:noFill/>
-                          </a:ln>
-                          <a:solidFill>
-                            <a:srgbClr val="000000"/>
-                          </a:solidFill>
-                          <a:effectLst/>
-                          <a:uLnTx/>
-                          <a:uFillTx/>
-                          <a:latin typeface="맑은 고딕" panose="020B0503020000020004" pitchFamily="50" charset="-127"/>
-                          <a:ea typeface="맑은 고딕" panose="020B0503020000020004" pitchFamily="50" charset="-127"/>
-                          <a:cs typeface="+mn-cs"/>
-                          <a:sym typeface="Arial"/>
-                        </a:rPr>
-                        <a:t>: </a:t>
-                      </a:r>
                       <a:endParaRPr kumimoji="0" lang="ko-KR" altLang="en-US" sz="900" b="0" i="0" u="none" strike="noStrike" kern="0" cap="none" spc="0" normalizeH="0" baseline="0" noProof="0" dirty="0">
                         <a:ln>
                           <a:noFill/>
@@ -17212,78 +17073,6 @@
                         <a:tabLst/>
                         <a:defRPr/>
                       </a:pPr>
-                      <a:r>
-                        <a:rPr kumimoji="0" lang="ko-KR" altLang="en-US" sz="900" b="0" i="0" u="none" strike="noStrike" kern="0" cap="none" spc="0" normalizeH="0" baseline="0" noProof="0" dirty="0">
-                          <a:ln>
-                            <a:noFill/>
-                          </a:ln>
-                          <a:solidFill>
-                            <a:srgbClr val="000000"/>
-                          </a:solidFill>
-                          <a:effectLst/>
-                          <a:uLnTx/>
-                          <a:uFillTx/>
-                          <a:latin typeface="맑은 고딕" panose="020B0503020000020004" pitchFamily="50" charset="-127"/>
-                          <a:ea typeface="맑은 고딕" panose="020B0503020000020004" pitchFamily="50" charset="-127"/>
-                          <a:cs typeface="+mn-cs"/>
-                          <a:sym typeface="Arial"/>
-                        </a:rPr>
-                        <a:t>결석 </a:t>
-                      </a:r>
-                      <a:r>
-                        <a:rPr kumimoji="0" lang="en-US" altLang="ko-KR" sz="900" b="0" i="0" u="none" strike="noStrike" kern="0" cap="none" spc="0" normalizeH="0" baseline="0" noProof="0" dirty="0">
-                          <a:ln>
-                            <a:noFill/>
-                          </a:ln>
-                          <a:solidFill>
-                            <a:srgbClr val="000000"/>
-                          </a:solidFill>
-                          <a:effectLst/>
-                          <a:uLnTx/>
-                          <a:uFillTx/>
-                          <a:latin typeface="맑은 고딕" panose="020B0503020000020004" pitchFamily="50" charset="-127"/>
-                          <a:ea typeface="맑은 고딕" panose="020B0503020000020004" pitchFamily="50" charset="-127"/>
-                          <a:cs typeface="+mn-cs"/>
-                          <a:sym typeface="Arial"/>
-                        </a:rPr>
-                        <a:t> :  / </a:t>
-                      </a:r>
-                      <a:r>
-                        <a:rPr kumimoji="0" lang="ko-KR" altLang="en-US" sz="900" b="0" i="0" u="none" strike="noStrike" kern="0" cap="none" spc="0" normalizeH="0" baseline="0" noProof="0" dirty="0">
-                          <a:ln>
-                            <a:noFill/>
-                          </a:ln>
-                          <a:solidFill>
-                            <a:srgbClr val="000000"/>
-                          </a:solidFill>
-                          <a:effectLst/>
-                          <a:uLnTx/>
-                          <a:uFillTx/>
-                          <a:latin typeface="맑은 고딕" panose="020B0503020000020004" pitchFamily="50" charset="-127"/>
-                          <a:ea typeface="맑은 고딕" panose="020B0503020000020004" pitchFamily="50" charset="-127"/>
-                          <a:cs typeface="+mn-cs"/>
-                          <a:sym typeface="Arial"/>
-                        </a:rPr>
-                        <a:t>지각 </a:t>
-                      </a:r>
-                      <a:r>
-                        <a:rPr kumimoji="0" lang="en-US" altLang="ko-KR" sz="900" b="0" i="0" u="none" strike="noStrike" kern="0" cap="none" spc="0" normalizeH="0" baseline="0" noProof="0" dirty="0">
-                          <a:ln>
-                            <a:noFill/>
-                          </a:ln>
-                          <a:solidFill>
-                            <a:srgbClr val="000000"/>
-                          </a:solidFill>
-                          <a:effectLst/>
-                          <a:uLnTx/>
-                          <a:uFillTx/>
-                          <a:latin typeface="맑은 고딕" panose="020B0503020000020004" pitchFamily="50" charset="-127"/>
-                          <a:ea typeface="맑은 고딕" panose="020B0503020000020004" pitchFamily="50" charset="-127"/>
-                          <a:cs typeface="+mn-cs"/>
-                          <a:sym typeface="Arial"/>
-                        </a:rPr>
-                        <a:t>: </a:t>
-                      </a:r>
                       <a:endParaRPr kumimoji="0" lang="ko-KR" altLang="en-US" sz="900" b="0" i="0" u="none" strike="noStrike" kern="0" cap="none" spc="0" normalizeH="0" baseline="0" noProof="0" dirty="0">
                         <a:ln>
                           <a:noFill/>
@@ -17458,78 +17247,6 @@
                         <a:tabLst/>
                         <a:defRPr/>
                       </a:pPr>
-                      <a:r>
-                        <a:rPr kumimoji="0" lang="ko-KR" altLang="en-US" sz="900" b="0" i="0" u="none" strike="noStrike" kern="0" cap="none" spc="0" normalizeH="0" baseline="0" noProof="0" dirty="0">
-                          <a:ln>
-                            <a:noFill/>
-                          </a:ln>
-                          <a:solidFill>
-                            <a:srgbClr val="000000"/>
-                          </a:solidFill>
-                          <a:effectLst/>
-                          <a:uLnTx/>
-                          <a:uFillTx/>
-                          <a:latin typeface="맑은 고딕" panose="020B0503020000020004" pitchFamily="50" charset="-127"/>
-                          <a:ea typeface="맑은 고딕" panose="020B0503020000020004" pitchFamily="50" charset="-127"/>
-                          <a:cs typeface="+mn-cs"/>
-                          <a:sym typeface="Arial"/>
-                        </a:rPr>
-                        <a:t>결석 </a:t>
-                      </a:r>
-                      <a:r>
-                        <a:rPr kumimoji="0" lang="en-US" altLang="ko-KR" sz="900" b="0" i="0" u="none" strike="noStrike" kern="0" cap="none" spc="0" normalizeH="0" baseline="0" noProof="0" dirty="0">
-                          <a:ln>
-                            <a:noFill/>
-                          </a:ln>
-                          <a:solidFill>
-                            <a:srgbClr val="000000"/>
-                          </a:solidFill>
-                          <a:effectLst/>
-                          <a:uLnTx/>
-                          <a:uFillTx/>
-                          <a:latin typeface="맑은 고딕" panose="020B0503020000020004" pitchFamily="50" charset="-127"/>
-                          <a:ea typeface="맑은 고딕" panose="020B0503020000020004" pitchFamily="50" charset="-127"/>
-                          <a:cs typeface="+mn-cs"/>
-                          <a:sym typeface="Arial"/>
-                        </a:rPr>
-                        <a:t> :  / </a:t>
-                      </a:r>
-                      <a:r>
-                        <a:rPr kumimoji="0" lang="ko-KR" altLang="en-US" sz="900" b="0" i="0" u="none" strike="noStrike" kern="0" cap="none" spc="0" normalizeH="0" baseline="0" noProof="0" dirty="0">
-                          <a:ln>
-                            <a:noFill/>
-                          </a:ln>
-                          <a:solidFill>
-                            <a:srgbClr val="000000"/>
-                          </a:solidFill>
-                          <a:effectLst/>
-                          <a:uLnTx/>
-                          <a:uFillTx/>
-                          <a:latin typeface="맑은 고딕" panose="020B0503020000020004" pitchFamily="50" charset="-127"/>
-                          <a:ea typeface="맑은 고딕" panose="020B0503020000020004" pitchFamily="50" charset="-127"/>
-                          <a:cs typeface="+mn-cs"/>
-                          <a:sym typeface="Arial"/>
-                        </a:rPr>
-                        <a:t>지각 </a:t>
-                      </a:r>
-                      <a:r>
-                        <a:rPr kumimoji="0" lang="en-US" altLang="ko-KR" sz="900" b="0" i="0" u="none" strike="noStrike" kern="0" cap="none" spc="0" normalizeH="0" baseline="0" noProof="0" dirty="0">
-                          <a:ln>
-                            <a:noFill/>
-                          </a:ln>
-                          <a:solidFill>
-                            <a:srgbClr val="000000"/>
-                          </a:solidFill>
-                          <a:effectLst/>
-                          <a:uLnTx/>
-                          <a:uFillTx/>
-                          <a:latin typeface="맑은 고딕" panose="020B0503020000020004" pitchFamily="50" charset="-127"/>
-                          <a:ea typeface="맑은 고딕" panose="020B0503020000020004" pitchFamily="50" charset="-127"/>
-                          <a:cs typeface="+mn-cs"/>
-                          <a:sym typeface="Arial"/>
-                        </a:rPr>
-                        <a:t>: </a:t>
-                      </a:r>
                       <a:endParaRPr kumimoji="0" lang="ko-KR" altLang="en-US" sz="900" b="0" i="0" u="none" strike="noStrike" kern="0" cap="none" spc="0" normalizeH="0" baseline="0" noProof="0" dirty="0">
                         <a:ln>
                           <a:noFill/>
@@ -17634,7 +17351,7 @@
         </p:nvSpPr>
         <p:spPr>
           <a:xfrm>
-            <a:off x="2594063" y="2064976"/>
+            <a:off x="6402339" y="2533442"/>
             <a:ext cx="134937" cy="138113"/>
           </a:xfrm>
           <a:prstGeom prst="ellipse">
@@ -17699,44 +17416,6 @@
           </a:p>
         </p:txBody>
       </p:sp>
-      <p:cxnSp>
-        <p:nvCxnSpPr>
-          <p:cNvPr id="35" name="Google Shape;131;p13">
-            <a:extLst>
-              <a:ext uri="{FF2B5EF4-FFF2-40B4-BE49-F238E27FC236}">
-                <a16:creationId xmlns:a16="http://schemas.microsoft.com/office/drawing/2014/main" id="{769DF904-EB9B-44AA-9FBF-A40E0A1BF81F}"/>
-              </a:ext>
-            </a:extLst>
-          </p:cNvPr>
-          <p:cNvCxnSpPr>
-            <a:cxnSpLocks/>
-            <a:stCxn id="61" idx="4"/>
-            <a:endCxn id="34" idx="0"/>
-          </p:cNvCxnSpPr>
-          <p:nvPr/>
-        </p:nvCxnSpPr>
-        <p:spPr>
-          <a:xfrm rot="5400000">
-            <a:off x="4820309" y="1839896"/>
-            <a:ext cx="1091550" cy="1342630"/>
-          </a:xfrm>
-          <a:prstGeom prst="bentConnector3">
-            <a:avLst>
-              <a:gd name="adj1" fmla="val 50000"/>
-            </a:avLst>
-          </a:prstGeom>
-          <a:noFill/>
-          <a:ln w="9525" cap="flat" cmpd="sng">
-            <a:solidFill>
-              <a:srgbClr val="FF0000"/>
-            </a:solidFill>
-            <a:prstDash val="solid"/>
-            <a:miter lim="800000"/>
-            <a:headEnd type="none" w="sm" len="sm"/>
-            <a:tailEnd type="triangle" w="med" len="med"/>
-          </a:ln>
-        </p:spPr>
-      </p:cxnSp>
       <p:sp>
         <p:nvSpPr>
           <p:cNvPr id="18" name="직사각형 17">
@@ -17789,623 +17468,6 @@
       </p:sp>
       <p:grpSp>
         <p:nvGrpSpPr>
-          <p:cNvPr id="41" name="그룹 40">
-            <a:extLst>
-              <a:ext uri="{FF2B5EF4-FFF2-40B4-BE49-F238E27FC236}">
-                <a16:creationId xmlns:a16="http://schemas.microsoft.com/office/drawing/2014/main" id="{8E94CF93-424C-4EB9-8622-FB8CBE88FBA9}"/>
-              </a:ext>
-            </a:extLst>
-          </p:cNvPr>
-          <p:cNvGrpSpPr/>
-          <p:nvPr/>
-        </p:nvGrpSpPr>
-        <p:grpSpPr>
-          <a:xfrm>
-            <a:off x="3782480" y="3056986"/>
-            <a:ext cx="1824577" cy="2385799"/>
-            <a:chOff x="5088315" y="2740668"/>
-            <a:chExt cx="1824577" cy="2385799"/>
-          </a:xfrm>
-        </p:grpSpPr>
-        <p:sp>
-          <p:nvSpPr>
-            <p:cNvPr id="34" name="Google Shape;127;p13">
-              <a:extLst>
-                <a:ext uri="{FF2B5EF4-FFF2-40B4-BE49-F238E27FC236}">
-                  <a16:creationId xmlns:a16="http://schemas.microsoft.com/office/drawing/2014/main" id="{41BAB937-2D9B-4CC2-B09D-4DA354182BBE}"/>
-                </a:ext>
-              </a:extLst>
-            </p:cNvPr>
-            <p:cNvSpPr/>
-            <p:nvPr/>
-          </p:nvSpPr>
-          <p:spPr>
-            <a:xfrm>
-              <a:off x="5088315" y="2740668"/>
-              <a:ext cx="1824577" cy="2385799"/>
-            </a:xfrm>
-            <a:prstGeom prst="rect">
-              <a:avLst/>
-            </a:prstGeom>
-            <a:solidFill>
-              <a:schemeClr val="lt1"/>
-            </a:solidFill>
-            <a:ln w="12700" cap="flat" cmpd="sng">
-              <a:solidFill>
-                <a:srgbClr val="42719B"/>
-              </a:solidFill>
-              <a:prstDash val="solid"/>
-              <a:miter lim="800000"/>
-              <a:headEnd type="none" w="sm" len="sm"/>
-              <a:tailEnd type="none" w="sm" len="sm"/>
-            </a:ln>
-          </p:spPr>
-          <p:txBody>
-            <a:bodyPr spcFirstLastPara="1" wrap="square" lIns="91425" tIns="45700" rIns="91425" bIns="45700" anchor="ctr" anchorCtr="0">
-              <a:noAutofit/>
-            </a:bodyPr>
-            <a:lstStyle/>
-            <a:p>
-              <a:pPr marL="0" marR="0" lvl="0" indent="0" algn="ctr" rtl="0">
-                <a:spcBef>
-                  <a:spcPts val="0"/>
-                </a:spcBef>
-                <a:spcAft>
-                  <a:spcPts val="0"/>
-                </a:spcAft>
-                <a:buNone/>
-              </a:pPr>
-              <a:endParaRPr sz="1800" b="0" i="0" u="none" strike="noStrike" cap="none">
-                <a:solidFill>
-                  <a:schemeClr val="lt1"/>
-                </a:solidFill>
-                <a:latin typeface="Malgun Gothic"/>
-                <a:ea typeface="Malgun Gothic"/>
-                <a:cs typeface="Malgun Gothic"/>
-                <a:sym typeface="Malgun Gothic"/>
-              </a:endParaRPr>
-            </a:p>
-          </p:txBody>
-        </p:sp>
-        <p:sp>
-          <p:nvSpPr>
-            <p:cNvPr id="43" name="Google Shape;113;p13">
-              <a:extLst>
-                <a:ext uri="{FF2B5EF4-FFF2-40B4-BE49-F238E27FC236}">
-                  <a16:creationId xmlns:a16="http://schemas.microsoft.com/office/drawing/2014/main" id="{B00F198D-71CC-43CF-8724-064036FCC0FE}"/>
-                </a:ext>
-              </a:extLst>
-            </p:cNvPr>
-            <p:cNvSpPr/>
-            <p:nvPr/>
-          </p:nvSpPr>
-          <p:spPr>
-            <a:xfrm>
-              <a:off x="5771550" y="4635266"/>
-              <a:ext cx="427553" cy="241995"/>
-            </a:xfrm>
-            <a:prstGeom prst="roundRect">
-              <a:avLst>
-                <a:gd name="adj" fmla="val 8776"/>
-              </a:avLst>
-            </a:prstGeom>
-            <a:solidFill>
-              <a:srgbClr val="F2F2F2"/>
-            </a:solidFill>
-            <a:ln w="9525" cap="flat" cmpd="sng">
-              <a:solidFill>
-                <a:srgbClr val="808080"/>
-              </a:solidFill>
-              <a:prstDash val="solid"/>
-              <a:round/>
-              <a:headEnd type="none" w="sm" len="sm"/>
-              <a:tailEnd type="none" w="sm" len="sm"/>
-            </a:ln>
-          </p:spPr>
-          <p:txBody>
-            <a:bodyPr spcFirstLastPara="1" wrap="square" lIns="91425" tIns="45700" rIns="91425" bIns="45700" anchor="ctr" anchorCtr="0">
-              <a:noAutofit/>
-            </a:bodyPr>
-            <a:lstStyle/>
-            <a:p>
-              <a:pPr marL="0" marR="0" lvl="0" indent="0" algn="l" rtl="0">
-                <a:spcBef>
-                  <a:spcPts val="0"/>
-                </a:spcBef>
-                <a:spcAft>
-                  <a:spcPts val="0"/>
-                </a:spcAft>
-                <a:buNone/>
-              </a:pPr>
-              <a:r>
-                <a:rPr lang="ko-KR" altLang="en-US" sz="900" b="0" i="0" u="none" strike="noStrike" cap="none" dirty="0">
-                  <a:solidFill>
-                    <a:srgbClr val="5F5F5F"/>
-                  </a:solidFill>
-                  <a:latin typeface="Quattrocento Sans"/>
-                  <a:ea typeface="Quattrocento Sans"/>
-                  <a:cs typeface="Quattrocento Sans"/>
-                  <a:sym typeface="Quattrocento Sans"/>
-                </a:rPr>
-                <a:t>종료</a:t>
-              </a:r>
-              <a:endParaRPr sz="900" b="0" i="0" u="none" strike="noStrike" cap="none" dirty="0">
-                <a:solidFill>
-                  <a:srgbClr val="5F5F5F"/>
-                </a:solidFill>
-                <a:latin typeface="Quattrocento Sans"/>
-                <a:ea typeface="Quattrocento Sans"/>
-                <a:cs typeface="Quattrocento Sans"/>
-                <a:sym typeface="Quattrocento Sans"/>
-              </a:endParaRPr>
-            </a:p>
-          </p:txBody>
-        </p:sp>
-        <p:sp>
-          <p:nvSpPr>
-            <p:cNvPr id="44" name="Google Shape;535;p24">
-              <a:extLst>
-                <a:ext uri="{FF2B5EF4-FFF2-40B4-BE49-F238E27FC236}">
-                  <a16:creationId xmlns:a16="http://schemas.microsoft.com/office/drawing/2014/main" id="{1A4AED02-82E1-4A26-9777-0A65D4C2864F}"/>
-                </a:ext>
-              </a:extLst>
-            </p:cNvPr>
-            <p:cNvSpPr txBox="1"/>
-            <p:nvPr/>
-          </p:nvSpPr>
-          <p:spPr>
-            <a:xfrm>
-              <a:off x="5174941" y="2851926"/>
-              <a:ext cx="1628299" cy="369291"/>
-            </a:xfrm>
-            <a:prstGeom prst="rect">
-              <a:avLst/>
-            </a:prstGeom>
-            <a:noFill/>
-            <a:ln>
-              <a:noFill/>
-            </a:ln>
-          </p:spPr>
-          <p:txBody>
-            <a:bodyPr spcFirstLastPara="1" wrap="square" lIns="91425" tIns="45700" rIns="91425" bIns="45700" anchor="t" anchorCtr="0">
-              <a:spAutoFit/>
-            </a:bodyPr>
-            <a:lstStyle>
-              <a:defPPr marR="0" lvl="0" algn="l" rtl="0">
-                <a:lnSpc>
-                  <a:spcPct val="100000"/>
-                </a:lnSpc>
-                <a:spcBef>
-                  <a:spcPts val="0"/>
-                </a:spcBef>
-                <a:spcAft>
-                  <a:spcPts val="0"/>
-                </a:spcAft>
-              </a:defPPr>
-              <a:lvl1pPr marR="0" lvl="0" algn="l" rtl="0">
-                <a:lnSpc>
-                  <a:spcPct val="100000"/>
-                </a:lnSpc>
-                <a:spcBef>
-                  <a:spcPts val="0"/>
-                </a:spcBef>
-                <a:spcAft>
-                  <a:spcPts val="0"/>
-                </a:spcAft>
-                <a:buClr>
-                  <a:srgbClr val="000000"/>
-                </a:buClr>
-                <a:buFont typeface="Arial"/>
-                <a:defRPr sz="1400" b="0" i="0" u="none" strike="noStrike" cap="none">
-                  <a:solidFill>
-                    <a:srgbClr val="000000"/>
-                  </a:solidFill>
-                  <a:latin typeface="Arial"/>
-                  <a:ea typeface="Arial"/>
-                  <a:cs typeface="Arial"/>
-                  <a:sym typeface="Arial"/>
-                </a:defRPr>
-              </a:lvl1pPr>
-              <a:lvl2pPr marR="0" lvl="1" algn="l" rtl="0">
-                <a:lnSpc>
-                  <a:spcPct val="100000"/>
-                </a:lnSpc>
-                <a:spcBef>
-                  <a:spcPts val="0"/>
-                </a:spcBef>
-                <a:spcAft>
-                  <a:spcPts val="0"/>
-                </a:spcAft>
-                <a:buClr>
-                  <a:srgbClr val="000000"/>
-                </a:buClr>
-                <a:buFont typeface="Arial"/>
-                <a:defRPr sz="1400" b="0" i="0" u="none" strike="noStrike" cap="none">
-                  <a:solidFill>
-                    <a:srgbClr val="000000"/>
-                  </a:solidFill>
-                  <a:latin typeface="Arial"/>
-                  <a:ea typeface="Arial"/>
-                  <a:cs typeface="Arial"/>
-                  <a:sym typeface="Arial"/>
-                </a:defRPr>
-              </a:lvl2pPr>
-              <a:lvl3pPr marR="0" lvl="2" algn="l" rtl="0">
-                <a:lnSpc>
-                  <a:spcPct val="100000"/>
-                </a:lnSpc>
-                <a:spcBef>
-                  <a:spcPts val="0"/>
-                </a:spcBef>
-                <a:spcAft>
-                  <a:spcPts val="0"/>
-                </a:spcAft>
-                <a:buClr>
-                  <a:srgbClr val="000000"/>
-                </a:buClr>
-                <a:buFont typeface="Arial"/>
-                <a:defRPr sz="1400" b="0" i="0" u="none" strike="noStrike" cap="none">
-                  <a:solidFill>
-                    <a:srgbClr val="000000"/>
-                  </a:solidFill>
-                  <a:latin typeface="Arial"/>
-                  <a:ea typeface="Arial"/>
-                  <a:cs typeface="Arial"/>
-                  <a:sym typeface="Arial"/>
-                </a:defRPr>
-              </a:lvl3pPr>
-              <a:lvl4pPr marR="0" lvl="3" algn="l" rtl="0">
-                <a:lnSpc>
-                  <a:spcPct val="100000"/>
-                </a:lnSpc>
-                <a:spcBef>
-                  <a:spcPts val="0"/>
-                </a:spcBef>
-                <a:spcAft>
-                  <a:spcPts val="0"/>
-                </a:spcAft>
-                <a:buClr>
-                  <a:srgbClr val="000000"/>
-                </a:buClr>
-                <a:buFont typeface="Arial"/>
-                <a:defRPr sz="1400" b="0" i="0" u="none" strike="noStrike" cap="none">
-                  <a:solidFill>
-                    <a:srgbClr val="000000"/>
-                  </a:solidFill>
-                  <a:latin typeface="Arial"/>
-                  <a:ea typeface="Arial"/>
-                  <a:cs typeface="Arial"/>
-                  <a:sym typeface="Arial"/>
-                </a:defRPr>
-              </a:lvl4pPr>
-              <a:lvl5pPr marR="0" lvl="4" algn="l" rtl="0">
-                <a:lnSpc>
-                  <a:spcPct val="100000"/>
-                </a:lnSpc>
-                <a:spcBef>
-                  <a:spcPts val="0"/>
-                </a:spcBef>
-                <a:spcAft>
-                  <a:spcPts val="0"/>
-                </a:spcAft>
-                <a:buClr>
-                  <a:srgbClr val="000000"/>
-                </a:buClr>
-                <a:buFont typeface="Arial"/>
-                <a:defRPr sz="1400" b="0" i="0" u="none" strike="noStrike" cap="none">
-                  <a:solidFill>
-                    <a:srgbClr val="000000"/>
-                  </a:solidFill>
-                  <a:latin typeface="Arial"/>
-                  <a:ea typeface="Arial"/>
-                  <a:cs typeface="Arial"/>
-                  <a:sym typeface="Arial"/>
-                </a:defRPr>
-              </a:lvl5pPr>
-              <a:lvl6pPr marR="0" lvl="5" algn="l" rtl="0">
-                <a:lnSpc>
-                  <a:spcPct val="100000"/>
-                </a:lnSpc>
-                <a:spcBef>
-                  <a:spcPts val="0"/>
-                </a:spcBef>
-                <a:spcAft>
-                  <a:spcPts val="0"/>
-                </a:spcAft>
-                <a:buClr>
-                  <a:srgbClr val="000000"/>
-                </a:buClr>
-                <a:buFont typeface="Arial"/>
-                <a:defRPr sz="1400" b="0" i="0" u="none" strike="noStrike" cap="none">
-                  <a:solidFill>
-                    <a:srgbClr val="000000"/>
-                  </a:solidFill>
-                  <a:latin typeface="Arial"/>
-                  <a:ea typeface="Arial"/>
-                  <a:cs typeface="Arial"/>
-                  <a:sym typeface="Arial"/>
-                </a:defRPr>
-              </a:lvl6pPr>
-              <a:lvl7pPr marR="0" lvl="6" algn="l" rtl="0">
-                <a:lnSpc>
-                  <a:spcPct val="100000"/>
-                </a:lnSpc>
-                <a:spcBef>
-                  <a:spcPts val="0"/>
-                </a:spcBef>
-                <a:spcAft>
-                  <a:spcPts val="0"/>
-                </a:spcAft>
-                <a:buClr>
-                  <a:srgbClr val="000000"/>
-                </a:buClr>
-                <a:buFont typeface="Arial"/>
-                <a:defRPr sz="1400" b="0" i="0" u="none" strike="noStrike" cap="none">
-                  <a:solidFill>
-                    <a:srgbClr val="000000"/>
-                  </a:solidFill>
-                  <a:latin typeface="Arial"/>
-                  <a:ea typeface="Arial"/>
-                  <a:cs typeface="Arial"/>
-                  <a:sym typeface="Arial"/>
-                </a:defRPr>
-              </a:lvl7pPr>
-              <a:lvl8pPr marR="0" lvl="7" algn="l" rtl="0">
-                <a:lnSpc>
-                  <a:spcPct val="100000"/>
-                </a:lnSpc>
-                <a:spcBef>
-                  <a:spcPts val="0"/>
-                </a:spcBef>
-                <a:spcAft>
-                  <a:spcPts val="0"/>
-                </a:spcAft>
-                <a:buClr>
-                  <a:srgbClr val="000000"/>
-                </a:buClr>
-                <a:buFont typeface="Arial"/>
-                <a:defRPr sz="1400" b="0" i="0" u="none" strike="noStrike" cap="none">
-                  <a:solidFill>
-                    <a:srgbClr val="000000"/>
-                  </a:solidFill>
-                  <a:latin typeface="Arial"/>
-                  <a:ea typeface="Arial"/>
-                  <a:cs typeface="Arial"/>
-                  <a:sym typeface="Arial"/>
-                </a:defRPr>
-              </a:lvl8pPr>
-              <a:lvl9pPr marR="0" lvl="8" algn="l" rtl="0">
-                <a:lnSpc>
-                  <a:spcPct val="100000"/>
-                </a:lnSpc>
-                <a:spcBef>
-                  <a:spcPts val="0"/>
-                </a:spcBef>
-                <a:spcAft>
-                  <a:spcPts val="0"/>
-                </a:spcAft>
-                <a:buClr>
-                  <a:srgbClr val="000000"/>
-                </a:buClr>
-                <a:buFont typeface="Arial"/>
-                <a:defRPr sz="1400" b="0" i="0" u="none" strike="noStrike" cap="none">
-                  <a:solidFill>
-                    <a:srgbClr val="000000"/>
-                  </a:solidFill>
-                  <a:latin typeface="Arial"/>
-                  <a:ea typeface="Arial"/>
-                  <a:cs typeface="Arial"/>
-                  <a:sym typeface="Arial"/>
-                </a:defRPr>
-              </a:lvl9pPr>
-            </a:lstStyle>
-            <a:p>
-              <a:pPr marL="0" marR="0" lvl="0" indent="0" algn="ctr">
-                <a:spcBef>
-                  <a:spcPts val="0"/>
-                </a:spcBef>
-                <a:spcAft>
-                  <a:spcPts val="0"/>
-                </a:spcAft>
-                <a:buNone/>
-              </a:pPr>
-              <a:r>
-                <a:rPr lang="en-US" altLang="ko-KR" sz="1800" b="1" dirty="0">
-                  <a:solidFill>
-                    <a:schemeClr val="dk1"/>
-                  </a:solidFill>
-                  <a:latin typeface="Malgun Gothic"/>
-                  <a:ea typeface="Malgun Gothic"/>
-                </a:rPr>
-                <a:t>Warning</a:t>
-              </a:r>
-            </a:p>
-          </p:txBody>
-        </p:sp>
-        <p:sp>
-          <p:nvSpPr>
-            <p:cNvPr id="19" name="직사각형 18">
-              <a:extLst>
-                <a:ext uri="{FF2B5EF4-FFF2-40B4-BE49-F238E27FC236}">
-                  <a16:creationId xmlns:a16="http://schemas.microsoft.com/office/drawing/2014/main" id="{F9532AD3-A1A8-41BD-B233-FE4CC1C84101}"/>
-                </a:ext>
-              </a:extLst>
-            </p:cNvPr>
-            <p:cNvSpPr/>
-            <p:nvPr/>
-          </p:nvSpPr>
-          <p:spPr>
-            <a:xfrm>
-              <a:off x="5221817" y="3285778"/>
-              <a:ext cx="1527020" cy="1154097"/>
-            </a:xfrm>
-            <a:prstGeom prst="rect">
-              <a:avLst/>
-            </a:prstGeom>
-            <a:solidFill>
-              <a:schemeClr val="tx2"/>
-            </a:solidFill>
-            <a:ln w="9525">
-              <a:solidFill>
-                <a:schemeClr val="tx2">
-                  <a:lumMod val="75000"/>
-                </a:schemeClr>
-              </a:solidFill>
-            </a:ln>
-          </p:spPr>
-          <p:style>
-            <a:lnRef idx="2">
-              <a:schemeClr val="accent1">
-                <a:shade val="50000"/>
-              </a:schemeClr>
-            </a:lnRef>
-            <a:fillRef idx="1">
-              <a:schemeClr val="accent1"/>
-            </a:fillRef>
-            <a:effectRef idx="0">
-              <a:schemeClr val="accent1"/>
-            </a:effectRef>
-            <a:fontRef idx="minor">
-              <a:schemeClr val="lt1"/>
-            </a:fontRef>
-          </p:style>
-          <p:txBody>
-            <a:bodyPr rtlCol="0" anchor="ctr"/>
-            <a:lstStyle/>
-            <a:p>
-              <a:pPr algn="ctr"/>
-              <a:r>
-                <a:rPr lang="ko-KR" altLang="en-US" dirty="0">
-                  <a:solidFill>
-                    <a:schemeClr val="tx1">
-                      <a:lumMod val="75000"/>
-                      <a:lumOff val="25000"/>
-                    </a:schemeClr>
-                  </a:solidFill>
-                </a:rPr>
-                <a:t>과목명 </a:t>
-              </a:r>
-              <a:r>
-                <a:rPr lang="en-US" altLang="ko-KR" dirty="0">
-                  <a:solidFill>
-                    <a:schemeClr val="tx1">
-                      <a:lumMod val="75000"/>
-                      <a:lumOff val="25000"/>
-                    </a:schemeClr>
-                  </a:solidFill>
-                </a:rPr>
-                <a:t>+</a:t>
-              </a:r>
-            </a:p>
-            <a:p>
-              <a:pPr algn="ctr"/>
-              <a:r>
-                <a:rPr lang="en-US" altLang="ko-KR" dirty="0">
-                  <a:solidFill>
-                    <a:schemeClr val="tx1">
-                      <a:lumMod val="75000"/>
-                      <a:lumOff val="25000"/>
-                    </a:schemeClr>
-                  </a:solidFill>
-                </a:rPr>
-                <a:t> </a:t>
-              </a:r>
-              <a:r>
-                <a:rPr lang="ko-KR" altLang="en-US" dirty="0">
-                  <a:solidFill>
-                    <a:schemeClr val="tx1">
-                      <a:lumMod val="75000"/>
-                      <a:lumOff val="25000"/>
-                    </a:schemeClr>
-                  </a:solidFill>
-                </a:rPr>
-                <a:t>출결 현황</a:t>
-              </a:r>
-            </a:p>
-          </p:txBody>
-        </p:sp>
-      </p:grpSp>
-      <p:sp>
-        <p:nvSpPr>
-          <p:cNvPr id="61" name="Google Shape;114;p13">
-            <a:extLst>
-              <a:ext uri="{FF2B5EF4-FFF2-40B4-BE49-F238E27FC236}">
-                <a16:creationId xmlns:a16="http://schemas.microsoft.com/office/drawing/2014/main" id="{29D6AD19-0B62-435E-8E0C-76CC8DD97058}"/>
-              </a:ext>
-            </a:extLst>
-          </p:cNvPr>
-          <p:cNvSpPr/>
-          <p:nvPr/>
-        </p:nvSpPr>
-        <p:spPr>
-          <a:xfrm>
-            <a:off x="5969930" y="1827323"/>
-            <a:ext cx="134937" cy="138113"/>
-          </a:xfrm>
-          <a:prstGeom prst="ellipse">
-            <a:avLst/>
-          </a:prstGeom>
-          <a:solidFill>
-            <a:srgbClr val="D60C0C"/>
-          </a:solidFill>
-          <a:ln w="19050" cap="flat" cmpd="sng">
-            <a:solidFill>
-              <a:schemeClr val="lt1"/>
-            </a:solidFill>
-            <a:prstDash val="solid"/>
-            <a:miter lim="800000"/>
-            <a:headEnd type="none" w="sm" len="sm"/>
-            <a:tailEnd type="none" w="sm" len="sm"/>
-          </a:ln>
-          <a:effectLst>
-            <a:outerShdw blurRad="50800" dist="38100" dir="2700000" algn="tl" rotWithShape="0">
-              <a:srgbClr val="000000">
-                <a:alpha val="40000"/>
-              </a:srgbClr>
-            </a:outerShdw>
-          </a:effectLst>
-        </p:spPr>
-        <p:txBody>
-          <a:bodyPr spcFirstLastPara="1" wrap="square" lIns="91425" tIns="45700" rIns="91425" bIns="45700" anchor="ctr" anchorCtr="0">
-            <a:noAutofit/>
-          </a:bodyPr>
-          <a:lstStyle/>
-          <a:p>
-            <a:pPr marL="0" marR="0" lvl="0" indent="0" algn="ctr" rtl="0">
-              <a:spcBef>
-                <a:spcPts val="0"/>
-              </a:spcBef>
-              <a:spcAft>
-                <a:spcPts val="0"/>
-              </a:spcAft>
-              <a:buNone/>
-            </a:pPr>
-            <a:r>
-              <a:rPr lang="en-US" altLang="ko-KR" sz="1000" b="1" i="0" u="none" strike="noStrike" cap="none" dirty="0">
-                <a:solidFill>
-                  <a:schemeClr val="lt1"/>
-                </a:solidFill>
-                <a:latin typeface="Malgun Gothic"/>
-                <a:ea typeface="Malgun Gothic"/>
-                <a:cs typeface="Malgun Gothic"/>
-                <a:sym typeface="Malgun Gothic"/>
-              </a:rPr>
-              <a:t>3</a:t>
-            </a:r>
-            <a:endParaRPr sz="1000" b="1" i="0" u="none" strike="noStrike" cap="none" dirty="0">
-              <a:solidFill>
-                <a:schemeClr val="lt1"/>
-              </a:solidFill>
-              <a:latin typeface="Malgun Gothic"/>
-              <a:ea typeface="Malgun Gothic"/>
-              <a:cs typeface="Malgun Gothic"/>
-              <a:sym typeface="Malgun Gothic"/>
-            </a:endParaRPr>
-          </a:p>
-        </p:txBody>
-      </p:sp>
-      <p:grpSp>
-        <p:nvGrpSpPr>
           <p:cNvPr id="62" name="그룹 61">
             <a:extLst>
               <a:ext uri="{FF2B5EF4-FFF2-40B4-BE49-F238E27FC236}">
@@ -18418,7 +17480,7 @@
         </p:nvGrpSpPr>
         <p:grpSpPr>
           <a:xfrm>
-            <a:off x="1440711" y="2893068"/>
+            <a:off x="3868944" y="2923683"/>
             <a:ext cx="1824577" cy="2713636"/>
             <a:chOff x="3577303" y="2625883"/>
             <a:chExt cx="1824577" cy="2713636"/>
@@ -18472,7 +17534,7 @@
                 </a:spcAft>
                 <a:buNone/>
               </a:pPr>
-              <a:endParaRPr sz="1800" b="0" i="0" u="none" strike="noStrike" cap="none">
+              <a:endParaRPr sz="1800" b="0" i="0" u="none" strike="noStrike" cap="none" dirty="0">
                 <a:solidFill>
                   <a:schemeClr val="lt1"/>
                 </a:solidFill>
@@ -18498,7 +17560,7 @@
           </p:nvSpPr>
           <p:spPr>
             <a:xfrm>
-              <a:off x="3855797" y="4861508"/>
+              <a:off x="4207754" y="4856603"/>
               <a:ext cx="568101" cy="241995"/>
             </a:xfrm>
             <a:prstGeom prst="roundRect">
@@ -18572,7 +17634,7 @@
           </p:nvSpPr>
           <p:spPr>
             <a:xfrm>
-              <a:off x="4631829" y="4861507"/>
+              <a:off x="4810272" y="4861507"/>
               <a:ext cx="427553" cy="241995"/>
             </a:xfrm>
             <a:prstGeom prst="roundRect">
@@ -19021,7 +18083,7 @@
           </p:nvSpPr>
           <p:spPr>
             <a:xfrm>
-              <a:off x="4072378" y="4721169"/>
+              <a:off x="3674760" y="4721169"/>
               <a:ext cx="134937" cy="138113"/>
             </a:xfrm>
             <a:prstGeom prst="ellipse">
@@ -19063,7 +18125,7 @@
                 <a:buNone/>
               </a:pPr>
               <a:r>
-                <a:rPr lang="ko-KR" sz="1000" b="1" i="0" u="none" strike="noStrike" cap="none" dirty="0">
+                <a:rPr lang="en-US" altLang="ko-KR" sz="1000" b="1" i="0" u="none" strike="noStrike" cap="none" dirty="0">
                   <a:solidFill>
                     <a:schemeClr val="lt1"/>
                   </a:solidFill>
@@ -19179,8 +18241,8 @@
         </p:nvCxnSpPr>
         <p:spPr>
           <a:xfrm rot="5400000">
-            <a:off x="2162277" y="2393812"/>
-            <a:ext cx="689979" cy="308532"/>
+            <a:off x="5499457" y="1953332"/>
+            <a:ext cx="252128" cy="1688575"/>
           </a:xfrm>
           <a:prstGeom prst="bentConnector3">
             <a:avLst>
@@ -19199,493 +18261,12 @@
           </a:ln>
         </p:spPr>
       </p:cxnSp>
-      <p:cxnSp>
-        <p:nvCxnSpPr>
-          <p:cNvPr id="28" name="Google Shape;131;p13">
+      <p:sp>
+        <p:nvSpPr>
+          <p:cNvPr id="36" name="Google Shape;111;p13">
             <a:extLst>
               <a:ext uri="{FF2B5EF4-FFF2-40B4-BE49-F238E27FC236}">
-                <a16:creationId xmlns:a16="http://schemas.microsoft.com/office/drawing/2014/main" id="{F5250D97-B73E-44B4-ADD3-7FCA91B4DB09}"/>
-              </a:ext>
-            </a:extLst>
-          </p:cNvPr>
-          <p:cNvCxnSpPr>
-            <a:cxnSpLocks/>
-            <a:stCxn id="37" idx="4"/>
-            <a:endCxn id="30" idx="0"/>
-          </p:cNvCxnSpPr>
-          <p:nvPr/>
-        </p:nvCxnSpPr>
-        <p:spPr>
-          <a:xfrm rot="5400000">
-            <a:off x="6589031" y="2238433"/>
-            <a:ext cx="1151654" cy="565278"/>
-          </a:xfrm>
-          <a:prstGeom prst="bentConnector3">
-            <a:avLst>
-              <a:gd name="adj1" fmla="val 50000"/>
-            </a:avLst>
-          </a:prstGeom>
-          <a:noFill/>
-          <a:ln w="9525" cap="flat" cmpd="sng">
-            <a:solidFill>
-              <a:srgbClr val="FF0000"/>
-            </a:solidFill>
-            <a:prstDash val="solid"/>
-            <a:miter lim="800000"/>
-            <a:headEnd type="none" w="sm" len="sm"/>
-            <a:tailEnd type="triangle" w="med" len="med"/>
-          </a:ln>
-        </p:spPr>
-      </p:cxnSp>
-      <p:grpSp>
-        <p:nvGrpSpPr>
-          <p:cNvPr id="29" name="그룹 28">
-            <a:extLst>
-              <a:ext uri="{FF2B5EF4-FFF2-40B4-BE49-F238E27FC236}">
-                <a16:creationId xmlns:a16="http://schemas.microsoft.com/office/drawing/2014/main" id="{B7640C90-6428-4CAE-9A47-DFA1C9BC2105}"/>
-              </a:ext>
-            </a:extLst>
-          </p:cNvPr>
-          <p:cNvGrpSpPr/>
-          <p:nvPr/>
-        </p:nvGrpSpPr>
-        <p:grpSpPr>
-          <a:xfrm>
-            <a:off x="5969930" y="3096899"/>
-            <a:ext cx="1824577" cy="2385799"/>
-            <a:chOff x="5073037" y="2723028"/>
-            <a:chExt cx="1824577" cy="2385799"/>
-          </a:xfrm>
-        </p:grpSpPr>
-        <p:sp>
-          <p:nvSpPr>
-            <p:cNvPr id="30" name="Google Shape;127;p13">
-              <a:extLst>
-                <a:ext uri="{FF2B5EF4-FFF2-40B4-BE49-F238E27FC236}">
-                  <a16:creationId xmlns:a16="http://schemas.microsoft.com/office/drawing/2014/main" id="{A4A5C158-441C-4070-92C9-A9373B240597}"/>
-                </a:ext>
-              </a:extLst>
-            </p:cNvPr>
-            <p:cNvSpPr/>
-            <p:nvPr/>
-          </p:nvSpPr>
-          <p:spPr>
-            <a:xfrm>
-              <a:off x="5073037" y="2723028"/>
-              <a:ext cx="1824577" cy="2385799"/>
-            </a:xfrm>
-            <a:prstGeom prst="rect">
-              <a:avLst/>
-            </a:prstGeom>
-            <a:solidFill>
-              <a:schemeClr val="lt1"/>
-            </a:solidFill>
-            <a:ln w="12700" cap="flat" cmpd="sng">
-              <a:solidFill>
-                <a:srgbClr val="42719B"/>
-              </a:solidFill>
-              <a:prstDash val="solid"/>
-              <a:miter lim="800000"/>
-              <a:headEnd type="none" w="sm" len="sm"/>
-              <a:tailEnd type="none" w="sm" len="sm"/>
-            </a:ln>
-          </p:spPr>
-          <p:txBody>
-            <a:bodyPr spcFirstLastPara="1" wrap="square" lIns="91425" tIns="45700" rIns="91425" bIns="45700" anchor="ctr" anchorCtr="0">
-              <a:noAutofit/>
-            </a:bodyPr>
-            <a:lstStyle/>
-            <a:p>
-              <a:pPr marL="0" marR="0" lvl="0" indent="0" algn="ctr" rtl="0">
-                <a:spcBef>
-                  <a:spcPts val="0"/>
-                </a:spcBef>
-                <a:spcAft>
-                  <a:spcPts val="0"/>
-                </a:spcAft>
-                <a:buNone/>
-              </a:pPr>
-              <a:endParaRPr sz="1800" b="0" i="0" u="none" strike="noStrike" cap="none">
-                <a:solidFill>
-                  <a:schemeClr val="lt1"/>
-                </a:solidFill>
-                <a:latin typeface="Malgun Gothic"/>
-                <a:ea typeface="Malgun Gothic"/>
-                <a:cs typeface="Malgun Gothic"/>
-                <a:sym typeface="Malgun Gothic"/>
-              </a:endParaRPr>
-            </a:p>
-          </p:txBody>
-        </p:sp>
-        <p:sp>
-          <p:nvSpPr>
-            <p:cNvPr id="31" name="Google Shape;113;p13">
-              <a:extLst>
-                <a:ext uri="{FF2B5EF4-FFF2-40B4-BE49-F238E27FC236}">
-                  <a16:creationId xmlns:a16="http://schemas.microsoft.com/office/drawing/2014/main" id="{9E400C82-7EFF-4954-B1E6-F73FF23DB3D3}"/>
-                </a:ext>
-              </a:extLst>
-            </p:cNvPr>
-            <p:cNvSpPr/>
-            <p:nvPr/>
-          </p:nvSpPr>
-          <p:spPr>
-            <a:xfrm>
-              <a:off x="5771550" y="4635266"/>
-              <a:ext cx="427553" cy="241995"/>
-            </a:xfrm>
-            <a:prstGeom prst="roundRect">
-              <a:avLst>
-                <a:gd name="adj" fmla="val 8776"/>
-              </a:avLst>
-            </a:prstGeom>
-            <a:solidFill>
-              <a:srgbClr val="F2F2F2"/>
-            </a:solidFill>
-            <a:ln w="9525" cap="flat" cmpd="sng">
-              <a:solidFill>
-                <a:srgbClr val="808080"/>
-              </a:solidFill>
-              <a:prstDash val="solid"/>
-              <a:round/>
-              <a:headEnd type="none" w="sm" len="sm"/>
-              <a:tailEnd type="none" w="sm" len="sm"/>
-            </a:ln>
-          </p:spPr>
-          <p:txBody>
-            <a:bodyPr spcFirstLastPara="1" wrap="square" lIns="91425" tIns="45700" rIns="91425" bIns="45700" anchor="ctr" anchorCtr="0">
-              <a:noAutofit/>
-            </a:bodyPr>
-            <a:lstStyle/>
-            <a:p>
-              <a:pPr marL="0" marR="0" lvl="0" indent="0" algn="l" rtl="0">
-                <a:spcBef>
-                  <a:spcPts val="0"/>
-                </a:spcBef>
-                <a:spcAft>
-                  <a:spcPts val="0"/>
-                </a:spcAft>
-                <a:buNone/>
-              </a:pPr>
-              <a:r>
-                <a:rPr lang="ko-KR" altLang="en-US" sz="900" b="0" i="0" u="none" strike="noStrike" cap="none" dirty="0">
-                  <a:solidFill>
-                    <a:srgbClr val="5F5F5F"/>
-                  </a:solidFill>
-                  <a:latin typeface="Quattrocento Sans"/>
-                  <a:ea typeface="Quattrocento Sans"/>
-                  <a:cs typeface="Quattrocento Sans"/>
-                  <a:sym typeface="Quattrocento Sans"/>
-                </a:rPr>
-                <a:t>종료</a:t>
-              </a:r>
-              <a:endParaRPr sz="900" b="0" i="0" u="none" strike="noStrike" cap="none" dirty="0">
-                <a:solidFill>
-                  <a:srgbClr val="5F5F5F"/>
-                </a:solidFill>
-                <a:latin typeface="Quattrocento Sans"/>
-                <a:ea typeface="Quattrocento Sans"/>
-                <a:cs typeface="Quattrocento Sans"/>
-                <a:sym typeface="Quattrocento Sans"/>
-              </a:endParaRPr>
-            </a:p>
-          </p:txBody>
-        </p:sp>
-        <p:sp>
-          <p:nvSpPr>
-            <p:cNvPr id="33" name="Google Shape;535;p24">
-              <a:extLst>
-                <a:ext uri="{FF2B5EF4-FFF2-40B4-BE49-F238E27FC236}">
-                  <a16:creationId xmlns:a16="http://schemas.microsoft.com/office/drawing/2014/main" id="{D43EC0F8-104C-499A-BCF2-615AA650E69E}"/>
-                </a:ext>
-              </a:extLst>
-            </p:cNvPr>
-            <p:cNvSpPr txBox="1"/>
-            <p:nvPr/>
-          </p:nvSpPr>
-          <p:spPr>
-            <a:xfrm>
-              <a:off x="5174941" y="2851926"/>
-              <a:ext cx="1628299" cy="338514"/>
-            </a:xfrm>
-            <a:prstGeom prst="rect">
-              <a:avLst/>
-            </a:prstGeom>
-            <a:noFill/>
-            <a:ln>
-              <a:noFill/>
-            </a:ln>
-          </p:spPr>
-          <p:txBody>
-            <a:bodyPr spcFirstLastPara="1" wrap="square" lIns="91425" tIns="45700" rIns="91425" bIns="45700" anchor="t" anchorCtr="0">
-              <a:spAutoFit/>
-            </a:bodyPr>
-            <a:lstStyle>
-              <a:defPPr marR="0" lvl="0" algn="l" rtl="0">
-                <a:lnSpc>
-                  <a:spcPct val="100000"/>
-                </a:lnSpc>
-                <a:spcBef>
-                  <a:spcPts val="0"/>
-                </a:spcBef>
-                <a:spcAft>
-                  <a:spcPts val="0"/>
-                </a:spcAft>
-              </a:defPPr>
-              <a:lvl1pPr marR="0" lvl="0" algn="l" rtl="0">
-                <a:lnSpc>
-                  <a:spcPct val="100000"/>
-                </a:lnSpc>
-                <a:spcBef>
-                  <a:spcPts val="0"/>
-                </a:spcBef>
-                <a:spcAft>
-                  <a:spcPts val="0"/>
-                </a:spcAft>
-                <a:buClr>
-                  <a:srgbClr val="000000"/>
-                </a:buClr>
-                <a:buFont typeface="Arial"/>
-                <a:defRPr sz="1400" b="0" i="0" u="none" strike="noStrike" cap="none">
-                  <a:solidFill>
-                    <a:srgbClr val="000000"/>
-                  </a:solidFill>
-                  <a:latin typeface="Arial"/>
-                  <a:ea typeface="Arial"/>
-                  <a:cs typeface="Arial"/>
-                  <a:sym typeface="Arial"/>
-                </a:defRPr>
-              </a:lvl1pPr>
-              <a:lvl2pPr marR="0" lvl="1" algn="l" rtl="0">
-                <a:lnSpc>
-                  <a:spcPct val="100000"/>
-                </a:lnSpc>
-                <a:spcBef>
-                  <a:spcPts val="0"/>
-                </a:spcBef>
-                <a:spcAft>
-                  <a:spcPts val="0"/>
-                </a:spcAft>
-                <a:buClr>
-                  <a:srgbClr val="000000"/>
-                </a:buClr>
-                <a:buFont typeface="Arial"/>
-                <a:defRPr sz="1400" b="0" i="0" u="none" strike="noStrike" cap="none">
-                  <a:solidFill>
-                    <a:srgbClr val="000000"/>
-                  </a:solidFill>
-                  <a:latin typeface="Arial"/>
-                  <a:ea typeface="Arial"/>
-                  <a:cs typeface="Arial"/>
-                  <a:sym typeface="Arial"/>
-                </a:defRPr>
-              </a:lvl2pPr>
-              <a:lvl3pPr marR="0" lvl="2" algn="l" rtl="0">
-                <a:lnSpc>
-                  <a:spcPct val="100000"/>
-                </a:lnSpc>
-                <a:spcBef>
-                  <a:spcPts val="0"/>
-                </a:spcBef>
-                <a:spcAft>
-                  <a:spcPts val="0"/>
-                </a:spcAft>
-                <a:buClr>
-                  <a:srgbClr val="000000"/>
-                </a:buClr>
-                <a:buFont typeface="Arial"/>
-                <a:defRPr sz="1400" b="0" i="0" u="none" strike="noStrike" cap="none">
-                  <a:solidFill>
-                    <a:srgbClr val="000000"/>
-                  </a:solidFill>
-                  <a:latin typeface="Arial"/>
-                  <a:ea typeface="Arial"/>
-                  <a:cs typeface="Arial"/>
-                  <a:sym typeface="Arial"/>
-                </a:defRPr>
-              </a:lvl3pPr>
-              <a:lvl4pPr marR="0" lvl="3" algn="l" rtl="0">
-                <a:lnSpc>
-                  <a:spcPct val="100000"/>
-                </a:lnSpc>
-                <a:spcBef>
-                  <a:spcPts val="0"/>
-                </a:spcBef>
-                <a:spcAft>
-                  <a:spcPts val="0"/>
-                </a:spcAft>
-                <a:buClr>
-                  <a:srgbClr val="000000"/>
-                </a:buClr>
-                <a:buFont typeface="Arial"/>
-                <a:defRPr sz="1400" b="0" i="0" u="none" strike="noStrike" cap="none">
-                  <a:solidFill>
-                    <a:srgbClr val="000000"/>
-                  </a:solidFill>
-                  <a:latin typeface="Arial"/>
-                  <a:ea typeface="Arial"/>
-                  <a:cs typeface="Arial"/>
-                  <a:sym typeface="Arial"/>
-                </a:defRPr>
-              </a:lvl4pPr>
-              <a:lvl5pPr marR="0" lvl="4" algn="l" rtl="0">
-                <a:lnSpc>
-                  <a:spcPct val="100000"/>
-                </a:lnSpc>
-                <a:spcBef>
-                  <a:spcPts val="0"/>
-                </a:spcBef>
-                <a:spcAft>
-                  <a:spcPts val="0"/>
-                </a:spcAft>
-                <a:buClr>
-                  <a:srgbClr val="000000"/>
-                </a:buClr>
-                <a:buFont typeface="Arial"/>
-                <a:defRPr sz="1400" b="0" i="0" u="none" strike="noStrike" cap="none">
-                  <a:solidFill>
-                    <a:srgbClr val="000000"/>
-                  </a:solidFill>
-                  <a:latin typeface="Arial"/>
-                  <a:ea typeface="Arial"/>
-                  <a:cs typeface="Arial"/>
-                  <a:sym typeface="Arial"/>
-                </a:defRPr>
-              </a:lvl5pPr>
-              <a:lvl6pPr marR="0" lvl="5" algn="l" rtl="0">
-                <a:lnSpc>
-                  <a:spcPct val="100000"/>
-                </a:lnSpc>
-                <a:spcBef>
-                  <a:spcPts val="0"/>
-                </a:spcBef>
-                <a:spcAft>
-                  <a:spcPts val="0"/>
-                </a:spcAft>
-                <a:buClr>
-                  <a:srgbClr val="000000"/>
-                </a:buClr>
-                <a:buFont typeface="Arial"/>
-                <a:defRPr sz="1400" b="0" i="0" u="none" strike="noStrike" cap="none">
-                  <a:solidFill>
-                    <a:srgbClr val="000000"/>
-                  </a:solidFill>
-                  <a:latin typeface="Arial"/>
-                  <a:ea typeface="Arial"/>
-                  <a:cs typeface="Arial"/>
-                  <a:sym typeface="Arial"/>
-                </a:defRPr>
-              </a:lvl6pPr>
-              <a:lvl7pPr marR="0" lvl="6" algn="l" rtl="0">
-                <a:lnSpc>
-                  <a:spcPct val="100000"/>
-                </a:lnSpc>
-                <a:spcBef>
-                  <a:spcPts val="0"/>
-                </a:spcBef>
-                <a:spcAft>
-                  <a:spcPts val="0"/>
-                </a:spcAft>
-                <a:buClr>
-                  <a:srgbClr val="000000"/>
-                </a:buClr>
-                <a:buFont typeface="Arial"/>
-                <a:defRPr sz="1400" b="0" i="0" u="none" strike="noStrike" cap="none">
-                  <a:solidFill>
-                    <a:srgbClr val="000000"/>
-                  </a:solidFill>
-                  <a:latin typeface="Arial"/>
-                  <a:ea typeface="Arial"/>
-                  <a:cs typeface="Arial"/>
-                  <a:sym typeface="Arial"/>
-                </a:defRPr>
-              </a:lvl7pPr>
-              <a:lvl8pPr marR="0" lvl="7" algn="l" rtl="0">
-                <a:lnSpc>
-                  <a:spcPct val="100000"/>
-                </a:lnSpc>
-                <a:spcBef>
-                  <a:spcPts val="0"/>
-                </a:spcBef>
-                <a:spcAft>
-                  <a:spcPts val="0"/>
-                </a:spcAft>
-                <a:buClr>
-                  <a:srgbClr val="000000"/>
-                </a:buClr>
-                <a:buFont typeface="Arial"/>
-                <a:defRPr sz="1400" b="0" i="0" u="none" strike="noStrike" cap="none">
-                  <a:solidFill>
-                    <a:srgbClr val="000000"/>
-                  </a:solidFill>
-                  <a:latin typeface="Arial"/>
-                  <a:ea typeface="Arial"/>
-                  <a:cs typeface="Arial"/>
-                  <a:sym typeface="Arial"/>
-                </a:defRPr>
-              </a:lvl8pPr>
-              <a:lvl9pPr marR="0" lvl="8" algn="l" rtl="0">
-                <a:lnSpc>
-                  <a:spcPct val="100000"/>
-                </a:lnSpc>
-                <a:spcBef>
-                  <a:spcPts val="0"/>
-                </a:spcBef>
-                <a:spcAft>
-                  <a:spcPts val="0"/>
-                </a:spcAft>
-                <a:buClr>
-                  <a:srgbClr val="000000"/>
-                </a:buClr>
-                <a:buFont typeface="Arial"/>
-                <a:defRPr sz="1400" b="0" i="0" u="none" strike="noStrike" cap="none">
-                  <a:solidFill>
-                    <a:srgbClr val="000000"/>
-                  </a:solidFill>
-                  <a:latin typeface="Arial"/>
-                  <a:ea typeface="Arial"/>
-                  <a:cs typeface="Arial"/>
-                  <a:sym typeface="Arial"/>
-                </a:defRPr>
-              </a:lvl9pPr>
-            </a:lstStyle>
-            <a:p>
-              <a:pPr marL="0" marR="0" lvl="0" indent="0" algn="ctr">
-                <a:spcBef>
-                  <a:spcPts val="0"/>
-                </a:spcBef>
-                <a:spcAft>
-                  <a:spcPts val="0"/>
-                </a:spcAft>
-                <a:buNone/>
-              </a:pPr>
-              <a:r>
-                <a:rPr lang="ko-KR" altLang="en-US" sz="1600" b="1" dirty="0">
-                  <a:solidFill>
-                    <a:schemeClr val="dk1"/>
-                  </a:solidFill>
-                  <a:latin typeface="Malgun Gothic"/>
-                  <a:ea typeface="Malgun Gothic"/>
-                </a:rPr>
-                <a:t>상세 출결 확인</a:t>
-              </a:r>
-              <a:endParaRPr lang="en-US" altLang="ko-KR" sz="1600" b="1" dirty="0">
-                <a:solidFill>
-                  <a:schemeClr val="dk1"/>
-                </a:solidFill>
-                <a:latin typeface="Malgun Gothic"/>
-                <a:ea typeface="Malgun Gothic"/>
-              </a:endParaRPr>
-            </a:p>
-          </p:txBody>
-        </p:sp>
-      </p:grpSp>
-      <p:sp>
-        <p:nvSpPr>
-          <p:cNvPr id="37" name="Google Shape;114;p13">
-            <a:extLst>
-              <a:ext uri="{FF2B5EF4-FFF2-40B4-BE49-F238E27FC236}">
-                <a16:creationId xmlns:a16="http://schemas.microsoft.com/office/drawing/2014/main" id="{A80AEBAD-0B69-4B09-B3DB-9000F07FE848}"/>
+                <a16:creationId xmlns:a16="http://schemas.microsoft.com/office/drawing/2014/main" id="{4019644E-BF79-4879-82A7-EADE4A39CF04}"/>
               </a:ext>
             </a:extLst>
           </p:cNvPr>
@@ -19694,7 +18275,399 @@
         </p:nvSpPr>
         <p:spPr>
           <a:xfrm>
-            <a:off x="7380028" y="1807132"/>
+            <a:off x="6981869" y="1209966"/>
+            <a:ext cx="652582" cy="241995"/>
+          </a:xfrm>
+          <a:prstGeom prst="roundRect">
+            <a:avLst>
+              <a:gd name="adj" fmla="val 8776"/>
+            </a:avLst>
+          </a:prstGeom>
+          <a:solidFill>
+            <a:srgbClr val="F2F2F2"/>
+          </a:solidFill>
+          <a:ln w="9525" cap="flat" cmpd="sng">
+            <a:solidFill>
+              <a:srgbClr val="808080"/>
+            </a:solidFill>
+            <a:prstDash val="solid"/>
+            <a:round/>
+            <a:headEnd type="none" w="sm" len="sm"/>
+            <a:tailEnd type="none" w="sm" len="sm"/>
+          </a:ln>
+        </p:spPr>
+        <p:txBody>
+          <a:bodyPr spcFirstLastPara="1" wrap="square" lIns="91425" tIns="45700" rIns="91425" bIns="45700" anchor="ctr" anchorCtr="0">
+            <a:noAutofit/>
+          </a:bodyPr>
+          <a:lstStyle/>
+          <a:p>
+            <a:pPr marL="0" marR="0" lvl="0" indent="0" algn="l" rtl="0">
+              <a:spcBef>
+                <a:spcPts val="0"/>
+              </a:spcBef>
+              <a:spcAft>
+                <a:spcPts val="0"/>
+              </a:spcAft>
+              <a:buNone/>
+            </a:pPr>
+            <a:r>
+              <a:rPr lang="ko-KR" altLang="en-US" sz="900" dirty="0">
+                <a:solidFill>
+                  <a:srgbClr val="5F5F5F"/>
+                </a:solidFill>
+                <a:latin typeface="Quattrocento Sans"/>
+                <a:ea typeface="Quattrocento Sans"/>
+                <a:cs typeface="Quattrocento Sans"/>
+              </a:rPr>
+              <a:t>로그아웃</a:t>
+            </a:r>
+            <a:endParaRPr lang="ko-KR" altLang="en-US" sz="900" b="0" i="0" u="none" strike="noStrike" cap="none" dirty="0">
+              <a:solidFill>
+                <a:srgbClr val="5F5F5F"/>
+              </a:solidFill>
+              <a:latin typeface="Quattrocento Sans"/>
+              <a:ea typeface="Quattrocento Sans"/>
+              <a:cs typeface="Quattrocento Sans"/>
+            </a:endParaRPr>
+          </a:p>
+        </p:txBody>
+      </p:sp>
+      <p:sp>
+        <p:nvSpPr>
+          <p:cNvPr id="38" name="Google Shape;111;p13">
+            <a:extLst>
+              <a:ext uri="{FF2B5EF4-FFF2-40B4-BE49-F238E27FC236}">
+                <a16:creationId xmlns:a16="http://schemas.microsoft.com/office/drawing/2014/main" id="{411B65FD-B39A-4F42-8962-B91DBA3AF411}"/>
+              </a:ext>
+            </a:extLst>
+          </p:cNvPr>
+          <p:cNvSpPr/>
+          <p:nvPr/>
+        </p:nvSpPr>
+        <p:spPr>
+          <a:xfrm>
+            <a:off x="6206062" y="1213045"/>
+            <a:ext cx="730564" cy="241995"/>
+          </a:xfrm>
+          <a:prstGeom prst="roundRect">
+            <a:avLst>
+              <a:gd name="adj" fmla="val 8776"/>
+            </a:avLst>
+          </a:prstGeom>
+          <a:solidFill>
+            <a:srgbClr val="F2F2F2"/>
+          </a:solidFill>
+          <a:ln w="9525" cap="flat" cmpd="sng">
+            <a:solidFill>
+              <a:srgbClr val="808080"/>
+            </a:solidFill>
+            <a:prstDash val="solid"/>
+            <a:round/>
+            <a:headEnd type="none" w="sm" len="sm"/>
+            <a:tailEnd type="none" w="sm" len="sm"/>
+          </a:ln>
+        </p:spPr>
+        <p:txBody>
+          <a:bodyPr spcFirstLastPara="1" wrap="square" lIns="91425" tIns="45700" rIns="91425" bIns="45700" anchor="ctr" anchorCtr="0">
+            <a:noAutofit/>
+          </a:bodyPr>
+          <a:lstStyle/>
+          <a:p>
+            <a:pPr algn="ctr"/>
+            <a:r>
+              <a:rPr lang="ko-KR" altLang="en-US" sz="900" dirty="0">
+                <a:solidFill>
+                  <a:srgbClr val="5F5F5F"/>
+                </a:solidFill>
+                <a:latin typeface="Quattrocento Sans"/>
+                <a:ea typeface="Quattrocento Sans"/>
+                <a:cs typeface="Quattrocento Sans"/>
+              </a:rPr>
+              <a:t>출석확인</a:t>
+            </a:r>
+            <a:endParaRPr lang="ko-KR" sz="900" dirty="0">
+              <a:solidFill>
+                <a:srgbClr val="5F5F5F"/>
+              </a:solidFill>
+              <a:latin typeface="Quattrocento Sans"/>
+              <a:ea typeface="Quattrocento Sans"/>
+              <a:cs typeface="Quattrocento Sans"/>
+            </a:endParaRPr>
+          </a:p>
+        </p:txBody>
+      </p:sp>
+      <p:sp>
+        <p:nvSpPr>
+          <p:cNvPr id="39" name="Google Shape;111;p13">
+            <a:extLst>
+              <a:ext uri="{FF2B5EF4-FFF2-40B4-BE49-F238E27FC236}">
+                <a16:creationId xmlns:a16="http://schemas.microsoft.com/office/drawing/2014/main" id="{DABF1690-6102-44C1-B06D-8CC992E1B3D5}"/>
+              </a:ext>
+            </a:extLst>
+          </p:cNvPr>
+          <p:cNvSpPr/>
+          <p:nvPr/>
+        </p:nvSpPr>
+        <p:spPr>
+          <a:xfrm>
+            <a:off x="6019301" y="2289330"/>
+            <a:ext cx="730564" cy="241995"/>
+          </a:xfrm>
+          <a:prstGeom prst="roundRect">
+            <a:avLst>
+              <a:gd name="adj" fmla="val 8776"/>
+            </a:avLst>
+          </a:prstGeom>
+          <a:solidFill>
+            <a:srgbClr val="F2F2F2"/>
+          </a:solidFill>
+          <a:ln w="9525" cap="flat" cmpd="sng">
+            <a:solidFill>
+              <a:srgbClr val="808080"/>
+            </a:solidFill>
+            <a:prstDash val="solid"/>
+            <a:round/>
+            <a:headEnd type="none" w="sm" len="sm"/>
+            <a:tailEnd type="none" w="sm" len="sm"/>
+          </a:ln>
+        </p:spPr>
+        <p:txBody>
+          <a:bodyPr spcFirstLastPara="1" wrap="square" lIns="91425" tIns="45700" rIns="91425" bIns="45700" anchor="ctr" anchorCtr="0">
+            <a:noAutofit/>
+          </a:bodyPr>
+          <a:lstStyle/>
+          <a:p>
+            <a:pPr algn="ctr"/>
+            <a:r>
+              <a:rPr lang="ko-KR" altLang="en-US" sz="900" dirty="0">
+                <a:solidFill>
+                  <a:srgbClr val="5F5F5F"/>
+                </a:solidFill>
+                <a:latin typeface="Quattrocento Sans"/>
+                <a:ea typeface="Quattrocento Sans"/>
+                <a:cs typeface="Quattrocento Sans"/>
+              </a:rPr>
+              <a:t>출석 체크</a:t>
+            </a:r>
+            <a:endParaRPr lang="en-US" altLang="ko-KR" sz="900" dirty="0">
+              <a:solidFill>
+                <a:srgbClr val="5F5F5F"/>
+              </a:solidFill>
+              <a:latin typeface="Quattrocento Sans"/>
+              <a:ea typeface="Quattrocento Sans"/>
+              <a:cs typeface="Quattrocento Sans"/>
+            </a:endParaRPr>
+          </a:p>
+        </p:txBody>
+      </p:sp>
+      <p:sp>
+        <p:nvSpPr>
+          <p:cNvPr id="42" name="Google Shape;111;p13">
+            <a:extLst>
+              <a:ext uri="{FF2B5EF4-FFF2-40B4-BE49-F238E27FC236}">
+                <a16:creationId xmlns:a16="http://schemas.microsoft.com/office/drawing/2014/main" id="{5ED4DB5C-DDF0-4AA2-9919-5039A683A1BB}"/>
+              </a:ext>
+            </a:extLst>
+          </p:cNvPr>
+          <p:cNvSpPr/>
+          <p:nvPr/>
+        </p:nvSpPr>
+        <p:spPr>
+          <a:xfrm>
+            <a:off x="6019301" y="3223162"/>
+            <a:ext cx="730564" cy="241995"/>
+          </a:xfrm>
+          <a:prstGeom prst="roundRect">
+            <a:avLst>
+              <a:gd name="adj" fmla="val 8776"/>
+            </a:avLst>
+          </a:prstGeom>
+          <a:solidFill>
+            <a:srgbClr val="F2F2F2"/>
+          </a:solidFill>
+          <a:ln w="9525" cap="flat" cmpd="sng">
+            <a:solidFill>
+              <a:srgbClr val="808080"/>
+            </a:solidFill>
+            <a:prstDash val="solid"/>
+            <a:round/>
+            <a:headEnd type="none" w="sm" len="sm"/>
+            <a:tailEnd type="none" w="sm" len="sm"/>
+          </a:ln>
+        </p:spPr>
+        <p:txBody>
+          <a:bodyPr spcFirstLastPara="1" wrap="square" lIns="91425" tIns="45700" rIns="91425" bIns="45700" anchor="ctr" anchorCtr="0">
+            <a:noAutofit/>
+          </a:bodyPr>
+          <a:lstStyle/>
+          <a:p>
+            <a:pPr algn="ctr"/>
+            <a:r>
+              <a:rPr lang="ko-KR" altLang="en-US" sz="900" dirty="0">
+                <a:solidFill>
+                  <a:srgbClr val="5F5F5F"/>
+                </a:solidFill>
+                <a:latin typeface="Quattrocento Sans"/>
+                <a:ea typeface="Quattrocento Sans"/>
+                <a:cs typeface="Quattrocento Sans"/>
+              </a:rPr>
+              <a:t>출석 체크</a:t>
+            </a:r>
+            <a:endParaRPr lang="en-US" altLang="ko-KR" sz="900" dirty="0">
+              <a:solidFill>
+                <a:srgbClr val="5F5F5F"/>
+              </a:solidFill>
+              <a:latin typeface="Quattrocento Sans"/>
+              <a:ea typeface="Quattrocento Sans"/>
+              <a:cs typeface="Quattrocento Sans"/>
+            </a:endParaRPr>
+          </a:p>
+        </p:txBody>
+      </p:sp>
+      <p:sp>
+        <p:nvSpPr>
+          <p:cNvPr id="45" name="Google Shape;111;p13">
+            <a:extLst>
+              <a:ext uri="{FF2B5EF4-FFF2-40B4-BE49-F238E27FC236}">
+                <a16:creationId xmlns:a16="http://schemas.microsoft.com/office/drawing/2014/main" id="{047773F3-196A-4D7C-9F6C-DA14BC014D3D}"/>
+              </a:ext>
+            </a:extLst>
+          </p:cNvPr>
+          <p:cNvSpPr/>
+          <p:nvPr/>
+        </p:nvSpPr>
+        <p:spPr>
+          <a:xfrm>
+            <a:off x="6028179" y="4095896"/>
+            <a:ext cx="730564" cy="241995"/>
+          </a:xfrm>
+          <a:prstGeom prst="roundRect">
+            <a:avLst>
+              <a:gd name="adj" fmla="val 8776"/>
+            </a:avLst>
+          </a:prstGeom>
+          <a:solidFill>
+            <a:srgbClr val="F2F2F2"/>
+          </a:solidFill>
+          <a:ln w="9525" cap="flat" cmpd="sng">
+            <a:solidFill>
+              <a:srgbClr val="808080"/>
+            </a:solidFill>
+            <a:prstDash val="solid"/>
+            <a:round/>
+            <a:headEnd type="none" w="sm" len="sm"/>
+            <a:tailEnd type="none" w="sm" len="sm"/>
+          </a:ln>
+        </p:spPr>
+        <p:txBody>
+          <a:bodyPr spcFirstLastPara="1" wrap="square" lIns="91425" tIns="45700" rIns="91425" bIns="45700" anchor="ctr" anchorCtr="0">
+            <a:noAutofit/>
+          </a:bodyPr>
+          <a:lstStyle/>
+          <a:p>
+            <a:pPr algn="ctr"/>
+            <a:r>
+              <a:rPr lang="ko-KR" altLang="en-US" sz="900" dirty="0">
+                <a:solidFill>
+                  <a:srgbClr val="5F5F5F"/>
+                </a:solidFill>
+                <a:latin typeface="Quattrocento Sans"/>
+                <a:ea typeface="Quattrocento Sans"/>
+                <a:cs typeface="Quattrocento Sans"/>
+              </a:rPr>
+              <a:t>출석 체크</a:t>
+            </a:r>
+            <a:endParaRPr lang="en-US" altLang="ko-KR" sz="900" dirty="0">
+              <a:solidFill>
+                <a:srgbClr val="5F5F5F"/>
+              </a:solidFill>
+              <a:latin typeface="Quattrocento Sans"/>
+              <a:ea typeface="Quattrocento Sans"/>
+              <a:cs typeface="Quattrocento Sans"/>
+            </a:endParaRPr>
+          </a:p>
+        </p:txBody>
+      </p:sp>
+      <p:sp>
+        <p:nvSpPr>
+          <p:cNvPr id="46" name="Google Shape;111;p13">
+            <a:extLst>
+              <a:ext uri="{FF2B5EF4-FFF2-40B4-BE49-F238E27FC236}">
+                <a16:creationId xmlns:a16="http://schemas.microsoft.com/office/drawing/2014/main" id="{343E9C1A-0042-4E06-B542-1499464C097E}"/>
+              </a:ext>
+            </a:extLst>
+          </p:cNvPr>
+          <p:cNvSpPr/>
+          <p:nvPr/>
+        </p:nvSpPr>
+        <p:spPr>
+          <a:xfrm>
+            <a:off x="6037057" y="5011972"/>
+            <a:ext cx="730564" cy="241995"/>
+          </a:xfrm>
+          <a:prstGeom prst="roundRect">
+            <a:avLst>
+              <a:gd name="adj" fmla="val 8776"/>
+            </a:avLst>
+          </a:prstGeom>
+          <a:solidFill>
+            <a:srgbClr val="F2F2F2"/>
+          </a:solidFill>
+          <a:ln w="9525" cap="flat" cmpd="sng">
+            <a:solidFill>
+              <a:srgbClr val="808080"/>
+            </a:solidFill>
+            <a:prstDash val="solid"/>
+            <a:round/>
+            <a:headEnd type="none" w="sm" len="sm"/>
+            <a:tailEnd type="none" w="sm" len="sm"/>
+          </a:ln>
+        </p:spPr>
+        <p:txBody>
+          <a:bodyPr spcFirstLastPara="1" wrap="square" lIns="91425" tIns="45700" rIns="91425" bIns="45700" anchor="ctr" anchorCtr="0">
+            <a:noAutofit/>
+          </a:bodyPr>
+          <a:lstStyle/>
+          <a:p>
+            <a:pPr algn="ctr"/>
+            <a:r>
+              <a:rPr lang="ko-KR" altLang="en-US" sz="900" dirty="0">
+                <a:solidFill>
+                  <a:srgbClr val="5F5F5F"/>
+                </a:solidFill>
+                <a:latin typeface="Quattrocento Sans"/>
+                <a:ea typeface="Quattrocento Sans"/>
+                <a:cs typeface="Quattrocento Sans"/>
+              </a:rPr>
+              <a:t>출석 체크</a:t>
+            </a:r>
+            <a:endParaRPr lang="en-US" altLang="ko-KR" sz="900" dirty="0">
+              <a:solidFill>
+                <a:srgbClr val="5F5F5F"/>
+              </a:solidFill>
+              <a:latin typeface="Quattrocento Sans"/>
+              <a:ea typeface="Quattrocento Sans"/>
+              <a:cs typeface="Quattrocento Sans"/>
+            </a:endParaRPr>
+          </a:p>
+        </p:txBody>
+      </p:sp>
+      <p:sp>
+        <p:nvSpPr>
+          <p:cNvPr id="47" name="Google Shape;114;p13">
+            <a:extLst>
+              <a:ext uri="{FF2B5EF4-FFF2-40B4-BE49-F238E27FC236}">
+                <a16:creationId xmlns:a16="http://schemas.microsoft.com/office/drawing/2014/main" id="{325C4334-1260-488A-848D-DCA360CA392E}"/>
+              </a:ext>
+            </a:extLst>
+          </p:cNvPr>
+          <p:cNvSpPr/>
+          <p:nvPr/>
+        </p:nvSpPr>
+        <p:spPr>
+          <a:xfrm>
+            <a:off x="6571344" y="1398442"/>
             <a:ext cx="134937" cy="138113"/>
           </a:xfrm>
           <a:prstGeom prst="ellipse">
@@ -19745,6 +18718,317 @@
                 <a:cs typeface="Malgun Gothic"/>
                 <a:sym typeface="Malgun Gothic"/>
               </a:rPr>
+              <a:t>5</a:t>
+            </a:r>
+            <a:endParaRPr sz="1000" b="1" i="0" u="none" strike="noStrike" cap="none" dirty="0">
+              <a:solidFill>
+                <a:schemeClr val="lt1"/>
+              </a:solidFill>
+              <a:latin typeface="Malgun Gothic"/>
+              <a:ea typeface="Malgun Gothic"/>
+              <a:cs typeface="Malgun Gothic"/>
+              <a:sym typeface="Malgun Gothic"/>
+            </a:endParaRPr>
+          </a:p>
+        </p:txBody>
+      </p:sp>
+      <p:sp>
+        <p:nvSpPr>
+          <p:cNvPr id="48" name="Google Shape;114;p13">
+            <a:extLst>
+              <a:ext uri="{FF2B5EF4-FFF2-40B4-BE49-F238E27FC236}">
+                <a16:creationId xmlns:a16="http://schemas.microsoft.com/office/drawing/2014/main" id="{81C6508A-8563-413C-9CD6-28EC55ED1E1D}"/>
+              </a:ext>
+            </a:extLst>
+          </p:cNvPr>
+          <p:cNvSpPr/>
+          <p:nvPr/>
+        </p:nvSpPr>
+        <p:spPr>
+          <a:xfrm>
+            <a:off x="7228675" y="1382904"/>
+            <a:ext cx="134937" cy="138113"/>
+          </a:xfrm>
+          <a:prstGeom prst="ellipse">
+            <a:avLst/>
+          </a:prstGeom>
+          <a:solidFill>
+            <a:srgbClr val="D60C0C"/>
+          </a:solidFill>
+          <a:ln w="19050" cap="flat" cmpd="sng">
+            <a:solidFill>
+              <a:schemeClr val="lt1"/>
+            </a:solidFill>
+            <a:prstDash val="solid"/>
+            <a:miter lim="800000"/>
+            <a:headEnd type="none" w="sm" len="sm"/>
+            <a:tailEnd type="none" w="sm" len="sm"/>
+          </a:ln>
+          <a:effectLst>
+            <a:outerShdw blurRad="50800" dist="38100" dir="2700000" algn="tl" rotWithShape="0">
+              <a:srgbClr val="000000">
+                <a:alpha val="40000"/>
+              </a:srgbClr>
+            </a:outerShdw>
+          </a:effectLst>
+        </p:spPr>
+        <p:txBody>
+          <a:bodyPr spcFirstLastPara="1" wrap="square" lIns="91425" tIns="45700" rIns="91425" bIns="45700" anchor="ctr" anchorCtr="0">
+            <a:noAutofit/>
+          </a:bodyPr>
+          <a:lstStyle/>
+          <a:p>
+            <a:pPr marL="0" marR="0" lvl="0" indent="0" algn="ctr" rtl="0">
+              <a:spcBef>
+                <a:spcPts val="0"/>
+              </a:spcBef>
+              <a:spcAft>
+                <a:spcPts val="0"/>
+              </a:spcAft>
+              <a:buNone/>
+            </a:pPr>
+            <a:r>
+              <a:rPr lang="en-US" altLang="ko-KR" sz="1000" b="1" dirty="0">
+                <a:solidFill>
+                  <a:schemeClr val="lt1"/>
+                </a:solidFill>
+                <a:latin typeface="Malgun Gothic"/>
+                <a:ea typeface="Malgun Gothic"/>
+                <a:cs typeface="Malgun Gothic"/>
+                <a:sym typeface="Malgun Gothic"/>
+              </a:rPr>
+              <a:t>6</a:t>
+            </a:r>
+            <a:endParaRPr sz="1000" b="1" i="0" u="none" strike="noStrike" cap="none" dirty="0">
+              <a:solidFill>
+                <a:schemeClr val="lt1"/>
+              </a:solidFill>
+              <a:latin typeface="Malgun Gothic"/>
+              <a:ea typeface="Malgun Gothic"/>
+              <a:cs typeface="Malgun Gothic"/>
+              <a:sym typeface="Malgun Gothic"/>
+            </a:endParaRPr>
+          </a:p>
+        </p:txBody>
+      </p:sp>
+      <p:sp>
+        <p:nvSpPr>
+          <p:cNvPr id="49" name="Google Shape;113;p13">
+            <a:extLst>
+              <a:ext uri="{FF2B5EF4-FFF2-40B4-BE49-F238E27FC236}">
+                <a16:creationId xmlns:a16="http://schemas.microsoft.com/office/drawing/2014/main" id="{6F26D73A-3D51-4E81-8D74-BE73B3D14D9B}"/>
+              </a:ext>
+            </a:extLst>
+          </p:cNvPr>
+          <p:cNvSpPr/>
+          <p:nvPr/>
+        </p:nvSpPr>
+        <p:spPr>
+          <a:xfrm>
+            <a:off x="4013920" y="5160031"/>
+            <a:ext cx="427553" cy="241995"/>
+          </a:xfrm>
+          <a:prstGeom prst="roundRect">
+            <a:avLst>
+              <a:gd name="adj" fmla="val 8776"/>
+            </a:avLst>
+          </a:prstGeom>
+          <a:solidFill>
+            <a:srgbClr val="F2F2F2"/>
+          </a:solidFill>
+          <a:ln w="9525" cap="flat" cmpd="sng">
+            <a:solidFill>
+              <a:srgbClr val="808080"/>
+            </a:solidFill>
+            <a:prstDash val="solid"/>
+            <a:round/>
+            <a:headEnd type="none" w="sm" len="sm"/>
+            <a:tailEnd type="none" w="sm" len="sm"/>
+          </a:ln>
+        </p:spPr>
+        <p:txBody>
+          <a:bodyPr spcFirstLastPara="1" wrap="square" lIns="91425" tIns="45700" rIns="91425" bIns="45700" anchor="ctr" anchorCtr="0">
+            <a:noAutofit/>
+          </a:bodyPr>
+          <a:lstStyle/>
+          <a:p>
+            <a:pPr marL="0" marR="0" lvl="0" indent="0" algn="l" rtl="0">
+              <a:spcBef>
+                <a:spcPts val="0"/>
+              </a:spcBef>
+              <a:spcAft>
+                <a:spcPts val="0"/>
+              </a:spcAft>
+              <a:buNone/>
+            </a:pPr>
+            <a:r>
+              <a:rPr lang="ko-KR" altLang="en-US" sz="900" b="0" i="0" u="none" strike="noStrike" cap="none" dirty="0">
+                <a:solidFill>
+                  <a:srgbClr val="5F5F5F"/>
+                </a:solidFill>
+                <a:latin typeface="Quattrocento Sans"/>
+                <a:ea typeface="Quattrocento Sans"/>
+                <a:cs typeface="Quattrocento Sans"/>
+                <a:sym typeface="Quattrocento Sans"/>
+              </a:rPr>
+              <a:t>출석</a:t>
+            </a:r>
+            <a:endParaRPr sz="900" b="0" i="0" u="none" strike="noStrike" cap="none" dirty="0">
+              <a:solidFill>
+                <a:srgbClr val="5F5F5F"/>
+              </a:solidFill>
+              <a:latin typeface="Quattrocento Sans"/>
+              <a:ea typeface="Quattrocento Sans"/>
+              <a:cs typeface="Quattrocento Sans"/>
+              <a:sym typeface="Quattrocento Sans"/>
+            </a:endParaRPr>
+          </a:p>
+        </p:txBody>
+      </p:sp>
+      <p:sp>
+        <p:nvSpPr>
+          <p:cNvPr id="50" name="Google Shape;274;p17">
+            <a:extLst>
+              <a:ext uri="{FF2B5EF4-FFF2-40B4-BE49-F238E27FC236}">
+                <a16:creationId xmlns:a16="http://schemas.microsoft.com/office/drawing/2014/main" id="{2EFAE25A-316B-4DCD-92D6-B59F4FFDA122}"/>
+              </a:ext>
+            </a:extLst>
+          </p:cNvPr>
+          <p:cNvSpPr/>
+          <p:nvPr/>
+        </p:nvSpPr>
+        <p:spPr>
+          <a:xfrm>
+            <a:off x="4435147" y="5018969"/>
+            <a:ext cx="134937" cy="138113"/>
+          </a:xfrm>
+          <a:prstGeom prst="ellipse">
+            <a:avLst/>
+          </a:prstGeom>
+          <a:solidFill>
+            <a:srgbClr val="D60C0C"/>
+          </a:solidFill>
+          <a:ln w="19050" cap="flat" cmpd="sng">
+            <a:solidFill>
+              <a:schemeClr val="lt1"/>
+            </a:solidFill>
+            <a:prstDash val="solid"/>
+            <a:miter lim="800000"/>
+            <a:headEnd type="none" w="sm" len="sm"/>
+            <a:tailEnd type="none" w="sm" len="sm"/>
+          </a:ln>
+          <a:effectLst>
+            <a:outerShdw blurRad="50800" dist="38100" dir="2700000" algn="tl" rotWithShape="0">
+              <a:srgbClr val="000000">
+                <a:alpha val="40000"/>
+              </a:srgbClr>
+            </a:outerShdw>
+          </a:effectLst>
+        </p:spPr>
+        <p:txBody>
+          <a:bodyPr spcFirstLastPara="1" wrap="square" lIns="91425" tIns="45700" rIns="91425" bIns="45700" anchor="ctr" anchorCtr="0">
+            <a:noAutofit/>
+          </a:bodyPr>
+          <a:lstStyle/>
+          <a:p>
+            <a:pPr marL="0" marR="0" lvl="0" indent="0" algn="ctr" rtl="0">
+              <a:spcBef>
+                <a:spcPts val="0"/>
+              </a:spcBef>
+              <a:spcAft>
+                <a:spcPts val="0"/>
+              </a:spcAft>
+              <a:buNone/>
+            </a:pPr>
+            <a:r>
+              <a:rPr lang="en-US" altLang="ko-KR" sz="1000" b="1" dirty="0">
+                <a:solidFill>
+                  <a:schemeClr val="lt1"/>
+                </a:solidFill>
+                <a:latin typeface="Malgun Gothic"/>
+                <a:ea typeface="Malgun Gothic"/>
+                <a:cs typeface="Malgun Gothic"/>
+                <a:sym typeface="Malgun Gothic"/>
+              </a:rPr>
+              <a:t>3</a:t>
+            </a:r>
+            <a:endParaRPr sz="1000" b="1" i="0" u="none" strike="noStrike" cap="none" dirty="0">
+              <a:solidFill>
+                <a:schemeClr val="lt1"/>
+              </a:solidFill>
+              <a:latin typeface="Malgun Gothic"/>
+              <a:ea typeface="Malgun Gothic"/>
+              <a:cs typeface="Malgun Gothic"/>
+              <a:sym typeface="Malgun Gothic"/>
+            </a:endParaRPr>
+          </a:p>
+        </p:txBody>
+      </p:sp>
+      <p:sp>
+        <p:nvSpPr>
+          <p:cNvPr id="51" name="Google Shape;274;p17">
+            <a:extLst>
+              <a:ext uri="{FF2B5EF4-FFF2-40B4-BE49-F238E27FC236}">
+                <a16:creationId xmlns:a16="http://schemas.microsoft.com/office/drawing/2014/main" id="{132F7AA5-0820-430B-843F-14A4FE9F8787}"/>
+              </a:ext>
+            </a:extLst>
+          </p:cNvPr>
+          <p:cNvSpPr/>
+          <p:nvPr/>
+        </p:nvSpPr>
+        <p:spPr>
+          <a:xfrm>
+            <a:off x="5084957" y="5020575"/>
+            <a:ext cx="134937" cy="138113"/>
+          </a:xfrm>
+          <a:prstGeom prst="ellipse">
+            <a:avLst/>
+          </a:prstGeom>
+          <a:solidFill>
+            <a:srgbClr val="D60C0C"/>
+          </a:solidFill>
+          <a:ln w="19050" cap="flat" cmpd="sng">
+            <a:solidFill>
+              <a:schemeClr val="lt1"/>
+            </a:solidFill>
+            <a:prstDash val="solid"/>
+            <a:miter lim="800000"/>
+            <a:headEnd type="none" w="sm" len="sm"/>
+            <a:tailEnd type="none" w="sm" len="sm"/>
+          </a:ln>
+          <a:effectLst>
+            <a:outerShdw blurRad="50800" dist="38100" dir="2700000" algn="tl" rotWithShape="0">
+              <a:srgbClr val="000000">
+                <a:alpha val="40000"/>
+              </a:srgbClr>
+            </a:outerShdw>
+          </a:effectLst>
+        </p:spPr>
+        <p:txBody>
+          <a:bodyPr spcFirstLastPara="1" wrap="square" lIns="91425" tIns="45700" rIns="91425" bIns="45700" anchor="ctr" anchorCtr="0">
+            <a:noAutofit/>
+          </a:bodyPr>
+          <a:lstStyle/>
+          <a:p>
+            <a:pPr marL="0" marR="0" lvl="0" indent="0" algn="ctr" rtl="0">
+              <a:spcBef>
+                <a:spcPts val="0"/>
+              </a:spcBef>
+              <a:spcAft>
+                <a:spcPts val="0"/>
+              </a:spcAft>
+              <a:buNone/>
+            </a:pPr>
+            <a:r>
+              <a:rPr lang="en-US" altLang="ko-KR" sz="1000" b="1" dirty="0">
+                <a:solidFill>
+                  <a:schemeClr val="lt1"/>
+                </a:solidFill>
+                <a:latin typeface="Malgun Gothic"/>
+                <a:ea typeface="Malgun Gothic"/>
+                <a:cs typeface="Malgun Gothic"/>
+                <a:sym typeface="Malgun Gothic"/>
+              </a:rPr>
               <a:t>4</a:t>
             </a:r>
             <a:endParaRPr sz="1000" b="1" i="0" u="none" strike="noStrike" cap="none" dirty="0">
@@ -19759,12 +19043,542 @@
           </a:p>
         </p:txBody>
       </p:sp>
+    </p:spTree>
+    <p:extLst>
+      <p:ext uri="{BB962C8B-B14F-4D97-AF65-F5344CB8AC3E}">
+        <p14:creationId xmlns:p14="http://schemas.microsoft.com/office/powerpoint/2010/main" val="3493351249"/>
+      </p:ext>
+    </p:extLst>
+  </p:cSld>
+  <p:clrMapOvr>
+    <a:masterClrMapping/>
+  </p:clrMapOvr>
+</p:sld>
+</file>
+
+<file path=ppt/slides/slide8.xml><?xml version="1.0" encoding="utf-8"?>
+<p:sld xmlns:a="http://schemas.openxmlformats.org/drawingml/2006/main" xmlns:r="http://schemas.openxmlformats.org/officeDocument/2006/relationships" xmlns:p="http://schemas.openxmlformats.org/presentationml/2006/main">
+  <p:cSld>
+    <p:spTree>
+      <p:nvGrpSpPr>
+        <p:cNvPr id="1" name="Shape 73"/>
+        <p:cNvGrpSpPr/>
+        <p:nvPr/>
+      </p:nvGrpSpPr>
+      <p:grpSpPr>
+        <a:xfrm>
+          <a:off x="0" y="0"/>
+          <a:ext cx="0" cy="0"/>
+          <a:chOff x="0" y="0"/>
+          <a:chExt cx="0" cy="0"/>
+        </a:xfrm>
+      </p:grpSpPr>
+      <p:sp>
+        <p:nvSpPr>
+          <p:cNvPr id="74" name="Google Shape;74;p12"/>
+          <p:cNvSpPr/>
+          <p:nvPr/>
+        </p:nvSpPr>
+        <p:spPr>
+          <a:xfrm>
+            <a:off x="1517651" y="184150"/>
+            <a:ext cx="8188325" cy="212725"/>
+          </a:xfrm>
+          <a:prstGeom prst="rect">
+            <a:avLst/>
+          </a:prstGeom>
+          <a:noFill/>
+          <a:ln>
+            <a:noFill/>
+          </a:ln>
+        </p:spPr>
+        <p:txBody>
+          <a:bodyPr spcFirstLastPara="1" wrap="square" lIns="36000" tIns="72000" rIns="36000" bIns="36000" anchor="ctr" anchorCtr="0">
+            <a:noAutofit/>
+          </a:bodyPr>
+          <a:lstStyle/>
+          <a:p>
+            <a:pPr>
+              <a:lnSpc>
+                <a:spcPct val="90000"/>
+              </a:lnSpc>
+            </a:pPr>
+            <a:r>
+              <a:rPr lang="ko-KR" altLang="en-US" sz="900" dirty="0">
+                <a:solidFill>
+                  <a:schemeClr val="dk1"/>
+                </a:solidFill>
+                <a:latin typeface="Malgun Gothic"/>
+                <a:ea typeface="Malgun Gothic"/>
+                <a:cs typeface="Malgun Gothic"/>
+                <a:sym typeface="Malgun Gothic"/>
+              </a:rPr>
+              <a:t>학생 회원가입</a:t>
+            </a:r>
+            <a:endParaRPr lang="ko-KR" altLang="en-US" sz="900" dirty="0">
+              <a:solidFill>
+                <a:schemeClr val="dk1"/>
+              </a:solidFill>
+              <a:latin typeface="Malgun Gothic"/>
+              <a:ea typeface="Malgun Gothic"/>
+            </a:endParaRPr>
+          </a:p>
+        </p:txBody>
+      </p:sp>
+      <p:sp>
+        <p:nvSpPr>
+          <p:cNvPr id="75" name="Google Shape;75;p12"/>
+          <p:cNvSpPr/>
+          <p:nvPr/>
+        </p:nvSpPr>
+        <p:spPr>
+          <a:xfrm>
+            <a:off x="1517651" y="427038"/>
+            <a:ext cx="3221037" cy="211137"/>
+          </a:xfrm>
+          <a:prstGeom prst="rect">
+            <a:avLst/>
+          </a:prstGeom>
+          <a:noFill/>
+          <a:ln>
+            <a:noFill/>
+          </a:ln>
+        </p:spPr>
+        <p:txBody>
+          <a:bodyPr spcFirstLastPara="1" wrap="square" lIns="36000" tIns="45700" rIns="36000" bIns="45700" anchor="ctr" anchorCtr="0">
+            <a:noAutofit/>
+          </a:bodyPr>
+          <a:lstStyle/>
+          <a:p>
+            <a:pPr>
+              <a:lnSpc>
+                <a:spcPct val="90000"/>
+              </a:lnSpc>
+              <a:buClr>
+                <a:schemeClr val="dk1"/>
+              </a:buClr>
+              <a:buSzPts val="900"/>
+            </a:pPr>
+            <a:r>
+              <a:rPr lang="ko-KR" altLang="en-US" sz="900" dirty="0">
+                <a:solidFill>
+                  <a:schemeClr val="dk1"/>
+                </a:solidFill>
+                <a:latin typeface="Malgun Gothic"/>
+                <a:ea typeface="Malgun Gothic"/>
+                <a:cs typeface="Malgun Gothic"/>
+                <a:sym typeface="Malgun Gothic"/>
+              </a:rPr>
+              <a:t>출결 확인 및 상태 </a:t>
+            </a:r>
+            <a:r>
+              <a:rPr lang="ko-KR" altLang="en-US" sz="900" dirty="0">
+                <a:solidFill>
+                  <a:schemeClr val="dk1"/>
+                </a:solidFill>
+                <a:latin typeface="Malgun Gothic"/>
+                <a:ea typeface="Malgun Gothic"/>
+                <a:sym typeface="Malgun Gothic"/>
+              </a:rPr>
+              <a:t>화면</a:t>
+            </a:r>
+            <a:endParaRPr dirty="0" err="1">
+              <a:solidFill>
+                <a:schemeClr val="dk1"/>
+              </a:solidFill>
+            </a:endParaRPr>
+          </a:p>
+        </p:txBody>
+      </p:sp>
+      <p:sp>
+        <p:nvSpPr>
+          <p:cNvPr id="76" name="Google Shape;76;p12"/>
+          <p:cNvSpPr/>
+          <p:nvPr/>
+        </p:nvSpPr>
+        <p:spPr>
+          <a:xfrm>
+            <a:off x="5772151" y="427038"/>
+            <a:ext cx="3933825" cy="211137"/>
+          </a:xfrm>
+          <a:prstGeom prst="rect">
+            <a:avLst/>
+          </a:prstGeom>
+          <a:noFill/>
+          <a:ln>
+            <a:noFill/>
+          </a:ln>
+        </p:spPr>
+        <p:txBody>
+          <a:bodyPr spcFirstLastPara="1" wrap="square" lIns="36000" tIns="45700" rIns="36000" bIns="45700" anchor="ctr" anchorCtr="0">
+            <a:noAutofit/>
+          </a:bodyPr>
+          <a:lstStyle/>
+          <a:p>
+            <a:pPr marL="0" marR="0" lvl="0" indent="0" algn="l" rtl="0">
+              <a:lnSpc>
+                <a:spcPct val="90000"/>
+              </a:lnSpc>
+              <a:spcBef>
+                <a:spcPts val="0"/>
+              </a:spcBef>
+              <a:spcAft>
+                <a:spcPts val="0"/>
+              </a:spcAft>
+              <a:buClr>
+                <a:schemeClr val="dk1"/>
+              </a:buClr>
+              <a:buSzPts val="900"/>
+              <a:buFont typeface="Arial"/>
+              <a:buNone/>
+            </a:pPr>
+            <a:r>
+              <a:rPr lang="ko-KR" sz="900" b="0" i="0" u="none" strike="noStrike" cap="none">
+                <a:solidFill>
+                  <a:schemeClr val="dk1"/>
+                </a:solidFill>
+                <a:latin typeface="Malgun Gothic"/>
+                <a:ea typeface="Malgun Gothic"/>
+                <a:cs typeface="Malgun Gothic"/>
+                <a:sym typeface="Malgun Gothic"/>
+              </a:rPr>
+              <a:t>PCU-001-01</a:t>
+            </a:r>
+            <a:endParaRPr sz="900" b="0" i="0" u="none" strike="noStrike" cap="none">
+              <a:solidFill>
+                <a:schemeClr val="dk1"/>
+              </a:solidFill>
+              <a:latin typeface="Malgun Gothic"/>
+              <a:ea typeface="Malgun Gothic"/>
+              <a:cs typeface="Malgun Gothic"/>
+              <a:sym typeface="Malgun Gothic"/>
+            </a:endParaRPr>
+          </a:p>
+        </p:txBody>
+      </p:sp>
+      <p:sp>
+        <p:nvSpPr>
+          <p:cNvPr id="77" name="Google Shape;77;p12"/>
+          <p:cNvSpPr/>
+          <p:nvPr/>
+        </p:nvSpPr>
+        <p:spPr>
+          <a:xfrm>
+            <a:off x="8056563" y="652463"/>
+            <a:ext cx="1657350" cy="5507037"/>
+          </a:xfrm>
+          <a:prstGeom prst="rect">
+            <a:avLst/>
+          </a:prstGeom>
+          <a:noFill/>
+          <a:ln>
+            <a:noFill/>
+          </a:ln>
+        </p:spPr>
+        <p:txBody>
+          <a:bodyPr spcFirstLastPara="1" wrap="square" lIns="36000" tIns="45700" rIns="36000" bIns="45700" anchor="t" anchorCtr="0">
+            <a:noAutofit/>
+          </a:bodyPr>
+          <a:lstStyle/>
+          <a:p>
+            <a:pPr marL="0" marR="0" lvl="0" indent="0" algn="l" rtl="0">
+              <a:lnSpc>
+                <a:spcPct val="90000"/>
+              </a:lnSpc>
+              <a:spcBef>
+                <a:spcPts val="0"/>
+              </a:spcBef>
+              <a:spcAft>
+                <a:spcPts val="0"/>
+              </a:spcAft>
+              <a:buClr>
+                <a:schemeClr val="dk1"/>
+              </a:buClr>
+              <a:buSzPts val="900"/>
+              <a:buFont typeface="Malgun Gothic"/>
+              <a:buNone/>
+            </a:pPr>
+            <a:r>
+              <a:rPr lang="ko-KR" sz="900" b="0" i="0" u="none" strike="noStrike" cap="none" dirty="0">
+                <a:solidFill>
+                  <a:schemeClr val="dk1"/>
+                </a:solidFill>
+                <a:latin typeface="Malgun Gothic"/>
+                <a:ea typeface="Malgun Gothic"/>
+                <a:cs typeface="Malgun Gothic"/>
+                <a:sym typeface="Malgun Gothic"/>
+              </a:rPr>
+              <a:t>화면정의 : </a:t>
+            </a:r>
+            <a:endParaRPr dirty="0"/>
+          </a:p>
+          <a:p>
+            <a:pPr marL="177800" marR="0" lvl="0" indent="-120650" rtl="0">
+              <a:lnSpc>
+                <a:spcPct val="90000"/>
+              </a:lnSpc>
+              <a:spcBef>
+                <a:spcPts val="813"/>
+              </a:spcBef>
+              <a:spcAft>
+                <a:spcPts val="0"/>
+              </a:spcAft>
+              <a:buClr>
+                <a:schemeClr val="dk1"/>
+              </a:buClr>
+              <a:buSzPts val="900"/>
+              <a:buFont typeface="Malgun Gothic"/>
+              <a:buNone/>
+            </a:pPr>
+            <a:r>
+              <a:rPr lang="ko-KR" altLang="en-US" sz="900" b="0" i="0" u="none" strike="noStrike" cap="none" dirty="0">
+                <a:solidFill>
+                  <a:schemeClr val="dk1"/>
+                </a:solidFill>
+                <a:latin typeface="Malgun Gothic"/>
+                <a:ea typeface="Malgun Gothic"/>
+                <a:cs typeface="Malgun Gothic"/>
+                <a:sym typeface="Malgun Gothic"/>
+              </a:rPr>
+              <a:t>사용자가 수강하는 과목들의 기간별 출결 상태와 재적상태를 확인 할 수 있습니다</a:t>
+            </a:r>
+            <a:r>
+              <a:rPr lang="en-US" altLang="ko-KR" sz="900" b="0" i="0" u="none" strike="noStrike" cap="none" dirty="0">
+                <a:solidFill>
+                  <a:schemeClr val="dk1"/>
+                </a:solidFill>
+                <a:latin typeface="Malgun Gothic"/>
+                <a:ea typeface="Malgun Gothic"/>
+                <a:cs typeface="Malgun Gothic"/>
+                <a:sym typeface="Malgun Gothic"/>
+              </a:rPr>
+              <a:t>.</a:t>
+            </a:r>
+            <a:endParaRPr lang="en-US" altLang="ko-KR" sz="900" dirty="0">
+              <a:solidFill>
+                <a:schemeClr val="dk1"/>
+              </a:solidFill>
+              <a:latin typeface="Malgun Gothic"/>
+              <a:ea typeface="Malgun Gothic"/>
+              <a:cs typeface="Malgun Gothic"/>
+              <a:sym typeface="Malgun Gothic"/>
+            </a:endParaRPr>
+          </a:p>
+          <a:p>
+            <a:pPr marL="285750" indent="-228600">
+              <a:lnSpc>
+                <a:spcPct val="90000"/>
+              </a:lnSpc>
+              <a:spcBef>
+                <a:spcPts val="813"/>
+              </a:spcBef>
+              <a:buClr>
+                <a:schemeClr val="dk1"/>
+              </a:buClr>
+              <a:buSzPts val="900"/>
+              <a:buAutoNum type="arabicParenR"/>
+            </a:pPr>
+            <a:r>
+              <a:rPr lang="ko-KR" altLang="en-US" sz="900" dirty="0">
+                <a:solidFill>
+                  <a:schemeClr val="dk1"/>
+                </a:solidFill>
+                <a:latin typeface="Malgun Gothic"/>
+                <a:ea typeface="Malgun Gothic"/>
+                <a:cs typeface="Malgun Gothic"/>
+                <a:sym typeface="Malgun Gothic"/>
+              </a:rPr>
+              <a:t>출석체크 화면 이동</a:t>
+            </a:r>
+            <a:endParaRPr lang="en-US" altLang="ko-KR" sz="900" dirty="0">
+              <a:solidFill>
+                <a:schemeClr val="dk1"/>
+              </a:solidFill>
+              <a:latin typeface="Malgun Gothic"/>
+              <a:ea typeface="Malgun Gothic"/>
+              <a:cs typeface="Malgun Gothic"/>
+              <a:sym typeface="Malgun Gothic"/>
+            </a:endParaRPr>
+          </a:p>
+          <a:p>
+            <a:pPr marL="285750" indent="-228600">
+              <a:lnSpc>
+                <a:spcPct val="90000"/>
+              </a:lnSpc>
+              <a:spcBef>
+                <a:spcPts val="813"/>
+              </a:spcBef>
+              <a:buClr>
+                <a:schemeClr val="dk1"/>
+              </a:buClr>
+              <a:buSzPts val="900"/>
+              <a:buFont typeface="Arial"/>
+              <a:buAutoNum type="arabicParenR"/>
+            </a:pPr>
+            <a:r>
+              <a:rPr lang="ko-KR" altLang="en-US" sz="900" dirty="0">
+                <a:solidFill>
+                  <a:schemeClr val="dk1"/>
+                </a:solidFill>
+                <a:latin typeface="Malgun Gothic"/>
+                <a:ea typeface="Malgun Gothic"/>
+                <a:cs typeface="Malgun Gothic"/>
+                <a:sym typeface="Malgun Gothic"/>
+              </a:rPr>
+              <a:t>출석상태 확인</a:t>
+            </a:r>
+            <a:endParaRPr lang="en-US" altLang="ko-KR" sz="900" dirty="0">
+              <a:solidFill>
+                <a:schemeClr val="dk1"/>
+              </a:solidFill>
+              <a:latin typeface="Malgun Gothic"/>
+              <a:ea typeface="Malgun Gothic"/>
+              <a:cs typeface="Malgun Gothic"/>
+              <a:sym typeface="Malgun Gothic"/>
+            </a:endParaRPr>
+          </a:p>
+          <a:p>
+            <a:pPr marL="285750" indent="-228600">
+              <a:lnSpc>
+                <a:spcPct val="90000"/>
+              </a:lnSpc>
+              <a:spcBef>
+                <a:spcPts val="813"/>
+              </a:spcBef>
+              <a:buClr>
+                <a:schemeClr val="dk1"/>
+              </a:buClr>
+              <a:buSzPts val="900"/>
+              <a:buFont typeface="Arial"/>
+              <a:buAutoNum type="arabicParenR"/>
+            </a:pPr>
+            <a:r>
+              <a:rPr lang="ko-KR" altLang="en-US" sz="900" dirty="0">
+                <a:solidFill>
+                  <a:schemeClr val="dk1"/>
+                </a:solidFill>
+                <a:latin typeface="Malgun Gothic"/>
+                <a:ea typeface="Malgun Gothic"/>
+                <a:cs typeface="Malgun Gothic"/>
+                <a:sym typeface="Malgun Gothic"/>
+              </a:rPr>
+              <a:t>현재 재적상태 확인</a:t>
+            </a:r>
+          </a:p>
+          <a:p>
+            <a:pPr marL="285750" indent="-228600">
+              <a:lnSpc>
+                <a:spcPct val="90000"/>
+              </a:lnSpc>
+              <a:spcBef>
+                <a:spcPts val="813"/>
+              </a:spcBef>
+              <a:buClr>
+                <a:schemeClr val="dk1"/>
+              </a:buClr>
+              <a:buSzPts val="900"/>
+              <a:buAutoNum type="arabicParenR"/>
+            </a:pPr>
+            <a:endParaRPr sz="900" b="0" i="0" u="none" strike="noStrike" cap="none" dirty="0">
+              <a:solidFill>
+                <a:schemeClr val="dk1"/>
+              </a:solidFill>
+              <a:latin typeface="Malgun Gothic"/>
+              <a:ea typeface="Malgun Gothic"/>
+              <a:cs typeface="Malgun Gothic"/>
+              <a:sym typeface="Malgun Gothic"/>
+            </a:endParaRPr>
+          </a:p>
+        </p:txBody>
+      </p:sp>
+      <p:sp>
+        <p:nvSpPr>
+          <p:cNvPr id="78" name="Google Shape;78;p12" descr="&lt;SmartSettings&gt;&lt;SmartResize anchorLeft=&quot;Absolute&quot; anchorTop=&quot;Absolute&quot; anchorRight=&quot;Absolute&quot; anchorBottom=&quot;Absolute&quot; /&gt;&lt;/SmartSettings&gt;"/>
+          <p:cNvSpPr/>
+          <p:nvPr/>
+        </p:nvSpPr>
+        <p:spPr>
+          <a:xfrm>
+            <a:off x="401638" y="722313"/>
+            <a:ext cx="7564438" cy="5340350"/>
+          </a:xfrm>
+          <a:prstGeom prst="rect">
+            <a:avLst/>
+          </a:prstGeom>
+          <a:noFill/>
+          <a:ln w="9525" cap="flat" cmpd="sng">
+            <a:solidFill>
+              <a:srgbClr val="BFBFBF"/>
+            </a:solidFill>
+            <a:prstDash val="solid"/>
+            <a:miter lim="800000"/>
+            <a:headEnd type="none" w="sm" len="sm"/>
+            <a:tailEnd type="none" w="sm" len="sm"/>
+          </a:ln>
+        </p:spPr>
+        <p:txBody>
+          <a:bodyPr spcFirstLastPara="1" wrap="square" lIns="91425" tIns="54850" rIns="91425" bIns="45700" anchor="t" anchorCtr="0">
+            <a:noAutofit/>
+          </a:bodyPr>
+          <a:lstStyle/>
+          <a:p>
+            <a:pPr marL="0" marR="0" lvl="0" indent="0" algn="l" rtl="0">
+              <a:spcBef>
+                <a:spcPts val="0"/>
+              </a:spcBef>
+              <a:spcAft>
+                <a:spcPts val="0"/>
+              </a:spcAft>
+              <a:buNone/>
+            </a:pPr>
+            <a:endParaRPr sz="680" b="0" i="0" u="none" strike="noStrike" cap="none">
+              <a:solidFill>
+                <a:srgbClr val="000000"/>
+              </a:solidFill>
+              <a:latin typeface="Quattrocento Sans"/>
+              <a:ea typeface="Quattrocento Sans"/>
+              <a:cs typeface="Quattrocento Sans"/>
+              <a:sym typeface="Quattrocento Sans"/>
+            </a:endParaRPr>
+          </a:p>
+        </p:txBody>
+      </p:sp>
+      <p:pic>
+        <p:nvPicPr>
+          <p:cNvPr id="4" name="그림 4">
+            <a:extLst>
+              <a:ext uri="{FF2B5EF4-FFF2-40B4-BE49-F238E27FC236}">
+                <a16:creationId xmlns:a16="http://schemas.microsoft.com/office/drawing/2014/main" id="{36B1BCA9-0C6E-4832-A501-C7F53864F532}"/>
+              </a:ext>
+            </a:extLst>
+          </p:cNvPr>
+          <p:cNvPicPr>
+            <a:picLocks noChangeAspect="1"/>
+          </p:cNvPicPr>
+          <p:nvPr/>
+        </p:nvPicPr>
+        <p:blipFill>
+          <a:blip r:embed="rId3"/>
+          <a:stretch>
+            <a:fillRect/>
+          </a:stretch>
+        </p:blipFill>
+        <p:spPr>
+          <a:xfrm>
+            <a:off x="552169" y="857531"/>
+            <a:ext cx="1038225" cy="409575"/>
+          </a:xfrm>
+          <a:prstGeom prst="rect">
+            <a:avLst/>
+          </a:prstGeom>
+        </p:spPr>
+      </p:pic>
       <p:graphicFrame>
         <p:nvGraphicFramePr>
-          <p:cNvPr id="6" name="표 5">
+          <p:cNvPr id="23" name="표 22">
             <a:extLst>
               <a:ext uri="{FF2B5EF4-FFF2-40B4-BE49-F238E27FC236}">
-                <a16:creationId xmlns:a16="http://schemas.microsoft.com/office/drawing/2014/main" id="{884B8996-B26D-4D1D-9086-8337FB09C530}"/>
+                <a16:creationId xmlns:a16="http://schemas.microsoft.com/office/drawing/2014/main" id="{B992A8A8-D9F7-45B3-BB78-62151C112E58}"/>
               </a:ext>
             </a:extLst>
           </p:cNvPr>
@@ -19774,38 +19588,52 @@
           <p:nvPr>
             <p:extLst>
               <p:ext uri="{D42A27DB-BD31-4B8C-83A1-F6EECF244321}">
-                <p14:modId xmlns:p14="http://schemas.microsoft.com/office/powerpoint/2010/main" val="1693521523"/>
+                <p14:modId xmlns:p14="http://schemas.microsoft.com/office/powerpoint/2010/main" val="335923257"/>
               </p:ext>
             </p:extLst>
           </p:nvPr>
         </p:nvGraphicFramePr>
         <p:xfrm>
-          <a:off x="6124249" y="3602096"/>
-          <a:ext cx="1512397" cy="1280160"/>
+          <a:off x="763231" y="1518481"/>
+          <a:ext cx="7004730" cy="4147817"/>
         </p:xfrm>
         <a:graphic>
           <a:graphicData uri="http://schemas.openxmlformats.org/drawingml/2006/table">
             <a:tbl>
               <a:tblPr firstRow="1" bandRow="1">
-                <a:tableStyleId>{89E2957A-475E-4996-904C-085F209479E5}</a:tableStyleId>
+                <a:tableStyleId>{284E427A-3D55-4303-BF80-6455036E1DE7}</a:tableStyleId>
               </a:tblPr>
               <a:tblGrid>
-                <a:gridCol w="754485">
+                <a:gridCol w="2095379">
                   <a:extLst>
                     <a:ext uri="{9D8B030D-6E8A-4147-A177-3AD203B41FA5}">
-                      <a16:colId xmlns:a16="http://schemas.microsoft.com/office/drawing/2014/main" val="3250814090"/>
+                      <a16:colId xmlns:a16="http://schemas.microsoft.com/office/drawing/2014/main" val="1917094988"/>
                     </a:ext>
                   </a:extLst>
                 </a:gridCol>
-                <a:gridCol w="757912">
+                <a:gridCol w="2237173">
                   <a:extLst>
                     <a:ext uri="{9D8B030D-6E8A-4147-A177-3AD203B41FA5}">
-                      <a16:colId xmlns:a16="http://schemas.microsoft.com/office/drawing/2014/main" val="1709833867"/>
+                      <a16:colId xmlns:a16="http://schemas.microsoft.com/office/drawing/2014/main" val="2101375769"/>
+                    </a:ext>
+                  </a:extLst>
+                </a:gridCol>
+                <a:gridCol w="1726706">
+                  <a:extLst>
+                    <a:ext uri="{9D8B030D-6E8A-4147-A177-3AD203B41FA5}">
+                      <a16:colId xmlns:a16="http://schemas.microsoft.com/office/drawing/2014/main" val="1455795655"/>
+                    </a:ext>
+                  </a:extLst>
+                </a:gridCol>
+                <a:gridCol w="945472">
+                  <a:extLst>
+                    <a:ext uri="{9D8B030D-6E8A-4147-A177-3AD203B41FA5}">
+                      <a16:colId xmlns:a16="http://schemas.microsoft.com/office/drawing/2014/main" val="1049078234"/>
                     </a:ext>
                   </a:extLst>
                 </a:gridCol>
               </a:tblGrid>
-              <a:tr h="167237">
+              <a:tr h="434438">
                 <a:tc>
                   <a:txBody>
                     <a:bodyPr/>
@@ -19813,13 +19641,15 @@
                     <a:p>
                       <a:pPr algn="ctr" latinLnBrk="1"/>
                       <a:r>
-                        <a:rPr lang="en-US" altLang="ko-KR" sz="800" dirty="0"/>
-                        <a:t>2020/05/01</a:t>
+                        <a:rPr lang="ko-KR" altLang="en-US" sz="900" b="0" dirty="0">
+                          <a:latin typeface="+mn-ea"/>
+                          <a:ea typeface="+mn-ea"/>
+                        </a:rPr>
+                        <a:t>날짜</a:t>
                       </a:r>
-                      <a:endParaRPr lang="ko-KR" altLang="en-US" sz="800" dirty="0"/>
                     </a:p>
                   </a:txBody>
-                  <a:tcPr/>
+                  <a:tcPr anchor="ctr"/>
                 </a:tc>
                 <a:tc>
                   <a:txBody>
@@ -19828,42 +19658,15 @@
                     <a:p>
                       <a:pPr algn="ctr" latinLnBrk="1"/>
                       <a:r>
-                        <a:rPr lang="ko-KR" altLang="en-US" sz="800" dirty="0"/>
-                        <a:t>출석 </a:t>
-                      </a:r>
-                      <a:r>
-                        <a:rPr lang="en-US" altLang="ko-KR" sz="800" dirty="0"/>
-                        <a:t>/ </a:t>
-                      </a:r>
-                      <a:r>
-                        <a:rPr lang="ko-KR" altLang="en-US" sz="800" dirty="0"/>
-                        <a:t>지각</a:t>
+                        <a:rPr lang="ko-KR" altLang="en-US" sz="900" b="0" dirty="0">
+                          <a:latin typeface="+mn-ea"/>
+                          <a:ea typeface="+mn-ea"/>
+                        </a:rPr>
+                        <a:t>과목</a:t>
                       </a:r>
                     </a:p>
                   </a:txBody>
-                  <a:tcPr/>
-                </a:tc>
-                <a:extLst>
-                  <a:ext uri="{0D108BD9-81ED-4DB2-BD59-A6C34878D82A}">
-                    <a16:rowId xmlns:a16="http://schemas.microsoft.com/office/drawing/2014/main" val="2657341412"/>
-                  </a:ext>
-                </a:extLst>
-              </a:tr>
-              <a:tr h="167237">
-                <a:tc>
-                  <a:txBody>
-                    <a:bodyPr/>
-                    <a:lstStyle/>
-                    <a:p>
-                      <a:pPr algn="ctr" latinLnBrk="1"/>
-                      <a:r>
-                        <a:rPr lang="en-US" altLang="ko-KR" sz="800" dirty="0"/>
-                        <a:t>2020/05/02</a:t>
-                      </a:r>
-                      <a:endParaRPr lang="ko-KR" altLang="en-US" sz="800" dirty="0"/>
-                    </a:p>
-                  </a:txBody>
-                  <a:tcPr/>
+                  <a:tcPr anchor="ctr"/>
                 </a:tc>
                 <a:tc>
                   <a:txBody>
@@ -19872,28 +19675,16 @@
                     <a:p>
                       <a:pPr algn="ctr" latinLnBrk="1"/>
                       <a:r>
-                        <a:rPr lang="ko-KR" altLang="en-US" sz="800" dirty="0"/>
-                        <a:t>출석 </a:t>
-                      </a:r>
-                      <a:r>
-                        <a:rPr lang="en-US" altLang="ko-KR" sz="800" dirty="0"/>
-                        <a:t>/ </a:t>
-                      </a:r>
-                      <a:r>
-                        <a:rPr lang="ko-KR" altLang="en-US" sz="800" dirty="0"/>
-                        <a:t>지각</a:t>
+                        <a:rPr lang="ko-KR" altLang="en-US" sz="900" b="0" dirty="0">
+                          <a:latin typeface="+mn-ea"/>
+                          <a:ea typeface="+mn-ea"/>
+                        </a:rPr>
+                        <a:t>출석 여부</a:t>
                       </a:r>
                     </a:p>
                   </a:txBody>
-                  <a:tcPr/>
+                  <a:tcPr anchor="ctr"/>
                 </a:tc>
-                <a:extLst>
-                  <a:ext uri="{0D108BD9-81ED-4DB2-BD59-A6C34878D82A}">
-                    <a16:rowId xmlns:a16="http://schemas.microsoft.com/office/drawing/2014/main" val="568246997"/>
-                  </a:ext>
-                </a:extLst>
-              </a:tr>
-              <a:tr h="167237">
                 <a:tc>
                   <a:txBody>
                     <a:bodyPr/>
@@ -19901,13 +19692,74 @@
                     <a:p>
                       <a:pPr algn="ctr" latinLnBrk="1"/>
                       <a:r>
-                        <a:rPr lang="en-US" altLang="ko-KR" sz="800" dirty="0"/>
-                        <a:t>2020/05/03</a:t>
+                        <a:rPr lang="ko-KR" altLang="en-US" sz="900" b="0" dirty="0">
+                          <a:latin typeface="+mn-ea"/>
+                          <a:ea typeface="+mn-ea"/>
+                        </a:rPr>
+                        <a:t>재적 상태</a:t>
                       </a:r>
-                      <a:endParaRPr lang="ko-KR" altLang="en-US" sz="800" dirty="0"/>
                     </a:p>
                   </a:txBody>
-                  <a:tcPr/>
+                  <a:tcPr anchor="ctr"/>
+                </a:tc>
+                <a:extLst>
+                  <a:ext uri="{0D108BD9-81ED-4DB2-BD59-A6C34878D82A}">
+                    <a16:rowId xmlns:a16="http://schemas.microsoft.com/office/drawing/2014/main" val="1516003395"/>
+                  </a:ext>
+                </a:extLst>
+              </a:tr>
+              <a:tr h="950079">
+                <a:tc>
+                  <a:txBody>
+                    <a:bodyPr/>
+                    <a:lstStyle/>
+                    <a:p>
+                      <a:pPr algn="ctr" latinLnBrk="1"/>
+                      <a:r>
+                        <a:rPr lang="en-US" altLang="ko-KR" sz="900" b="0" i="0" u="none" strike="noStrike" cap="none" dirty="0">
+                          <a:solidFill>
+                            <a:schemeClr val="dk1"/>
+                          </a:solidFill>
+                          <a:latin typeface="+mn-ea"/>
+                          <a:ea typeface="+mn-ea"/>
+                          <a:cs typeface="+mn-cs"/>
+                          <a:sym typeface="Arial"/>
+                        </a:rPr>
+                        <a:t>2020/05/01</a:t>
+                      </a:r>
+                      <a:endParaRPr lang="ko-KR" altLang="en-US" sz="900" b="0" i="0" u="none" strike="noStrike" cap="none" dirty="0">
+                        <a:solidFill>
+                          <a:schemeClr val="dk1"/>
+                        </a:solidFill>
+                        <a:latin typeface="+mn-ea"/>
+                        <a:ea typeface="+mn-ea"/>
+                        <a:cs typeface="+mn-cs"/>
+                        <a:sym typeface="Arial"/>
+                      </a:endParaRPr>
+                    </a:p>
+                  </a:txBody>
+                  <a:tcPr anchor="ctr"/>
+                </a:tc>
+                <a:tc>
+                  <a:txBody>
+                    <a:bodyPr/>
+                    <a:lstStyle/>
+                    <a:p>
+                      <a:pPr algn="ctr" latinLnBrk="1"/>
+                      <a:r>
+                        <a:rPr lang="en-US" altLang="ko-KR" sz="900" b="0" dirty="0">
+                          <a:latin typeface="+mn-ea"/>
+                          <a:ea typeface="+mn-ea"/>
+                        </a:rPr>
+                        <a:t>13 : 00 ~ 15 : 00 </a:t>
+                      </a:r>
+                      <a:endParaRPr lang="ko-KR" altLang="en-US" sz="900" b="0" dirty="0">
+                        <a:latin typeface="+mn-ea"/>
+                        <a:ea typeface="+mn-ea"/>
+                      </a:endParaRPr>
+                    </a:p>
+                  </a:txBody>
+                  <a:tcPr anchor="ctr"/>
                 </a:tc>
                 <a:tc>
                   <a:txBody>
@@ -19934,42 +19786,102 @@
                         <a:defRPr/>
                       </a:pPr>
                       <a:r>
-                        <a:rPr lang="ko-KR" altLang="en-US" sz="800" dirty="0"/>
-                        <a:t>출석 </a:t>
+                        <a:rPr kumimoji="0" lang="ko-KR" altLang="en-US" sz="900" b="0" i="0" u="none" strike="noStrike" kern="0" cap="none" spc="0" normalizeH="0" baseline="0" noProof="0" dirty="0">
+                          <a:ln>
+                            <a:noFill/>
+                          </a:ln>
+                          <a:solidFill>
+                            <a:srgbClr val="000000"/>
+                          </a:solidFill>
+                          <a:effectLst/>
+                          <a:uLnTx/>
+                          <a:uFillTx/>
+                          <a:latin typeface="맑은 고딕" panose="020B0503020000020004" pitchFamily="50" charset="-127"/>
+                          <a:ea typeface="+mn-ea"/>
+                          <a:cs typeface="+mn-cs"/>
+                          <a:sym typeface="Arial"/>
+                        </a:rPr>
+                        <a:t>결석 </a:t>
                       </a:r>
                       <a:r>
-                        <a:rPr lang="en-US" altLang="ko-KR" sz="800" dirty="0"/>
-                        <a:t>/ </a:t>
+                        <a:rPr kumimoji="0" lang="en-US" altLang="ko-KR" sz="900" b="0" i="0" u="none" strike="noStrike" kern="0" cap="none" spc="0" normalizeH="0" baseline="0" noProof="0" dirty="0">
+                          <a:ln>
+                            <a:noFill/>
+                          </a:ln>
+                          <a:solidFill>
+                            <a:srgbClr val="000000"/>
+                          </a:solidFill>
+                          <a:effectLst/>
+                          <a:uLnTx/>
+                          <a:uFillTx/>
+                          <a:latin typeface="맑은 고딕" panose="020B0503020000020004" pitchFamily="50" charset="-127"/>
+                          <a:ea typeface="+mn-ea"/>
+                          <a:cs typeface="+mn-cs"/>
+                          <a:sym typeface="Arial"/>
+                        </a:rPr>
+                        <a:t> :  / </a:t>
                       </a:r>
                       <a:r>
-                        <a:rPr lang="ko-KR" altLang="en-US" sz="800" dirty="0"/>
-                        <a:t>지각</a:t>
+                        <a:rPr kumimoji="0" lang="ko-KR" altLang="en-US" sz="900" b="0" i="0" u="none" strike="noStrike" kern="0" cap="none" spc="0" normalizeH="0" baseline="0" noProof="0" dirty="0">
+                          <a:ln>
+                            <a:noFill/>
+                          </a:ln>
+                          <a:solidFill>
+                            <a:srgbClr val="000000"/>
+                          </a:solidFill>
+                          <a:effectLst/>
+                          <a:uLnTx/>
+                          <a:uFillTx/>
+                          <a:latin typeface="맑은 고딕" panose="020B0503020000020004" pitchFamily="50" charset="-127"/>
+                          <a:ea typeface="+mn-ea"/>
+                          <a:cs typeface="+mn-cs"/>
+                          <a:sym typeface="Arial"/>
+                        </a:rPr>
+                        <a:t>지각 </a:t>
                       </a:r>
+                      <a:r>
+                        <a:rPr kumimoji="0" lang="en-US" altLang="ko-KR" sz="900" b="0" i="0" u="none" strike="noStrike" kern="0" cap="none" spc="0" normalizeH="0" baseline="0" noProof="0" dirty="0">
+                          <a:ln>
+                            <a:noFill/>
+                          </a:ln>
+                          <a:solidFill>
+                            <a:srgbClr val="000000"/>
+                          </a:solidFill>
+                          <a:effectLst/>
+                          <a:uLnTx/>
+                          <a:uFillTx/>
+                          <a:latin typeface="맑은 고딕" panose="020B0503020000020004" pitchFamily="50" charset="-127"/>
+                          <a:ea typeface="+mn-ea"/>
+                          <a:cs typeface="+mn-cs"/>
+                          <a:sym typeface="Arial"/>
+                        </a:rPr>
+                        <a:t>: </a:t>
+                      </a:r>
+                      <a:endParaRPr kumimoji="0" lang="ko-KR" altLang="en-US" sz="900" b="0" i="0" u="none" strike="noStrike" kern="0" cap="none" spc="0" normalizeH="0" baseline="0" noProof="0" dirty="0">
+                        <a:ln>
+                          <a:noFill/>
+                        </a:ln>
+                        <a:solidFill>
+                          <a:srgbClr val="000000"/>
+                        </a:solidFill>
+                        <a:effectLst/>
+                        <a:uLnTx/>
+                        <a:uFillTx/>
+                        <a:latin typeface="맑은 고딕" panose="020B0503020000020004" pitchFamily="50" charset="-127"/>
+                        <a:ea typeface="+mn-ea"/>
+                        <a:cs typeface="+mn-cs"/>
+                        <a:sym typeface="Arial"/>
+                      </a:endParaRPr>
+                    </a:p>
+                    <a:p>
+                      <a:pPr algn="ctr" latinLnBrk="1"/>
+                      <a:endParaRPr lang="ko-KR" altLang="en-US" sz="900" b="0" dirty="0">
+                        <a:latin typeface="+mn-ea"/>
+                        <a:ea typeface="+mn-ea"/>
+                      </a:endParaRPr>
                     </a:p>
                   </a:txBody>
-                  <a:tcPr/>
-                </a:tc>
-                <a:extLst>
-                  <a:ext uri="{0D108BD9-81ED-4DB2-BD59-A6C34878D82A}">
-                    <a16:rowId xmlns:a16="http://schemas.microsoft.com/office/drawing/2014/main" val="724534064"/>
-                  </a:ext>
-                </a:extLst>
-              </a:tr>
-              <a:tr h="167237">
-                <a:tc>
-                  <a:txBody>
-                    <a:bodyPr/>
-                    <a:lstStyle/>
-                    <a:p>
-                      <a:pPr algn="ctr" latinLnBrk="1"/>
-                      <a:r>
-                        <a:rPr lang="en-US" altLang="ko-KR" sz="800" dirty="0"/>
-                        <a:t>2020/05/04</a:t>
-                      </a:r>
-                      <a:endParaRPr lang="ko-KR" altLang="en-US" sz="800" dirty="0"/>
-                    </a:p>
-                  </a:txBody>
-                  <a:tcPr/>
+                  <a:tcPr anchor="ctr"/>
                 </a:tc>
                 <a:tc>
                   <a:txBody>
@@ -19978,28 +19890,23 @@
                     <a:p>
                       <a:pPr algn="ctr" latinLnBrk="1"/>
                       <a:r>
-                        <a:rPr lang="ko-KR" altLang="en-US" sz="800" dirty="0"/>
-                        <a:t>출석 </a:t>
-                      </a:r>
-                      <a:r>
-                        <a:rPr lang="en-US" altLang="ko-KR" sz="800" dirty="0"/>
-                        <a:t>/ </a:t>
-                      </a:r>
-                      <a:r>
-                        <a:rPr lang="ko-KR" altLang="en-US" sz="800" dirty="0"/>
-                        <a:t>지각</a:t>
+                        <a:rPr lang="en-US" altLang="ko-KR" sz="900" b="0" dirty="0">
+                          <a:latin typeface="+mn-ea"/>
+                          <a:ea typeface="+mn-ea"/>
+                        </a:rPr>
+                        <a:t>-</a:t>
                       </a:r>
                     </a:p>
                   </a:txBody>
-                  <a:tcPr/>
+                  <a:tcPr anchor="ctr"/>
                 </a:tc>
                 <a:extLst>
                   <a:ext uri="{0D108BD9-81ED-4DB2-BD59-A6C34878D82A}">
-                    <a16:rowId xmlns:a16="http://schemas.microsoft.com/office/drawing/2014/main" val="4124588686"/>
+                    <a16:rowId xmlns:a16="http://schemas.microsoft.com/office/drawing/2014/main" val="2079454974"/>
                   </a:ext>
                 </a:extLst>
               </a:tr>
-              <a:tr h="167237">
+              <a:tr h="921100">
                 <a:tc>
                   <a:txBody>
                     <a:bodyPr/>
@@ -20007,14 +19914,244 @@
                     <a:p>
                       <a:pPr algn="ctr" latinLnBrk="1"/>
                       <a:r>
-                        <a:rPr lang="en-US" altLang="ko-KR" sz="800" dirty="0"/>
-                        <a:t>2020/05/05</a:t>
+                        <a:rPr lang="en-US" altLang="ko-KR" sz="900" b="0" i="0" u="none" strike="noStrike" cap="none" dirty="0">
+                          <a:solidFill>
+                            <a:schemeClr val="dk1"/>
+                          </a:solidFill>
+                          <a:latin typeface="+mn-ea"/>
+                          <a:ea typeface="+mn-ea"/>
+                          <a:cs typeface="+mn-cs"/>
+                          <a:sym typeface="Arial"/>
+                        </a:rPr>
+                        <a:t>2020/05/02</a:t>
                       </a:r>
-                      <a:endParaRPr lang="ko-KR" altLang="en-US" sz="800" dirty="0"/>
+                      <a:endParaRPr lang="ko-KR" altLang="en-US" sz="900" b="0" i="0" u="none" strike="noStrike" cap="none" dirty="0">
+                        <a:solidFill>
+                          <a:schemeClr val="dk1"/>
+                        </a:solidFill>
+                        <a:latin typeface="+mn-ea"/>
+                        <a:ea typeface="+mn-ea"/>
+                        <a:cs typeface="+mn-cs"/>
+                        <a:sym typeface="Arial"/>
+                      </a:endParaRPr>
                     </a:p>
                   </a:txBody>
-                  <a:tcPr/>
+                  <a:tcPr anchor="ctr"/>
                 </a:tc>
+                <a:tc>
+                  <a:txBody>
+                    <a:bodyPr/>
+                    <a:lstStyle/>
+                    <a:p>
+                      <a:pPr marL="0" marR="0" lvl="0" indent="0" algn="ctr" defTabSz="914400" rtl="0" eaLnBrk="1" fontAlgn="auto" latinLnBrk="1" hangingPunct="1">
+                        <a:lnSpc>
+                          <a:spcPct val="100000"/>
+                        </a:lnSpc>
+                        <a:spcBef>
+                          <a:spcPts val="0"/>
+                        </a:spcBef>
+                        <a:spcAft>
+                          <a:spcPts val="0"/>
+                        </a:spcAft>
+                        <a:buClr>
+                          <a:srgbClr val="000000"/>
+                        </a:buClr>
+                        <a:buSzTx/>
+                        <a:buFont typeface="Arial"/>
+                        <a:buNone/>
+                        <a:tabLst/>
+                        <a:defRPr/>
+                      </a:pPr>
+                      <a:r>
+                        <a:rPr lang="en-US" altLang="ko-KR" sz="900" b="0" dirty="0">
+                          <a:latin typeface="+mn-ea"/>
+                          <a:ea typeface="+mn-ea"/>
+                        </a:rPr>
+                        <a:t>13 : 00 ~ 15 : 00 </a:t>
+                      </a:r>
+                      <a:endParaRPr lang="ko-KR" altLang="en-US" sz="900" b="0" dirty="0">
+                        <a:latin typeface="+mn-ea"/>
+                        <a:ea typeface="+mn-ea"/>
+                      </a:endParaRPr>
+                    </a:p>
+                    <a:p>
+                      <a:pPr algn="ctr" latinLnBrk="1"/>
+                      <a:endParaRPr lang="ko-KR" altLang="en-US" sz="900" b="0" dirty="0">
+                        <a:latin typeface="+mn-ea"/>
+                        <a:ea typeface="+mn-ea"/>
+                      </a:endParaRPr>
+                    </a:p>
+                  </a:txBody>
+                  <a:tcPr anchor="ctr"/>
+                </a:tc>
+                <a:tc>
+                  <a:txBody>
+                    <a:bodyPr/>
+                    <a:lstStyle/>
+                    <a:p>
+                      <a:pPr marL="0" marR="0" lvl="0" indent="0" algn="ctr" defTabSz="914400" rtl="0" eaLnBrk="1" fontAlgn="auto" latinLnBrk="1" hangingPunct="1">
+                        <a:lnSpc>
+                          <a:spcPct val="100000"/>
+                        </a:lnSpc>
+                        <a:spcBef>
+                          <a:spcPts val="0"/>
+                        </a:spcBef>
+                        <a:spcAft>
+                          <a:spcPts val="0"/>
+                        </a:spcAft>
+                        <a:buClr>
+                          <a:srgbClr val="000000"/>
+                        </a:buClr>
+                        <a:buSzTx/>
+                        <a:buFont typeface="Arial"/>
+                        <a:buNone/>
+                        <a:tabLst/>
+                        <a:defRPr/>
+                      </a:pPr>
+                      <a:r>
+                        <a:rPr kumimoji="0" lang="ko-KR" altLang="en-US" sz="900" b="0" i="0" u="none" strike="noStrike" kern="0" cap="none" spc="0" normalizeH="0" baseline="0" noProof="0" dirty="0">
+                          <a:ln>
+                            <a:noFill/>
+                          </a:ln>
+                          <a:solidFill>
+                            <a:srgbClr val="000000"/>
+                          </a:solidFill>
+                          <a:effectLst/>
+                          <a:uLnTx/>
+                          <a:uFillTx/>
+                          <a:latin typeface="맑은 고딕" panose="020B0503020000020004" pitchFamily="50" charset="-127"/>
+                          <a:ea typeface="맑은 고딕" panose="020B0503020000020004" pitchFamily="50" charset="-127"/>
+                          <a:cs typeface="+mn-cs"/>
+                          <a:sym typeface="Arial"/>
+                        </a:rPr>
+                        <a:t>결석 </a:t>
+                      </a:r>
+                      <a:r>
+                        <a:rPr kumimoji="0" lang="en-US" altLang="ko-KR" sz="900" b="0" i="0" u="none" strike="noStrike" kern="0" cap="none" spc="0" normalizeH="0" baseline="0" noProof="0" dirty="0">
+                          <a:ln>
+                            <a:noFill/>
+                          </a:ln>
+                          <a:solidFill>
+                            <a:srgbClr val="000000"/>
+                          </a:solidFill>
+                          <a:effectLst/>
+                          <a:uLnTx/>
+                          <a:uFillTx/>
+                          <a:latin typeface="맑은 고딕" panose="020B0503020000020004" pitchFamily="50" charset="-127"/>
+                          <a:ea typeface="맑은 고딕" panose="020B0503020000020004" pitchFamily="50" charset="-127"/>
+                          <a:cs typeface="+mn-cs"/>
+                          <a:sym typeface="Arial"/>
+                        </a:rPr>
+                        <a:t> :  / </a:t>
+                      </a:r>
+                      <a:r>
+                        <a:rPr kumimoji="0" lang="ko-KR" altLang="en-US" sz="900" b="0" i="0" u="none" strike="noStrike" kern="0" cap="none" spc="0" normalizeH="0" baseline="0" noProof="0" dirty="0">
+                          <a:ln>
+                            <a:noFill/>
+                          </a:ln>
+                          <a:solidFill>
+                            <a:srgbClr val="000000"/>
+                          </a:solidFill>
+                          <a:effectLst/>
+                          <a:uLnTx/>
+                          <a:uFillTx/>
+                          <a:latin typeface="맑은 고딕" panose="020B0503020000020004" pitchFamily="50" charset="-127"/>
+                          <a:ea typeface="맑은 고딕" panose="020B0503020000020004" pitchFamily="50" charset="-127"/>
+                          <a:cs typeface="+mn-cs"/>
+                          <a:sym typeface="Arial"/>
+                        </a:rPr>
+                        <a:t>지각 </a:t>
+                      </a:r>
+                      <a:r>
+                        <a:rPr kumimoji="0" lang="en-US" altLang="ko-KR" sz="900" b="0" i="0" u="none" strike="noStrike" kern="0" cap="none" spc="0" normalizeH="0" baseline="0" noProof="0" dirty="0">
+                          <a:ln>
+                            <a:noFill/>
+                          </a:ln>
+                          <a:solidFill>
+                            <a:srgbClr val="000000"/>
+                          </a:solidFill>
+                          <a:effectLst/>
+                          <a:uLnTx/>
+                          <a:uFillTx/>
+                          <a:latin typeface="맑은 고딕" panose="020B0503020000020004" pitchFamily="50" charset="-127"/>
+                          <a:ea typeface="맑은 고딕" panose="020B0503020000020004" pitchFamily="50" charset="-127"/>
+                          <a:cs typeface="+mn-cs"/>
+                          <a:sym typeface="Arial"/>
+                        </a:rPr>
+                        <a:t>: </a:t>
+                      </a:r>
+                      <a:endParaRPr kumimoji="0" lang="ko-KR" altLang="en-US" sz="900" b="0" i="0" u="none" strike="noStrike" kern="0" cap="none" spc="0" normalizeH="0" baseline="0" noProof="0" dirty="0">
+                        <a:ln>
+                          <a:noFill/>
+                        </a:ln>
+                        <a:solidFill>
+                          <a:srgbClr val="000000"/>
+                        </a:solidFill>
+                        <a:effectLst/>
+                        <a:uLnTx/>
+                        <a:uFillTx/>
+                        <a:latin typeface="맑은 고딕" panose="020B0503020000020004" pitchFamily="50" charset="-127"/>
+                        <a:ea typeface="맑은 고딕" panose="020B0503020000020004" pitchFamily="50" charset="-127"/>
+                        <a:cs typeface="+mn-cs"/>
+                        <a:sym typeface="Arial"/>
+                      </a:endParaRPr>
+                    </a:p>
+                  </a:txBody>
+                  <a:tcPr anchor="ctr"/>
+                </a:tc>
+                <a:tc>
+                  <a:txBody>
+                    <a:bodyPr/>
+                    <a:lstStyle/>
+                    <a:p>
+                      <a:pPr marL="0" marR="0" lvl="0" indent="0" algn="ctr" defTabSz="914400" rtl="0" eaLnBrk="1" fontAlgn="auto" latinLnBrk="1" hangingPunct="1">
+                        <a:lnSpc>
+                          <a:spcPct val="100000"/>
+                        </a:lnSpc>
+                        <a:spcBef>
+                          <a:spcPts val="0"/>
+                        </a:spcBef>
+                        <a:spcAft>
+                          <a:spcPts val="0"/>
+                        </a:spcAft>
+                        <a:buClr>
+                          <a:srgbClr val="000000"/>
+                        </a:buClr>
+                        <a:buSzTx/>
+                        <a:buFont typeface="Arial"/>
+                        <a:buNone/>
+                        <a:tabLst/>
+                        <a:defRPr/>
+                      </a:pPr>
+                      <a:r>
+                        <a:rPr kumimoji="0" lang="ko-KR" altLang="en-US" sz="900" b="0" i="0" u="none" strike="noStrike" kern="0" cap="none" spc="0" normalizeH="0" baseline="0" noProof="0" dirty="0">
+                          <a:ln>
+                            <a:noFill/>
+                          </a:ln>
+                          <a:solidFill>
+                            <a:srgbClr val="000000"/>
+                          </a:solidFill>
+                          <a:effectLst/>
+                          <a:uLnTx/>
+                          <a:uFillTx/>
+                          <a:latin typeface="맑은 고딕" panose="020B0503020000020004" pitchFamily="50" charset="-127"/>
+                          <a:ea typeface="맑은 고딕" panose="020B0503020000020004" pitchFamily="50" charset="-127"/>
+                          <a:cs typeface="+mn-cs"/>
+                          <a:sym typeface="Arial"/>
+                        </a:rPr>
+                        <a:t>재적</a:t>
+                      </a:r>
+                    </a:p>
+                  </a:txBody>
+                  <a:tcPr anchor="ctr"/>
+                </a:tc>
+                <a:extLst>
+                  <a:ext uri="{0D108BD9-81ED-4DB2-BD59-A6C34878D82A}">
+                    <a16:rowId xmlns:a16="http://schemas.microsoft.com/office/drawing/2014/main" val="407609434"/>
+                  </a:ext>
+                </a:extLst>
+              </a:tr>
+              <a:tr h="921100">
                 <a:tc>
                   <a:txBody>
                     <a:bodyPr/>
@@ -20022,28 +20159,259 @@
                     <a:p>
                       <a:pPr algn="ctr" latinLnBrk="1"/>
                       <a:r>
-                        <a:rPr lang="ko-KR" altLang="en-US" sz="800" dirty="0"/>
-                        <a:t>출석 </a:t>
+                        <a:rPr lang="en-US" altLang="ko-KR" sz="900" b="0" i="0" u="none" strike="noStrike" cap="none" dirty="0">
+                          <a:solidFill>
+                            <a:schemeClr val="dk1"/>
+                          </a:solidFill>
+                          <a:latin typeface="+mn-ea"/>
+                          <a:ea typeface="+mn-ea"/>
+                          <a:cs typeface="+mn-cs"/>
+                          <a:sym typeface="Arial"/>
+                        </a:rPr>
+                        <a:t>2020/05/03</a:t>
+                      </a:r>
+                      <a:endParaRPr lang="ko-KR" altLang="en-US" sz="900" b="0" i="0" u="none" strike="noStrike" cap="none" dirty="0">
+                        <a:solidFill>
+                          <a:schemeClr val="dk1"/>
+                        </a:solidFill>
+                        <a:latin typeface="+mn-ea"/>
+                        <a:ea typeface="+mn-ea"/>
+                        <a:cs typeface="+mn-cs"/>
+                        <a:sym typeface="Arial"/>
+                      </a:endParaRPr>
+                    </a:p>
+                  </a:txBody>
+                  <a:tcPr anchor="ctr"/>
+                </a:tc>
+                <a:tc>
+                  <a:txBody>
+                    <a:bodyPr/>
+                    <a:lstStyle/>
+                    <a:p>
+                      <a:pPr marL="0" marR="0" lvl="0" indent="0" algn="ctr" defTabSz="914400" rtl="0" eaLnBrk="1" fontAlgn="auto" latinLnBrk="1" hangingPunct="1">
+                        <a:lnSpc>
+                          <a:spcPct val="100000"/>
+                        </a:lnSpc>
+                        <a:spcBef>
+                          <a:spcPts val="0"/>
+                        </a:spcBef>
+                        <a:spcAft>
+                          <a:spcPts val="0"/>
+                        </a:spcAft>
+                        <a:buClr>
+                          <a:srgbClr val="000000"/>
+                        </a:buClr>
+                        <a:buSzTx/>
+                        <a:buFont typeface="Arial"/>
+                        <a:buNone/>
+                        <a:tabLst/>
+                        <a:defRPr/>
+                      </a:pPr>
+                      <a:r>
+                        <a:rPr lang="en-US" altLang="ko-KR" sz="900" b="0" dirty="0">
+                          <a:latin typeface="+mn-ea"/>
+                          <a:ea typeface="+mn-ea"/>
+                        </a:rPr>
+                        <a:t>13 : 00 ~ 15 : 00 </a:t>
+                      </a:r>
+                      <a:endParaRPr lang="ko-KR" altLang="en-US" sz="900" b="0" dirty="0">
+                        <a:latin typeface="+mn-ea"/>
+                        <a:ea typeface="+mn-ea"/>
+                      </a:endParaRPr>
+                    </a:p>
+                    <a:p>
+                      <a:pPr algn="ctr" latinLnBrk="1"/>
+                      <a:endParaRPr lang="ko-KR" altLang="en-US" sz="900" b="0" dirty="0">
+                        <a:latin typeface="+mn-ea"/>
+                        <a:ea typeface="+mn-ea"/>
+                      </a:endParaRPr>
+                    </a:p>
+                  </a:txBody>
+                  <a:tcPr anchor="ctr"/>
+                </a:tc>
+                <a:tc>
+                  <a:txBody>
+                    <a:bodyPr/>
+                    <a:lstStyle/>
+                    <a:p>
+                      <a:pPr marL="0" marR="0" lvl="0" indent="0" algn="ctr" defTabSz="914400" rtl="0" eaLnBrk="1" fontAlgn="auto" latinLnBrk="1" hangingPunct="1">
+                        <a:lnSpc>
+                          <a:spcPct val="100000"/>
+                        </a:lnSpc>
+                        <a:spcBef>
+                          <a:spcPts val="0"/>
+                        </a:spcBef>
+                        <a:spcAft>
+                          <a:spcPts val="0"/>
+                        </a:spcAft>
+                        <a:buClr>
+                          <a:srgbClr val="000000"/>
+                        </a:buClr>
+                        <a:buSzTx/>
+                        <a:buFont typeface="Arial"/>
+                        <a:buNone/>
+                        <a:tabLst/>
+                        <a:defRPr/>
+                      </a:pPr>
+                      <a:r>
+                        <a:rPr kumimoji="0" lang="ko-KR" altLang="en-US" sz="900" b="0" i="0" u="none" strike="noStrike" kern="0" cap="none" spc="0" normalizeH="0" baseline="0" noProof="0" dirty="0">
+                          <a:ln>
+                            <a:noFill/>
+                          </a:ln>
+                          <a:solidFill>
+                            <a:srgbClr val="000000"/>
+                          </a:solidFill>
+                          <a:effectLst/>
+                          <a:uLnTx/>
+                          <a:uFillTx/>
+                          <a:latin typeface="맑은 고딕" panose="020B0503020000020004" pitchFamily="50" charset="-127"/>
+                          <a:ea typeface="맑은 고딕" panose="020B0503020000020004" pitchFamily="50" charset="-127"/>
+                          <a:cs typeface="+mn-cs"/>
+                          <a:sym typeface="Arial"/>
+                        </a:rPr>
+                        <a:t>결석 </a:t>
                       </a:r>
                       <a:r>
-                        <a:rPr lang="en-US" altLang="ko-KR" sz="800" dirty="0"/>
-                        <a:t>/ </a:t>
+                        <a:rPr kumimoji="0" lang="en-US" altLang="ko-KR" sz="900" b="0" i="0" u="none" strike="noStrike" kern="0" cap="none" spc="0" normalizeH="0" baseline="0" noProof="0" dirty="0">
+                          <a:ln>
+                            <a:noFill/>
+                          </a:ln>
+                          <a:solidFill>
+                            <a:srgbClr val="000000"/>
+                          </a:solidFill>
+                          <a:effectLst/>
+                          <a:uLnTx/>
+                          <a:uFillTx/>
+                          <a:latin typeface="맑은 고딕" panose="020B0503020000020004" pitchFamily="50" charset="-127"/>
+                          <a:ea typeface="맑은 고딕" panose="020B0503020000020004" pitchFamily="50" charset="-127"/>
+                          <a:cs typeface="+mn-cs"/>
+                          <a:sym typeface="Arial"/>
+                        </a:rPr>
+                        <a:t> :  / </a:t>
                       </a:r>
                       <a:r>
-                        <a:rPr lang="ko-KR" altLang="en-US" sz="800" dirty="0"/>
-                        <a:t>지각</a:t>
+                        <a:rPr kumimoji="0" lang="ko-KR" altLang="en-US" sz="900" b="0" i="0" u="none" strike="noStrike" kern="0" cap="none" spc="0" normalizeH="0" baseline="0" noProof="0" dirty="0">
+                          <a:ln>
+                            <a:noFill/>
+                          </a:ln>
+                          <a:solidFill>
+                            <a:srgbClr val="000000"/>
+                          </a:solidFill>
+                          <a:effectLst/>
+                          <a:uLnTx/>
+                          <a:uFillTx/>
+                          <a:latin typeface="맑은 고딕" panose="020B0503020000020004" pitchFamily="50" charset="-127"/>
+                          <a:ea typeface="맑은 고딕" panose="020B0503020000020004" pitchFamily="50" charset="-127"/>
+                          <a:cs typeface="+mn-cs"/>
+                          <a:sym typeface="Arial"/>
+                        </a:rPr>
+                        <a:t>지각 </a:t>
                       </a:r>
+                      <a:r>
+                        <a:rPr kumimoji="0" lang="en-US" altLang="ko-KR" sz="900" b="0" i="0" u="none" strike="noStrike" kern="0" cap="none" spc="0" normalizeH="0" baseline="0" noProof="0" dirty="0">
+                          <a:ln>
+                            <a:noFill/>
+                          </a:ln>
+                          <a:solidFill>
+                            <a:srgbClr val="000000"/>
+                          </a:solidFill>
+                          <a:effectLst/>
+                          <a:uLnTx/>
+                          <a:uFillTx/>
+                          <a:latin typeface="맑은 고딕" panose="020B0503020000020004" pitchFamily="50" charset="-127"/>
+                          <a:ea typeface="맑은 고딕" panose="020B0503020000020004" pitchFamily="50" charset="-127"/>
+                          <a:cs typeface="+mn-cs"/>
+                          <a:sym typeface="Arial"/>
+                        </a:rPr>
+                        <a:t>: </a:t>
+                      </a:r>
+                      <a:endParaRPr kumimoji="0" lang="ko-KR" altLang="en-US" sz="900" b="0" i="0" u="none" strike="noStrike" kern="0" cap="none" spc="0" normalizeH="0" baseline="0" noProof="0" dirty="0">
+                        <a:ln>
+                          <a:noFill/>
+                        </a:ln>
+                        <a:solidFill>
+                          <a:srgbClr val="000000"/>
+                        </a:solidFill>
+                        <a:effectLst/>
+                        <a:uLnTx/>
+                        <a:uFillTx/>
+                        <a:latin typeface="맑은 고딕" panose="020B0503020000020004" pitchFamily="50" charset="-127"/>
+                        <a:ea typeface="맑은 고딕" panose="020B0503020000020004" pitchFamily="50" charset="-127"/>
+                        <a:cs typeface="+mn-cs"/>
+                        <a:sym typeface="Arial"/>
+                      </a:endParaRPr>
                     </a:p>
                   </a:txBody>
-                  <a:tcPr/>
+                  <a:tcPr anchor="ctr"/>
+                </a:tc>
+                <a:tc>
+                  <a:txBody>
+                    <a:bodyPr/>
+                    <a:lstStyle/>
+                    <a:p>
+                      <a:pPr marL="0" marR="0" lvl="0" indent="0" algn="ctr" defTabSz="914400" rtl="0" eaLnBrk="1" fontAlgn="auto" latinLnBrk="1" hangingPunct="1">
+                        <a:lnSpc>
+                          <a:spcPct val="100000"/>
+                        </a:lnSpc>
+                        <a:spcBef>
+                          <a:spcPts val="0"/>
+                        </a:spcBef>
+                        <a:spcAft>
+                          <a:spcPts val="0"/>
+                        </a:spcAft>
+                        <a:buClr>
+                          <a:srgbClr val="000000"/>
+                        </a:buClr>
+                        <a:buSzTx/>
+                        <a:buFont typeface="Arial"/>
+                        <a:buNone/>
+                        <a:tabLst/>
+                        <a:defRPr/>
+                      </a:pPr>
+                      <a:r>
+                        <a:rPr kumimoji="0" lang="en-US" altLang="ko-KR" sz="900" b="0" i="0" u="none" strike="noStrike" kern="0" cap="none" spc="0" normalizeH="0" baseline="0" noProof="0" dirty="0">
+                          <a:ln>
+                            <a:noFill/>
+                          </a:ln>
+                          <a:solidFill>
+                            <a:srgbClr val="000000"/>
+                          </a:solidFill>
+                          <a:effectLst/>
+                          <a:uLnTx/>
+                          <a:uFillTx/>
+                          <a:latin typeface="맑은 고딕" panose="020B0503020000020004" pitchFamily="50" charset="-127"/>
+                          <a:ea typeface="맑은 고딕" panose="020B0503020000020004" pitchFamily="50" charset="-127"/>
+                          <a:cs typeface="+mn-cs"/>
+                          <a:sym typeface="Arial"/>
+                        </a:rPr>
+                        <a:t>-</a:t>
+                      </a:r>
+                      <a:endParaRPr kumimoji="0" lang="ko-KR" altLang="en-US" sz="900" b="0" i="0" u="none" strike="noStrike" kern="0" cap="none" spc="0" normalizeH="0" baseline="0" noProof="0" dirty="0">
+                        <a:ln>
+                          <a:noFill/>
+                        </a:ln>
+                        <a:solidFill>
+                          <a:srgbClr val="000000"/>
+                        </a:solidFill>
+                        <a:effectLst/>
+                        <a:uLnTx/>
+                        <a:uFillTx/>
+                        <a:latin typeface="맑은 고딕" panose="020B0503020000020004" pitchFamily="50" charset="-127"/>
+                        <a:ea typeface="맑은 고딕" panose="020B0503020000020004" pitchFamily="50" charset="-127"/>
+                        <a:cs typeface="+mn-cs"/>
+                        <a:sym typeface="Arial"/>
+                      </a:endParaRPr>
+                    </a:p>
+                  </a:txBody>
+                  <a:tcPr anchor="ctr"/>
                 </a:tc>
                 <a:extLst>
                   <a:ext uri="{0D108BD9-81ED-4DB2-BD59-A6C34878D82A}">
-                    <a16:rowId xmlns:a16="http://schemas.microsoft.com/office/drawing/2014/main" val="3871000115"/>
+                    <a16:rowId xmlns:a16="http://schemas.microsoft.com/office/drawing/2014/main" val="3143395347"/>
                   </a:ext>
                 </a:extLst>
               </a:tr>
-              <a:tr h="167237">
+              <a:tr h="921100">
                 <a:tc>
                   <a:txBody>
                     <a:bodyPr/>
@@ -20051,39 +20419,255 @@
                     <a:p>
                       <a:pPr algn="ctr" latinLnBrk="1"/>
                       <a:r>
-                        <a:rPr lang="en-US" altLang="ko-KR" sz="800" dirty="0"/>
-                        <a:t>2020/05/06</a:t>
+                        <a:rPr lang="en-US" altLang="ko-KR" sz="900" b="0" i="0" u="none" strike="noStrike" cap="none" dirty="0">
+                          <a:solidFill>
+                            <a:schemeClr val="dk1"/>
+                          </a:solidFill>
+                          <a:latin typeface="+mn-ea"/>
+                          <a:ea typeface="+mn-ea"/>
+                          <a:cs typeface="+mn-cs"/>
+                          <a:sym typeface="Arial"/>
+                        </a:rPr>
+                        <a:t>2020/05/04</a:t>
                       </a:r>
-                      <a:endParaRPr lang="ko-KR" altLang="en-US" sz="800" dirty="0"/>
+                      <a:endParaRPr lang="ko-KR" altLang="en-US" sz="900" b="0" i="0" u="none" strike="noStrike" cap="none" dirty="0">
+                        <a:solidFill>
+                          <a:schemeClr val="dk1"/>
+                        </a:solidFill>
+                        <a:latin typeface="+mn-ea"/>
+                        <a:ea typeface="+mn-ea"/>
+                        <a:cs typeface="+mn-cs"/>
+                        <a:sym typeface="Arial"/>
+                      </a:endParaRPr>
                     </a:p>
                   </a:txBody>
-                  <a:tcPr/>
+                  <a:tcPr anchor="ctr"/>
                 </a:tc>
                 <a:tc>
                   <a:txBody>
                     <a:bodyPr/>
                     <a:lstStyle/>
                     <a:p>
+                      <a:pPr marL="0" marR="0" lvl="0" indent="0" algn="ctr" defTabSz="914400" rtl="0" eaLnBrk="1" fontAlgn="auto" latinLnBrk="1" hangingPunct="1">
+                        <a:lnSpc>
+                          <a:spcPct val="100000"/>
+                        </a:lnSpc>
+                        <a:spcBef>
+                          <a:spcPts val="0"/>
+                        </a:spcBef>
+                        <a:spcAft>
+                          <a:spcPts val="0"/>
+                        </a:spcAft>
+                        <a:buClr>
+                          <a:srgbClr val="000000"/>
+                        </a:buClr>
+                        <a:buSzTx/>
+                        <a:buFont typeface="Arial"/>
+                        <a:buNone/>
+                        <a:tabLst/>
+                        <a:defRPr/>
+                      </a:pPr>
+                      <a:r>
+                        <a:rPr lang="en-US" altLang="ko-KR" sz="900" b="0" dirty="0">
+                          <a:latin typeface="+mn-ea"/>
+                          <a:ea typeface="+mn-ea"/>
+                        </a:rPr>
+                        <a:t>13 : 00 ~ 15 : 00 </a:t>
+                      </a:r>
+                      <a:endParaRPr lang="ko-KR" altLang="en-US" sz="900" b="0" dirty="0">
+                        <a:latin typeface="+mn-ea"/>
+                        <a:ea typeface="+mn-ea"/>
+                      </a:endParaRPr>
+                    </a:p>
+                    <a:p>
                       <a:pPr algn="ctr" latinLnBrk="1"/>
+                      <a:endParaRPr lang="ko-KR" altLang="en-US" sz="900" b="0" dirty="0">
+                        <a:latin typeface="+mn-ea"/>
+                        <a:ea typeface="+mn-ea"/>
+                      </a:endParaRPr>
+                    </a:p>
+                  </a:txBody>
+                  <a:tcPr anchor="ctr"/>
+                </a:tc>
+                <a:tc>
+                  <a:txBody>
+                    <a:bodyPr/>
+                    <a:lstStyle/>
+                    <a:p>
+                      <a:pPr marL="0" marR="0" lvl="0" indent="0" algn="ctr" defTabSz="914400" rtl="0" eaLnBrk="1" fontAlgn="auto" latinLnBrk="1" hangingPunct="1">
+                        <a:lnSpc>
+                          <a:spcPct val="100000"/>
+                        </a:lnSpc>
+                        <a:spcBef>
+                          <a:spcPts val="0"/>
+                        </a:spcBef>
+                        <a:spcAft>
+                          <a:spcPts val="0"/>
+                        </a:spcAft>
+                        <a:buClr>
+                          <a:srgbClr val="000000"/>
+                        </a:buClr>
+                        <a:buSzTx/>
+                        <a:buFont typeface="Arial"/>
+                        <a:buNone/>
+                        <a:tabLst/>
+                        <a:defRPr/>
+                      </a:pPr>
                       <a:r>
-                        <a:rPr lang="ko-KR" altLang="en-US" sz="800" dirty="0"/>
-                        <a:t>출석 </a:t>
+                        <a:rPr kumimoji="0" lang="ko-KR" altLang="en-US" sz="900" b="0" i="0" u="none" strike="noStrike" kern="0" cap="none" spc="0" normalizeH="0" baseline="0" noProof="0" dirty="0">
+                          <a:ln>
+                            <a:noFill/>
+                          </a:ln>
+                          <a:solidFill>
+                            <a:srgbClr val="000000"/>
+                          </a:solidFill>
+                          <a:effectLst/>
+                          <a:uLnTx/>
+                          <a:uFillTx/>
+                          <a:latin typeface="맑은 고딕" panose="020B0503020000020004" pitchFamily="50" charset="-127"/>
+                          <a:ea typeface="맑은 고딕" panose="020B0503020000020004" pitchFamily="50" charset="-127"/>
+                          <a:cs typeface="+mn-cs"/>
+                          <a:sym typeface="Arial"/>
+                        </a:rPr>
+                        <a:t>결석 </a:t>
                       </a:r>
                       <a:r>
-                        <a:rPr lang="en-US" altLang="ko-KR" sz="800" dirty="0"/>
-                        <a:t>/ </a:t>
+                        <a:rPr kumimoji="0" lang="en-US" altLang="ko-KR" sz="900" b="0" i="0" u="none" strike="noStrike" kern="0" cap="none" spc="0" normalizeH="0" baseline="0" noProof="0" dirty="0">
+                          <a:ln>
+                            <a:noFill/>
+                          </a:ln>
+                          <a:solidFill>
+                            <a:srgbClr val="000000"/>
+                          </a:solidFill>
+                          <a:effectLst/>
+                          <a:uLnTx/>
+                          <a:uFillTx/>
+                          <a:latin typeface="맑은 고딕" panose="020B0503020000020004" pitchFamily="50" charset="-127"/>
+                          <a:ea typeface="맑은 고딕" panose="020B0503020000020004" pitchFamily="50" charset="-127"/>
+                          <a:cs typeface="+mn-cs"/>
+                          <a:sym typeface="Arial"/>
+                        </a:rPr>
+                        <a:t> :  / </a:t>
                       </a:r>
                       <a:r>
-                        <a:rPr lang="ko-KR" altLang="en-US" sz="800" dirty="0"/>
-                        <a:t>지각</a:t>
+                        <a:rPr kumimoji="0" lang="ko-KR" altLang="en-US" sz="900" b="0" i="0" u="none" strike="noStrike" kern="0" cap="none" spc="0" normalizeH="0" baseline="0" noProof="0" dirty="0">
+                          <a:ln>
+                            <a:noFill/>
+                          </a:ln>
+                          <a:solidFill>
+                            <a:srgbClr val="000000"/>
+                          </a:solidFill>
+                          <a:effectLst/>
+                          <a:uLnTx/>
+                          <a:uFillTx/>
+                          <a:latin typeface="맑은 고딕" panose="020B0503020000020004" pitchFamily="50" charset="-127"/>
+                          <a:ea typeface="맑은 고딕" panose="020B0503020000020004" pitchFamily="50" charset="-127"/>
+                          <a:cs typeface="+mn-cs"/>
+                          <a:sym typeface="Arial"/>
+                        </a:rPr>
+                        <a:t>지각 </a:t>
                       </a:r>
+                      <a:r>
+                        <a:rPr kumimoji="0" lang="en-US" altLang="ko-KR" sz="900" b="0" i="0" u="none" strike="noStrike" kern="0" cap="none" spc="0" normalizeH="0" baseline="0" noProof="0" dirty="0">
+                          <a:ln>
+                            <a:noFill/>
+                          </a:ln>
+                          <a:solidFill>
+                            <a:srgbClr val="000000"/>
+                          </a:solidFill>
+                          <a:effectLst/>
+                          <a:uLnTx/>
+                          <a:uFillTx/>
+                          <a:latin typeface="맑은 고딕" panose="020B0503020000020004" pitchFamily="50" charset="-127"/>
+                          <a:ea typeface="맑은 고딕" panose="020B0503020000020004" pitchFamily="50" charset="-127"/>
+                          <a:cs typeface="+mn-cs"/>
+                          <a:sym typeface="Arial"/>
+                        </a:rPr>
+                        <a:t>: </a:t>
+                      </a:r>
+                      <a:endParaRPr kumimoji="0" lang="ko-KR" altLang="en-US" sz="900" b="0" i="0" u="none" strike="noStrike" kern="0" cap="none" spc="0" normalizeH="0" baseline="0" noProof="0" dirty="0">
+                        <a:ln>
+                          <a:noFill/>
+                        </a:ln>
+                        <a:solidFill>
+                          <a:srgbClr val="000000"/>
+                        </a:solidFill>
+                        <a:effectLst/>
+                        <a:uLnTx/>
+                        <a:uFillTx/>
+                        <a:latin typeface="맑은 고딕" panose="020B0503020000020004" pitchFamily="50" charset="-127"/>
+                        <a:ea typeface="맑은 고딕" panose="020B0503020000020004" pitchFamily="50" charset="-127"/>
+                        <a:cs typeface="+mn-cs"/>
+                        <a:sym typeface="Arial"/>
+                      </a:endParaRPr>
                     </a:p>
                   </a:txBody>
-                  <a:tcPr/>
+                  <a:tcPr anchor="ctr"/>
+                </a:tc>
+                <a:tc>
+                  <a:txBody>
+                    <a:bodyPr/>
+                    <a:lstStyle/>
+                    <a:p>
+                      <a:pPr marL="0" marR="0" lvl="0" indent="0" algn="ctr" defTabSz="914400" rtl="0" eaLnBrk="1" fontAlgn="auto" latinLnBrk="1" hangingPunct="1">
+                        <a:lnSpc>
+                          <a:spcPct val="100000"/>
+                        </a:lnSpc>
+                        <a:spcBef>
+                          <a:spcPts val="0"/>
+                        </a:spcBef>
+                        <a:spcAft>
+                          <a:spcPts val="0"/>
+                        </a:spcAft>
+                        <a:buClr>
+                          <a:srgbClr val="000000"/>
+                        </a:buClr>
+                        <a:buSzTx/>
+                        <a:buFont typeface="Arial"/>
+                        <a:buNone/>
+                        <a:tabLst/>
+                        <a:defRPr/>
+                      </a:pPr>
+                      <a:r>
+                        <a:rPr kumimoji="0" lang="ko-KR" altLang="en-US" sz="900" b="0" i="0" u="none" strike="noStrike" kern="0" cap="none" spc="0" normalizeH="0" baseline="0" noProof="0" dirty="0">
+                          <a:ln>
+                            <a:noFill/>
+                          </a:ln>
+                          <a:solidFill>
+                            <a:srgbClr val="000000"/>
+                          </a:solidFill>
+                          <a:effectLst/>
+                          <a:uLnTx/>
+                          <a:uFillTx/>
+                          <a:latin typeface="맑은 고딕" panose="020B0503020000020004" pitchFamily="50" charset="-127"/>
+                          <a:ea typeface="맑은 고딕" panose="020B0503020000020004" pitchFamily="50" charset="-127"/>
+                          <a:cs typeface="+mn-cs"/>
+                          <a:sym typeface="Arial"/>
+                        </a:rPr>
+                        <a:t>출석</a:t>
+                      </a:r>
+                      <a:endParaRPr kumimoji="0" lang="en-US" altLang="ko-KR" sz="900" b="0" i="0" u="none" strike="noStrike" kern="0" cap="none" spc="0" normalizeH="0" baseline="0" noProof="0" dirty="0">
+                        <a:ln>
+                          <a:noFill/>
+                        </a:ln>
+                        <a:solidFill>
+                          <a:srgbClr val="000000"/>
+                        </a:solidFill>
+                        <a:effectLst/>
+                        <a:uLnTx/>
+                        <a:uFillTx/>
+                        <a:latin typeface="맑은 고딕" panose="020B0503020000020004" pitchFamily="50" charset="-127"/>
+                        <a:ea typeface="맑은 고딕" panose="020B0503020000020004" pitchFamily="50" charset="-127"/>
+                        <a:cs typeface="+mn-cs"/>
+                        <a:sym typeface="Arial"/>
+                      </a:endParaRPr>
+                    </a:p>
+                  </a:txBody>
+                  <a:tcPr anchor="ctr"/>
                 </a:tc>
                 <a:extLst>
                   <a:ext uri="{0D108BD9-81ED-4DB2-BD59-A6C34878D82A}">
-                    <a16:rowId xmlns:a16="http://schemas.microsoft.com/office/drawing/2014/main" val="1798240494"/>
+                    <a16:rowId xmlns:a16="http://schemas.microsoft.com/office/drawing/2014/main" val="3980106186"/>
                   </a:ext>
                 </a:extLst>
               </a:tr>
@@ -20091,10 +20675,446 @@
           </a:graphicData>
         </a:graphic>
       </p:graphicFrame>
+      <p:sp>
+        <p:nvSpPr>
+          <p:cNvPr id="24" name="Google Shape;199;p16">
+            <a:extLst>
+              <a:ext uri="{FF2B5EF4-FFF2-40B4-BE49-F238E27FC236}">
+                <a16:creationId xmlns:a16="http://schemas.microsoft.com/office/drawing/2014/main" id="{EE6D9A01-BDDD-40D4-AE3A-74E7947DA03D}"/>
+              </a:ext>
+            </a:extLst>
+          </p:cNvPr>
+          <p:cNvSpPr txBox="1"/>
+          <p:nvPr/>
+        </p:nvSpPr>
+        <p:spPr>
+          <a:xfrm>
+            <a:off x="6469808" y="831295"/>
+            <a:ext cx="1164643" cy="369291"/>
+          </a:xfrm>
+          <a:prstGeom prst="rect">
+            <a:avLst/>
+          </a:prstGeom>
+          <a:noFill/>
+          <a:ln>
+            <a:noFill/>
+          </a:ln>
+        </p:spPr>
+        <p:txBody>
+          <a:bodyPr spcFirstLastPara="1" wrap="square" lIns="91425" tIns="45700" rIns="91425" bIns="45700" anchor="t" anchorCtr="0">
+            <a:spAutoFit/>
+          </a:bodyPr>
+          <a:lstStyle/>
+          <a:p>
+            <a:pPr marL="0" marR="0" lvl="0" indent="0" algn="l" rtl="0">
+              <a:spcBef>
+                <a:spcPts val="0"/>
+              </a:spcBef>
+              <a:spcAft>
+                <a:spcPts val="0"/>
+              </a:spcAft>
+              <a:buNone/>
+            </a:pPr>
+            <a:r>
+              <a:rPr lang="en-US" altLang="ko-KR" sz="900" dirty="0">
+                <a:solidFill>
+                  <a:schemeClr val="dk1"/>
+                </a:solidFill>
+                <a:latin typeface="Malgun Gothic"/>
+                <a:ea typeface="Malgun Gothic"/>
+              </a:rPr>
+              <a:t>OOO</a:t>
+            </a:r>
+            <a:r>
+              <a:rPr lang="ko-KR" altLang="en-US" sz="900" dirty="0">
+                <a:solidFill>
+                  <a:schemeClr val="dk1"/>
+                </a:solidFill>
+                <a:latin typeface="Malgun Gothic"/>
+                <a:ea typeface="Malgun Gothic"/>
+              </a:rPr>
+              <a:t>님 안녕하세요</a:t>
+            </a:r>
+          </a:p>
+        </p:txBody>
+      </p:sp>
+      <p:sp>
+        <p:nvSpPr>
+          <p:cNvPr id="25" name="Google Shape;111;p13">
+            <a:extLst>
+              <a:ext uri="{FF2B5EF4-FFF2-40B4-BE49-F238E27FC236}">
+                <a16:creationId xmlns:a16="http://schemas.microsoft.com/office/drawing/2014/main" id="{F59D1251-EDE6-467C-85B7-D69A471BB44A}"/>
+              </a:ext>
+            </a:extLst>
+          </p:cNvPr>
+          <p:cNvSpPr/>
+          <p:nvPr/>
+        </p:nvSpPr>
+        <p:spPr>
+          <a:xfrm>
+            <a:off x="6981869" y="1209966"/>
+            <a:ext cx="652582" cy="241995"/>
+          </a:xfrm>
+          <a:prstGeom prst="roundRect">
+            <a:avLst>
+              <a:gd name="adj" fmla="val 8776"/>
+            </a:avLst>
+          </a:prstGeom>
+          <a:solidFill>
+            <a:srgbClr val="F2F2F2"/>
+          </a:solidFill>
+          <a:ln w="9525" cap="flat" cmpd="sng">
+            <a:solidFill>
+              <a:srgbClr val="808080"/>
+            </a:solidFill>
+            <a:prstDash val="solid"/>
+            <a:round/>
+            <a:headEnd type="none" w="sm" len="sm"/>
+            <a:tailEnd type="none" w="sm" len="sm"/>
+          </a:ln>
+        </p:spPr>
+        <p:txBody>
+          <a:bodyPr spcFirstLastPara="1" wrap="square" lIns="91425" tIns="45700" rIns="91425" bIns="45700" anchor="ctr" anchorCtr="0">
+            <a:noAutofit/>
+          </a:bodyPr>
+          <a:lstStyle/>
+          <a:p>
+            <a:pPr marL="0" marR="0" lvl="0" indent="0" algn="l" rtl="0">
+              <a:spcBef>
+                <a:spcPts val="0"/>
+              </a:spcBef>
+              <a:spcAft>
+                <a:spcPts val="0"/>
+              </a:spcAft>
+              <a:buNone/>
+            </a:pPr>
+            <a:r>
+              <a:rPr lang="ko-KR" altLang="en-US" sz="900" dirty="0">
+                <a:solidFill>
+                  <a:srgbClr val="5F5F5F"/>
+                </a:solidFill>
+                <a:latin typeface="Quattrocento Sans"/>
+                <a:ea typeface="Quattrocento Sans"/>
+                <a:cs typeface="Quattrocento Sans"/>
+              </a:rPr>
+              <a:t>로그아웃</a:t>
+            </a:r>
+            <a:endParaRPr lang="ko-KR" altLang="en-US" sz="900" b="0" i="0" u="none" strike="noStrike" cap="none" dirty="0">
+              <a:solidFill>
+                <a:srgbClr val="5F5F5F"/>
+              </a:solidFill>
+              <a:latin typeface="Quattrocento Sans"/>
+              <a:ea typeface="Quattrocento Sans"/>
+              <a:cs typeface="Quattrocento Sans"/>
+            </a:endParaRPr>
+          </a:p>
+        </p:txBody>
+      </p:sp>
+      <p:sp>
+        <p:nvSpPr>
+          <p:cNvPr id="27" name="Google Shape;111;p13">
+            <a:extLst>
+              <a:ext uri="{FF2B5EF4-FFF2-40B4-BE49-F238E27FC236}">
+                <a16:creationId xmlns:a16="http://schemas.microsoft.com/office/drawing/2014/main" id="{B53B4D85-4D2F-45AD-B72C-F1128064E2E9}"/>
+              </a:ext>
+            </a:extLst>
+          </p:cNvPr>
+          <p:cNvSpPr/>
+          <p:nvPr/>
+        </p:nvSpPr>
+        <p:spPr>
+          <a:xfrm>
+            <a:off x="6206062" y="1213045"/>
+            <a:ext cx="730564" cy="241995"/>
+          </a:xfrm>
+          <a:prstGeom prst="roundRect">
+            <a:avLst>
+              <a:gd name="adj" fmla="val 8776"/>
+            </a:avLst>
+          </a:prstGeom>
+          <a:solidFill>
+            <a:srgbClr val="F2F2F2"/>
+          </a:solidFill>
+          <a:ln w="9525" cap="flat" cmpd="sng">
+            <a:solidFill>
+              <a:srgbClr val="808080"/>
+            </a:solidFill>
+            <a:prstDash val="solid"/>
+            <a:round/>
+            <a:headEnd type="none" w="sm" len="sm"/>
+            <a:tailEnd type="none" w="sm" len="sm"/>
+          </a:ln>
+        </p:spPr>
+        <p:txBody>
+          <a:bodyPr spcFirstLastPara="1" wrap="square" lIns="91425" tIns="45700" rIns="91425" bIns="45700" anchor="ctr" anchorCtr="0">
+            <a:noAutofit/>
+          </a:bodyPr>
+          <a:lstStyle/>
+          <a:p>
+            <a:pPr algn="ctr"/>
+            <a:r>
+              <a:rPr lang="ko-KR" altLang="en-US" sz="900" dirty="0">
+                <a:solidFill>
+                  <a:srgbClr val="5F5F5F"/>
+                </a:solidFill>
+                <a:latin typeface="Quattrocento Sans"/>
+                <a:ea typeface="Quattrocento Sans"/>
+                <a:cs typeface="Quattrocento Sans"/>
+              </a:rPr>
+              <a:t>출석체크</a:t>
+            </a:r>
+            <a:endParaRPr lang="ko-KR" sz="900" dirty="0">
+              <a:solidFill>
+                <a:srgbClr val="5F5F5F"/>
+              </a:solidFill>
+              <a:latin typeface="Quattrocento Sans"/>
+              <a:ea typeface="Quattrocento Sans"/>
+              <a:cs typeface="Quattrocento Sans"/>
+            </a:endParaRPr>
+          </a:p>
+        </p:txBody>
+      </p:sp>
+      <p:sp>
+        <p:nvSpPr>
+          <p:cNvPr id="38" name="Google Shape;114;p13">
+            <a:extLst>
+              <a:ext uri="{FF2B5EF4-FFF2-40B4-BE49-F238E27FC236}">
+                <a16:creationId xmlns:a16="http://schemas.microsoft.com/office/drawing/2014/main" id="{478926E4-FBCC-4E24-851C-B6798F799F32}"/>
+              </a:ext>
+            </a:extLst>
+          </p:cNvPr>
+          <p:cNvSpPr/>
+          <p:nvPr/>
+        </p:nvSpPr>
+        <p:spPr>
+          <a:xfrm>
+            <a:off x="6149072" y="1261906"/>
+            <a:ext cx="134937" cy="138113"/>
+          </a:xfrm>
+          <a:prstGeom prst="ellipse">
+            <a:avLst/>
+          </a:prstGeom>
+          <a:solidFill>
+            <a:srgbClr val="D60C0C"/>
+          </a:solidFill>
+          <a:ln w="19050" cap="flat" cmpd="sng">
+            <a:solidFill>
+              <a:schemeClr val="lt1"/>
+            </a:solidFill>
+            <a:prstDash val="solid"/>
+            <a:miter lim="800000"/>
+            <a:headEnd type="none" w="sm" len="sm"/>
+            <a:tailEnd type="none" w="sm" len="sm"/>
+          </a:ln>
+          <a:effectLst>
+            <a:outerShdw blurRad="50800" dist="38100" dir="2700000" algn="tl" rotWithShape="0">
+              <a:srgbClr val="000000">
+                <a:alpha val="40000"/>
+              </a:srgbClr>
+            </a:outerShdw>
+          </a:effectLst>
+        </p:spPr>
+        <p:txBody>
+          <a:bodyPr spcFirstLastPara="1" wrap="square" lIns="91425" tIns="45700" rIns="91425" bIns="45700" anchor="ctr" anchorCtr="0">
+            <a:noAutofit/>
+          </a:bodyPr>
+          <a:lstStyle/>
+          <a:p>
+            <a:pPr marL="0" marR="0" lvl="0" indent="0" algn="ctr" rtl="0">
+              <a:spcBef>
+                <a:spcPts val="0"/>
+              </a:spcBef>
+              <a:spcAft>
+                <a:spcPts val="0"/>
+              </a:spcAft>
+              <a:buNone/>
+            </a:pPr>
+            <a:r>
+              <a:rPr lang="ko-KR" sz="1000" b="1" i="0" u="none" strike="noStrike" cap="none" dirty="0">
+                <a:solidFill>
+                  <a:schemeClr val="lt1"/>
+                </a:solidFill>
+                <a:latin typeface="Malgun Gothic"/>
+                <a:ea typeface="Malgun Gothic"/>
+                <a:cs typeface="Malgun Gothic"/>
+                <a:sym typeface="Malgun Gothic"/>
+              </a:rPr>
+              <a:t>1</a:t>
+            </a:r>
+            <a:endParaRPr sz="1000" b="1" i="0" u="none" strike="noStrike" cap="none" dirty="0">
+              <a:solidFill>
+                <a:schemeClr val="lt1"/>
+              </a:solidFill>
+              <a:latin typeface="Malgun Gothic"/>
+              <a:ea typeface="Malgun Gothic"/>
+              <a:cs typeface="Malgun Gothic"/>
+              <a:sym typeface="Malgun Gothic"/>
+            </a:endParaRPr>
+          </a:p>
+        </p:txBody>
+      </p:sp>
+      <p:sp>
+        <p:nvSpPr>
+          <p:cNvPr id="39" name="Google Shape;114;p13">
+            <a:extLst>
+              <a:ext uri="{FF2B5EF4-FFF2-40B4-BE49-F238E27FC236}">
+                <a16:creationId xmlns:a16="http://schemas.microsoft.com/office/drawing/2014/main" id="{6FAD8D35-1DBF-4FCF-9635-D4F5436D45D5}"/>
+              </a:ext>
+            </a:extLst>
+          </p:cNvPr>
+          <p:cNvSpPr/>
+          <p:nvPr/>
+        </p:nvSpPr>
+        <p:spPr>
+          <a:xfrm>
+            <a:off x="5413705" y="2160031"/>
+            <a:ext cx="134937" cy="138113"/>
+          </a:xfrm>
+          <a:prstGeom prst="ellipse">
+            <a:avLst/>
+          </a:prstGeom>
+          <a:solidFill>
+            <a:srgbClr val="D60C0C"/>
+          </a:solidFill>
+          <a:ln w="19050" cap="flat" cmpd="sng">
+            <a:solidFill>
+              <a:schemeClr val="lt1"/>
+            </a:solidFill>
+            <a:prstDash val="solid"/>
+            <a:miter lim="800000"/>
+            <a:headEnd type="none" w="sm" len="sm"/>
+            <a:tailEnd type="none" w="sm" len="sm"/>
+          </a:ln>
+          <a:effectLst>
+            <a:outerShdw blurRad="50800" dist="38100" dir="2700000" algn="tl" rotWithShape="0">
+              <a:srgbClr val="000000">
+                <a:alpha val="40000"/>
+              </a:srgbClr>
+            </a:outerShdw>
+          </a:effectLst>
+        </p:spPr>
+        <p:txBody>
+          <a:bodyPr spcFirstLastPara="1" wrap="square" lIns="91425" tIns="45700" rIns="91425" bIns="45700" anchor="ctr" anchorCtr="0">
+            <a:noAutofit/>
+          </a:bodyPr>
+          <a:lstStyle/>
+          <a:p>
+            <a:pPr marL="0" marR="0" lvl="0" indent="0" algn="ctr" rtl="0">
+              <a:spcBef>
+                <a:spcPts val="0"/>
+              </a:spcBef>
+              <a:spcAft>
+                <a:spcPts val="0"/>
+              </a:spcAft>
+              <a:buNone/>
+            </a:pPr>
+            <a:r>
+              <a:rPr lang="en-US" altLang="ko-KR" sz="1000" b="1" i="0" u="none" strike="noStrike" cap="none" dirty="0">
+                <a:solidFill>
+                  <a:schemeClr val="lt1"/>
+                </a:solidFill>
+                <a:latin typeface="Malgun Gothic"/>
+                <a:ea typeface="Malgun Gothic"/>
+                <a:cs typeface="Malgun Gothic"/>
+                <a:sym typeface="Malgun Gothic"/>
+              </a:rPr>
+              <a:t>2</a:t>
+            </a:r>
+            <a:endParaRPr sz="1000" b="1" i="0" u="none" strike="noStrike" cap="none" dirty="0">
+              <a:solidFill>
+                <a:schemeClr val="lt1"/>
+              </a:solidFill>
+              <a:latin typeface="Malgun Gothic"/>
+              <a:ea typeface="Malgun Gothic"/>
+              <a:cs typeface="Malgun Gothic"/>
+              <a:sym typeface="Malgun Gothic"/>
+            </a:endParaRPr>
+          </a:p>
+        </p:txBody>
+      </p:sp>
+      <p:sp>
+        <p:nvSpPr>
+          <p:cNvPr id="40" name="Google Shape;114;p13">
+            <a:extLst>
+              <a:ext uri="{FF2B5EF4-FFF2-40B4-BE49-F238E27FC236}">
+                <a16:creationId xmlns:a16="http://schemas.microsoft.com/office/drawing/2014/main" id="{FC3EC677-D6F2-4E1F-8F8C-3EA6060B9CEB}"/>
+              </a:ext>
+            </a:extLst>
+          </p:cNvPr>
+          <p:cNvSpPr/>
+          <p:nvPr/>
+        </p:nvSpPr>
+        <p:spPr>
+          <a:xfrm>
+            <a:off x="7052129" y="2179072"/>
+            <a:ext cx="134937" cy="138113"/>
+          </a:xfrm>
+          <a:prstGeom prst="ellipse">
+            <a:avLst/>
+          </a:prstGeom>
+          <a:solidFill>
+            <a:srgbClr val="D60C0C"/>
+          </a:solidFill>
+          <a:ln w="19050" cap="flat" cmpd="sng">
+            <a:solidFill>
+              <a:schemeClr val="lt1"/>
+            </a:solidFill>
+            <a:prstDash val="solid"/>
+            <a:miter lim="800000"/>
+            <a:headEnd type="none" w="sm" len="sm"/>
+            <a:tailEnd type="none" w="sm" len="sm"/>
+          </a:ln>
+          <a:effectLst>
+            <a:outerShdw blurRad="50800" dist="38100" dir="2700000" algn="tl" rotWithShape="0">
+              <a:srgbClr val="000000">
+                <a:alpha val="40000"/>
+              </a:srgbClr>
+            </a:outerShdw>
+          </a:effectLst>
+        </p:spPr>
+        <p:txBody>
+          <a:bodyPr spcFirstLastPara="1" wrap="square" lIns="91425" tIns="45700" rIns="91425" bIns="45700" anchor="ctr" anchorCtr="0">
+            <a:noAutofit/>
+          </a:bodyPr>
+          <a:lstStyle/>
+          <a:p>
+            <a:pPr marL="0" marR="0" lvl="0" indent="0" algn="ctr" rtl="0">
+              <a:spcBef>
+                <a:spcPts val="0"/>
+              </a:spcBef>
+              <a:spcAft>
+                <a:spcPts val="0"/>
+              </a:spcAft>
+              <a:buNone/>
+            </a:pPr>
+            <a:r>
+              <a:rPr lang="en-US" altLang="ko-KR" sz="1000" b="1" dirty="0">
+                <a:solidFill>
+                  <a:schemeClr val="lt1"/>
+                </a:solidFill>
+                <a:latin typeface="Malgun Gothic"/>
+                <a:ea typeface="Malgun Gothic"/>
+                <a:cs typeface="Malgun Gothic"/>
+                <a:sym typeface="Malgun Gothic"/>
+              </a:rPr>
+              <a:t>3</a:t>
+            </a:r>
+            <a:endParaRPr sz="1000" b="1" i="0" u="none" strike="noStrike" cap="none" dirty="0">
+              <a:solidFill>
+                <a:schemeClr val="lt1"/>
+              </a:solidFill>
+              <a:latin typeface="Malgun Gothic"/>
+              <a:ea typeface="Malgun Gothic"/>
+              <a:cs typeface="Malgun Gothic"/>
+              <a:sym typeface="Malgun Gothic"/>
+            </a:endParaRPr>
+          </a:p>
+        </p:txBody>
+      </p:sp>
     </p:spTree>
     <p:extLst>
       <p:ext uri="{BB962C8B-B14F-4D97-AF65-F5344CB8AC3E}">
-        <p14:creationId xmlns:p14="http://schemas.microsoft.com/office/powerpoint/2010/main" val="3493351249"/>
+        <p14:creationId xmlns:p14="http://schemas.microsoft.com/office/powerpoint/2010/main" val="76227941"/>
       </p:ext>
     </p:extLst>
   </p:cSld>
